--- a/predavanja/prezentacije/OOP08-Nizovi u Javi.pptx
+++ b/predavanja/prezentacije/OOP08-Nizovi u Javi.pptx
@@ -5,10 +5,10 @@
     <p:sldMasterId id="2147483721" r:id="rId1"/>
   </p:sldMasterIdLst>
   <p:notesMasterIdLst>
-    <p:notesMasterId r:id="rId18"/>
+    <p:notesMasterId r:id="rId23"/>
   </p:notesMasterIdLst>
   <p:handoutMasterIdLst>
-    <p:handoutMasterId r:id="rId19"/>
+    <p:handoutMasterId r:id="rId24"/>
   </p:handoutMasterIdLst>
   <p:sldIdLst>
     <p:sldId id="284" r:id="rId2"/>
@@ -22,20 +22,25 @@
     <p:sldId id="271" r:id="rId10"/>
     <p:sldId id="260" r:id="rId11"/>
     <p:sldId id="272" r:id="rId12"/>
-    <p:sldId id="291" r:id="rId13"/>
-    <p:sldId id="292" r:id="rId14"/>
-    <p:sldId id="293" r:id="rId15"/>
-    <p:sldId id="294" r:id="rId16"/>
-    <p:sldId id="283" r:id="rId17"/>
+    <p:sldId id="295" r:id="rId13"/>
+    <p:sldId id="296" r:id="rId14"/>
+    <p:sldId id="297" r:id="rId15"/>
+    <p:sldId id="291" r:id="rId16"/>
+    <p:sldId id="292" r:id="rId17"/>
+    <p:sldId id="293" r:id="rId18"/>
+    <p:sldId id="294" r:id="rId19"/>
+    <p:sldId id="298" r:id="rId20"/>
+    <p:sldId id="299" r:id="rId21"/>
+    <p:sldId id="283" r:id="rId22"/>
   </p:sldIdLst>
   <p:sldSz cx="9144000" cy="6858000" type="screen4x3"/>
   <p:notesSz cx="6858000" cy="9144000"/>
   <p:embeddedFontLst>
     <p:embeddedFont>
       <p:font typeface="Garamond" panose="02020404030301010803" pitchFamily="18" charset="0"/>
-      <p:regular r:id="rId20"/>
-      <p:bold r:id="rId21"/>
-      <p:italic r:id="rId22"/>
+      <p:regular r:id="rId25"/>
+      <p:bold r:id="rId26"/>
+      <p:italic r:id="rId27"/>
     </p:embeddedFont>
   </p:embeddedFontLst>
   <p:kinsoku lang="ja-JP" invalStChars="、。，．・：；？！゛゜ヽヾゝゞ々ー’”）〕］｝〉》」』】°‰′″℃￠％ぁぃぅぇぉっゃゅょゎァィゥェォッャュョヮヵヶ!%),.:;?]}｡｣､･ｧｨｩｪｫｬｭｮｯｰﾞﾟ" invalEndChars="‘“（〔［｛〈《「『【￥＄$([\{｢￡"/>
@@ -166,7 +171,7 @@
   </p:defaultTextStyle>
   <p:extLst>
     <p:ext uri="{EFAFB233-063F-42B5-8137-9DF3F51BA10A}">
-      <p15:sldGuideLst xmlns="" xmlns:p15="http://schemas.microsoft.com/office/powerpoint/2012/main">
+      <p15:sldGuideLst xmlns:p15="http://schemas.microsoft.com/office/powerpoint/2012/main">
         <p15:guide id="1" orient="horz" pos="2160">
           <p15:clr>
             <a:srgbClr val="A4A3A4"/>
@@ -1670,6 +1675,13 @@
   <p:clrMapOvr>
     <a:masterClrMapping/>
   </p:clrMapOvr>
+  <p:timing>
+    <p:tnLst>
+      <p:par>
+        <p:cTn id="1" dur="indefinite" restart="never" nodeType="tmRoot"/>
+      </p:par>
+    </p:tnLst>
+  </p:timing>
 </p:sldLayout>
 </file>
 
@@ -2024,8 +2036,8 @@
         </p:nvSpPr>
         <p:spPr bwMode="auto">
           <a:xfrm>
-            <a:off x="8493125" y="274638"/>
-            <a:ext cx="460375" cy="214312"/>
+            <a:off x="8493121" y="274072"/>
+            <a:ext cx="460383" cy="215444"/>
           </a:xfrm>
           <a:prstGeom prst="rect">
             <a:avLst/>
@@ -2169,7 +2181,7 @@
               <a:buNone/>
             </a:pPr>
             <a:r>
-              <a:rPr lang="en-US" altLang="sr-Latn-RS" sz="800">
+              <a:rPr lang="en-US" altLang="sr-Latn-RS" sz="800" dirty="0">
                 <a:solidFill>
                   <a:srgbClr val="6767FF"/>
                 </a:solidFill>
@@ -2178,7 +2190,7 @@
               <a:t> </a:t>
             </a:r>
             <a:fld id="{FCBB6FF6-F43C-4FB9-9955-5259B386B6BC}" type="slidenum">
-              <a:rPr lang="en-US" altLang="sr-Latn-RS" sz="800">
+              <a:rPr lang="en-US" altLang="sr-Latn-RS" sz="800" smtClean="0">
                 <a:solidFill>
                   <a:srgbClr val="6767FF"/>
                 </a:solidFill>
@@ -2198,14 +2210,20 @@
               <a:t>‹#›</a:t>
             </a:fld>
             <a:r>
-              <a:rPr lang="en-US" altLang="sr-Latn-RS" sz="800">
+              <a:rPr lang="en-US" altLang="sr-Latn-RS" sz="800" dirty="0" smtClean="0">
                 <a:solidFill>
                   <a:srgbClr val="6767FF"/>
                 </a:solidFill>
                 <a:cs typeface="Arial" panose="020B0604020202020204" pitchFamily="34" charset="0"/>
               </a:rPr>
-              <a:t>/16</a:t>
-            </a:r>
+              <a:t>/21</a:t>
+            </a:r>
+            <a:endParaRPr lang="en-US" altLang="sr-Latn-RS" sz="800" dirty="0">
+              <a:solidFill>
+                <a:srgbClr val="6767FF"/>
+              </a:solidFill>
+              <a:cs typeface="Arial" panose="020B0604020202020204" pitchFamily="34" charset="0"/>
+            </a:endParaRPr>
           </a:p>
         </p:txBody>
       </p:sp>
@@ -7600,6 +7618,4216 @@
       </p:grpSpPr>
       <p:sp>
         <p:nvSpPr>
+          <p:cNvPr id="8" name="Rectangle 5"/>
+          <p:cNvSpPr>
+            <a:spLocks noChangeArrowheads="1"/>
+          </p:cNvSpPr>
+          <p:nvPr/>
+        </p:nvSpPr>
+        <p:spPr bwMode="auto">
+          <a:xfrm>
+            <a:off x="323850" y="1412875"/>
+            <a:ext cx="8712200" cy="1723549"/>
+          </a:xfrm>
+          <a:prstGeom prst="rect">
+            <a:avLst/>
+          </a:prstGeom>
+          <a:noFill/>
+          <a:ln>
+            <a:noFill/>
+          </a:ln>
+          <a:extLst>
+            <a:ext uri="{909E8E84-426E-40DD-AFC4-6F175D3DCCD1}">
+              <a14:hiddenFill xmlns:a14="http://schemas.microsoft.com/office/drawing/2010/main">
+                <a:solidFill>
+                  <a:srgbClr val="FFFFFF"/>
+                </a:solidFill>
+              </a14:hiddenFill>
+            </a:ext>
+            <a:ext uri="{91240B29-F687-4F45-9708-019B960494DF}">
+              <a14:hiddenLine xmlns:a14="http://schemas.microsoft.com/office/drawing/2010/main" w="12700">
+                <a:solidFill>
+                  <a:srgbClr val="000000"/>
+                </a:solidFill>
+                <a:miter lim="800000"/>
+                <a:headEnd/>
+                <a:tailEnd/>
+              </a14:hiddenLine>
+            </a:ext>
+          </a:extLst>
+        </p:spPr>
+        <p:txBody>
+          <a:bodyPr>
+            <a:spAutoFit/>
+          </a:bodyPr>
+          <a:lstStyle/>
+          <a:p>
+            <a:pPr marL="342900" indent="-342900">
+              <a:spcAft>
+                <a:spcPts val="600"/>
+              </a:spcAft>
+              <a:buFont typeface="Arial" panose="020B0604020202020204" pitchFamily="34" charset="0"/>
+              <a:buChar char="•"/>
+              <a:defRPr/>
+            </a:pPr>
+            <a:r>
+              <a:rPr lang="sr-Cyrl-RS" dirty="0">
+                <a:solidFill>
+                  <a:schemeClr val="tx1"/>
+                </a:solidFill>
+                <a:latin typeface="Garamond" pitchFamily="18" charset="0"/>
+              </a:rPr>
+              <a:t>Колекцијска наредба </a:t>
+            </a:r>
+            <a:r>
+              <a:rPr lang="en-US" sz="2000" dirty="0" smtClean="0">
+                <a:solidFill>
+                  <a:schemeClr val="tx1"/>
+                </a:solidFill>
+                <a:latin typeface="+mn-lt"/>
+              </a:rPr>
+              <a:t>for</a:t>
+            </a:r>
+            <a:r>
+              <a:rPr lang="sr-Cyrl-RS" sz="2000" dirty="0">
+                <a:solidFill>
+                  <a:schemeClr val="tx1"/>
+                </a:solidFill>
+                <a:latin typeface="Garamond" pitchFamily="18" charset="0"/>
+              </a:rPr>
+              <a:t> </a:t>
+            </a:r>
+            <a:r>
+              <a:rPr lang="sr-Cyrl-RS" dirty="0" smtClean="0">
+                <a:solidFill>
+                  <a:schemeClr val="tx1"/>
+                </a:solidFill>
+                <a:latin typeface="Garamond" pitchFamily="18" charset="0"/>
+              </a:rPr>
+              <a:t>служи </a:t>
+            </a:r>
+            <a:r>
+              <a:rPr lang="sr-Cyrl-RS" dirty="0">
+                <a:solidFill>
+                  <a:schemeClr val="tx1"/>
+                </a:solidFill>
+                <a:latin typeface="Garamond" pitchFamily="18" charset="0"/>
+              </a:rPr>
+              <a:t>за пролазак кроз </a:t>
+            </a:r>
+            <a:r>
+              <a:rPr lang="sr-Cyrl-RS" dirty="0" smtClean="0">
+                <a:solidFill>
+                  <a:schemeClr val="tx1"/>
+                </a:solidFill>
+                <a:latin typeface="Garamond" pitchFamily="18" charset="0"/>
+              </a:rPr>
+              <a:t>колекцију/низ.</a:t>
+            </a:r>
+          </a:p>
+          <a:p>
+            <a:pPr marL="342900" indent="-342900">
+              <a:spcAft>
+                <a:spcPts val="600"/>
+              </a:spcAft>
+              <a:buFont typeface="Arial" panose="020B0604020202020204" pitchFamily="34" charset="0"/>
+              <a:buChar char="•"/>
+              <a:defRPr/>
+            </a:pPr>
+            <a:r>
+              <a:rPr lang="sr-Cyrl-RS" dirty="0" smtClean="0">
+                <a:solidFill>
+                  <a:schemeClr val="tx1"/>
+                </a:solidFill>
+                <a:latin typeface="Garamond" pitchFamily="18" charset="0"/>
+              </a:rPr>
+              <a:t>Притом </a:t>
+            </a:r>
+            <a:r>
+              <a:rPr lang="sr-Cyrl-RS" dirty="0">
+                <a:solidFill>
+                  <a:schemeClr val="tx1"/>
+                </a:solidFill>
+                <a:latin typeface="Garamond" pitchFamily="18" charset="0"/>
+              </a:rPr>
+              <a:t>променљива у наредби </a:t>
+            </a:r>
+            <a:r>
+              <a:rPr lang="en-US" dirty="0">
+                <a:solidFill>
+                  <a:schemeClr val="tx1"/>
+                </a:solidFill>
+                <a:latin typeface="Garamond" pitchFamily="18" charset="0"/>
+              </a:rPr>
+              <a:t>for </a:t>
+            </a:r>
+            <a:r>
+              <a:rPr lang="sr-Cyrl-RS" dirty="0">
+                <a:solidFill>
+                  <a:schemeClr val="tx1"/>
+                </a:solidFill>
+                <a:latin typeface="Garamond" pitchFamily="18" charset="0"/>
+              </a:rPr>
+              <a:t>не представља бројач, </a:t>
+            </a:r>
+            <a:r>
+              <a:rPr lang="sr-Cyrl-RS" dirty="0" smtClean="0">
+                <a:solidFill>
+                  <a:schemeClr val="tx1"/>
+                </a:solidFill>
+                <a:latin typeface="Garamond" pitchFamily="18" charset="0"/>
+              </a:rPr>
+              <a:t/>
+            </a:r>
+            <a:br>
+              <a:rPr lang="sr-Cyrl-RS" dirty="0" smtClean="0">
+                <a:solidFill>
+                  <a:schemeClr val="tx1"/>
+                </a:solidFill>
+                <a:latin typeface="Garamond" pitchFamily="18" charset="0"/>
+              </a:rPr>
+            </a:br>
+            <a:r>
+              <a:rPr lang="sr-Cyrl-RS" dirty="0" smtClean="0">
+                <a:solidFill>
+                  <a:schemeClr val="tx1"/>
+                </a:solidFill>
+                <a:latin typeface="Garamond" pitchFamily="18" charset="0"/>
+              </a:rPr>
+              <a:t>већ </a:t>
+            </a:r>
+            <a:r>
+              <a:rPr lang="sr-Cyrl-RS" dirty="0">
+                <a:solidFill>
+                  <a:schemeClr val="tx1"/>
+                </a:solidFill>
+                <a:latin typeface="Garamond" pitchFamily="18" charset="0"/>
+              </a:rPr>
+              <a:t>редом узима вредности елемената низа тј. колекције. </a:t>
+            </a:r>
+          </a:p>
+          <a:p>
+            <a:pPr marL="342900" indent="-342900">
+              <a:spcAft>
+                <a:spcPts val="600"/>
+              </a:spcAft>
+              <a:buFont typeface="Arial" panose="020B0604020202020204" pitchFamily="34" charset="0"/>
+              <a:buChar char="•"/>
+              <a:defRPr/>
+            </a:pPr>
+            <a:r>
+              <a:rPr lang="ru-RU" dirty="0" err="1" smtClean="0">
+                <a:solidFill>
+                  <a:schemeClr val="tx1"/>
+                </a:solidFill>
+                <a:latin typeface="Garamond" pitchFamily="18" charset="0"/>
+              </a:rPr>
+              <a:t>Колекцијска</a:t>
+            </a:r>
+            <a:r>
+              <a:rPr lang="ru-RU" dirty="0" smtClean="0">
+                <a:solidFill>
+                  <a:schemeClr val="tx1"/>
+                </a:solidFill>
+                <a:latin typeface="Garamond" pitchFamily="18" charset="0"/>
+              </a:rPr>
+              <a:t> </a:t>
+            </a:r>
+            <a:r>
+              <a:rPr lang="ru-RU" dirty="0">
+                <a:solidFill>
+                  <a:schemeClr val="tx1"/>
+                </a:solidFill>
+                <a:latin typeface="Garamond" pitchFamily="18" charset="0"/>
+              </a:rPr>
+              <a:t>наредба </a:t>
+            </a:r>
+            <a:r>
+              <a:rPr lang="ru-RU" sz="2000" dirty="0">
+                <a:solidFill>
+                  <a:schemeClr val="tx1"/>
+                </a:solidFill>
+                <a:latin typeface="+mn-lt"/>
+              </a:rPr>
+              <a:t>for</a:t>
+            </a:r>
+            <a:r>
+              <a:rPr lang="ru-RU" sz="2000" dirty="0">
+                <a:solidFill>
+                  <a:schemeClr val="tx1"/>
+                </a:solidFill>
+                <a:latin typeface="Garamond" pitchFamily="18" charset="0"/>
+              </a:rPr>
+              <a:t> </a:t>
+            </a:r>
+            <a:r>
+              <a:rPr lang="ru-RU" dirty="0">
+                <a:solidFill>
+                  <a:schemeClr val="tx1"/>
+                </a:solidFill>
+                <a:latin typeface="Garamond" pitchFamily="18" charset="0"/>
+              </a:rPr>
+              <a:t>има следећу синтаксу:</a:t>
+            </a:r>
+            <a:endParaRPr lang="sr-Cyrl-RS" dirty="0">
+              <a:solidFill>
+                <a:schemeClr val="tx1"/>
+              </a:solidFill>
+              <a:latin typeface="Garamond" pitchFamily="18" charset="0"/>
+            </a:endParaRPr>
+          </a:p>
+        </p:txBody>
+      </p:sp>
+      <p:sp>
+        <p:nvSpPr>
+          <p:cNvPr id="7" name="Title 1"/>
+          <p:cNvSpPr txBox="1">
+            <a:spLocks/>
+          </p:cNvSpPr>
+          <p:nvPr/>
+        </p:nvSpPr>
+        <p:spPr>
+          <a:xfrm>
+            <a:off x="1403350" y="538163"/>
+            <a:ext cx="7751763" cy="868362"/>
+          </a:xfrm>
+          <a:prstGeom prst="rect">
+            <a:avLst/>
+          </a:prstGeom>
+        </p:spPr>
+        <p:txBody>
+          <a:bodyPr/>
+          <a:lstStyle>
+            <a:lvl1pPr algn="l" rtl="0" eaLnBrk="0" fontAlgn="base" hangingPunct="0">
+              <a:spcBef>
+                <a:spcPct val="0"/>
+              </a:spcBef>
+              <a:spcAft>
+                <a:spcPct val="0"/>
+              </a:spcAft>
+              <a:defRPr sz="3800">
+                <a:solidFill>
+                  <a:schemeClr val="tx2"/>
+                </a:solidFill>
+                <a:latin typeface="+mj-lt"/>
+                <a:ea typeface="+mj-ea"/>
+                <a:cs typeface="+mj-cs"/>
+              </a:defRPr>
+            </a:lvl1pPr>
+            <a:lvl2pPr algn="l" rtl="0" eaLnBrk="0" fontAlgn="base" hangingPunct="0">
+              <a:spcBef>
+                <a:spcPct val="0"/>
+              </a:spcBef>
+              <a:spcAft>
+                <a:spcPct val="0"/>
+              </a:spcAft>
+              <a:defRPr sz="3800">
+                <a:solidFill>
+                  <a:schemeClr val="tx2"/>
+                </a:solidFill>
+                <a:latin typeface="Arial" charset="0"/>
+              </a:defRPr>
+            </a:lvl2pPr>
+            <a:lvl3pPr algn="l" rtl="0" eaLnBrk="0" fontAlgn="base" hangingPunct="0">
+              <a:spcBef>
+                <a:spcPct val="0"/>
+              </a:spcBef>
+              <a:spcAft>
+                <a:spcPct val="0"/>
+              </a:spcAft>
+              <a:defRPr sz="3800">
+                <a:solidFill>
+                  <a:schemeClr val="tx2"/>
+                </a:solidFill>
+                <a:latin typeface="Arial" charset="0"/>
+              </a:defRPr>
+            </a:lvl3pPr>
+            <a:lvl4pPr algn="l" rtl="0" eaLnBrk="0" fontAlgn="base" hangingPunct="0">
+              <a:spcBef>
+                <a:spcPct val="0"/>
+              </a:spcBef>
+              <a:spcAft>
+                <a:spcPct val="0"/>
+              </a:spcAft>
+              <a:defRPr sz="3800">
+                <a:solidFill>
+                  <a:schemeClr val="tx2"/>
+                </a:solidFill>
+                <a:latin typeface="Arial" charset="0"/>
+              </a:defRPr>
+            </a:lvl4pPr>
+            <a:lvl5pPr algn="l" rtl="0" eaLnBrk="0" fontAlgn="base" hangingPunct="0">
+              <a:spcBef>
+                <a:spcPct val="0"/>
+              </a:spcBef>
+              <a:spcAft>
+                <a:spcPct val="0"/>
+              </a:spcAft>
+              <a:defRPr sz="3800">
+                <a:solidFill>
+                  <a:schemeClr val="tx2"/>
+                </a:solidFill>
+                <a:latin typeface="Arial" charset="0"/>
+              </a:defRPr>
+            </a:lvl5pPr>
+            <a:lvl6pPr marL="457200" algn="l" rtl="0" fontAlgn="base">
+              <a:spcBef>
+                <a:spcPct val="0"/>
+              </a:spcBef>
+              <a:spcAft>
+                <a:spcPct val="0"/>
+              </a:spcAft>
+              <a:defRPr sz="3800">
+                <a:solidFill>
+                  <a:schemeClr val="tx2"/>
+                </a:solidFill>
+                <a:latin typeface="Arial" charset="0"/>
+              </a:defRPr>
+            </a:lvl6pPr>
+            <a:lvl7pPr marL="914400" algn="l" rtl="0" fontAlgn="base">
+              <a:spcBef>
+                <a:spcPct val="0"/>
+              </a:spcBef>
+              <a:spcAft>
+                <a:spcPct val="0"/>
+              </a:spcAft>
+              <a:defRPr sz="3800">
+                <a:solidFill>
+                  <a:schemeClr val="tx2"/>
+                </a:solidFill>
+                <a:latin typeface="Arial" charset="0"/>
+              </a:defRPr>
+            </a:lvl7pPr>
+            <a:lvl8pPr marL="1371600" algn="l" rtl="0" fontAlgn="base">
+              <a:spcBef>
+                <a:spcPct val="0"/>
+              </a:spcBef>
+              <a:spcAft>
+                <a:spcPct val="0"/>
+              </a:spcAft>
+              <a:defRPr sz="3800">
+                <a:solidFill>
+                  <a:schemeClr val="tx2"/>
+                </a:solidFill>
+                <a:latin typeface="Arial" charset="0"/>
+              </a:defRPr>
+            </a:lvl8pPr>
+            <a:lvl9pPr marL="1828800" algn="l" rtl="0" fontAlgn="base">
+              <a:spcBef>
+                <a:spcPct val="0"/>
+              </a:spcBef>
+              <a:spcAft>
+                <a:spcPct val="0"/>
+              </a:spcAft>
+              <a:defRPr sz="3800">
+                <a:solidFill>
+                  <a:schemeClr val="tx2"/>
+                </a:solidFill>
+                <a:latin typeface="Arial" charset="0"/>
+              </a:defRPr>
+            </a:lvl9pPr>
+          </a:lstStyle>
+          <a:p>
+            <a:pPr>
+              <a:defRPr/>
+            </a:pPr>
+            <a:r>
+              <a:rPr lang="sr-Cyrl-RS" sz="3600" b="1" kern="0" dirty="0" smtClean="0">
+                <a:solidFill>
+                  <a:srgbClr val="0070C0"/>
+                </a:solidFill>
+              </a:rPr>
+              <a:t>Колекцијска наредба </a:t>
+            </a:r>
+            <a:r>
+              <a:rPr lang="en-US" sz="3600" b="1" kern="0" dirty="0" smtClean="0">
+                <a:solidFill>
+                  <a:srgbClr val="0070C0"/>
+                </a:solidFill>
+              </a:rPr>
+              <a:t>for</a:t>
+            </a:r>
+          </a:p>
+        </p:txBody>
+      </p:sp>
+      <p:pic>
+        <p:nvPicPr>
+          <p:cNvPr id="46082" name="Picture 2"/>
+          <p:cNvPicPr>
+            <a:picLocks noChangeAspect="1" noChangeArrowheads="1"/>
+          </p:cNvPicPr>
+          <p:nvPr/>
+        </p:nvPicPr>
+        <p:blipFill>
+          <a:blip r:embed="rId2">
+            <a:extLst>
+              <a:ext uri="{28A0092B-C50C-407E-A947-70E740481C1C}">
+                <a14:useLocalDpi xmlns:a14="http://schemas.microsoft.com/office/drawing/2010/main" val="0"/>
+              </a:ext>
+            </a:extLst>
+          </a:blip>
+          <a:srcRect/>
+          <a:stretch>
+            <a:fillRect/>
+          </a:stretch>
+        </p:blipFill>
+        <p:spPr bwMode="auto">
+          <a:xfrm>
+            <a:off x="323850" y="3645024"/>
+            <a:ext cx="8585200" cy="2057400"/>
+          </a:xfrm>
+          <a:prstGeom prst="rect">
+            <a:avLst/>
+          </a:prstGeom>
+          <a:noFill/>
+          <a:ln>
+            <a:noFill/>
+          </a:ln>
+          <a:extLst>
+            <a:ext uri="{909E8E84-426E-40DD-AFC4-6F175D3DCCD1}">
+              <a14:hiddenFill xmlns:a14="http://schemas.microsoft.com/office/drawing/2010/main">
+                <a:solidFill>
+                  <a:schemeClr val="accent1"/>
+                </a:solidFill>
+              </a14:hiddenFill>
+            </a:ext>
+            <a:ext uri="{91240B29-F687-4F45-9708-019B960494DF}">
+              <a14:hiddenLine xmlns:a14="http://schemas.microsoft.com/office/drawing/2010/main" w="12700">
+                <a:solidFill>
+                  <a:schemeClr val="tx1"/>
+                </a:solidFill>
+                <a:miter lim="800000"/>
+                <a:headEnd/>
+                <a:tailEnd/>
+              </a14:hiddenLine>
+            </a:ext>
+          </a:extLst>
+        </p:spPr>
+      </p:pic>
+    </p:spTree>
+    <p:extLst>
+      <p:ext uri="{BB962C8B-B14F-4D97-AF65-F5344CB8AC3E}">
+        <p14:creationId xmlns:p14="http://schemas.microsoft.com/office/powerpoint/2010/main" val="2858068186"/>
+      </p:ext>
+    </p:extLst>
+  </p:cSld>
+  <p:clrMapOvr>
+    <a:masterClrMapping/>
+  </p:clrMapOvr>
+  <p:timing>
+    <p:tnLst>
+      <p:par>
+        <p:cTn id="1" dur="indefinite" restart="never" nodeType="tmRoot">
+          <p:childTnLst>
+            <p:seq concurrent="1" nextAc="seek">
+              <p:cTn id="2" dur="indefinite" nodeType="mainSeq">
+                <p:childTnLst>
+                  <p:par>
+                    <p:cTn id="3" fill="hold" nodeType="clickPar">
+                      <p:stCondLst>
+                        <p:cond delay="indefinite"/>
+                      </p:stCondLst>
+                      <p:childTnLst>
+                        <p:par>
+                          <p:cTn id="4" fill="hold" nodeType="withGroup">
+                            <p:stCondLst>
+                              <p:cond delay="0"/>
+                            </p:stCondLst>
+                            <p:childTnLst>
+                              <p:par>
+                                <p:cTn id="5" presetID="10" presetClass="entr" presetSubtype="0" fill="hold" nodeType="clickEffect">
+                                  <p:stCondLst>
+                                    <p:cond delay="0"/>
+                                  </p:stCondLst>
+                                  <p:childTnLst>
+                                    <p:set>
+                                      <p:cBhvr>
+                                        <p:cTn id="6" dur="1" fill="hold">
+                                          <p:stCondLst>
+                                            <p:cond delay="0"/>
+                                          </p:stCondLst>
+                                        </p:cTn>
+                                        <p:tgtEl>
+                                          <p:spTgt spid="8">
+                                            <p:txEl>
+                                              <p:pRg st="0" end="0"/>
+                                            </p:txEl>
+                                          </p:spTgt>
+                                        </p:tgtEl>
+                                        <p:attrNameLst>
+                                          <p:attrName>style.visibility</p:attrName>
+                                        </p:attrNameLst>
+                                      </p:cBhvr>
+                                      <p:to>
+                                        <p:strVal val="visible"/>
+                                      </p:to>
+                                    </p:set>
+                                    <p:animEffect transition="in" filter="fade">
+                                      <p:cBhvr>
+                                        <p:cTn id="7" dur="500"/>
+                                        <p:tgtEl>
+                                          <p:spTgt spid="8">
+                                            <p:txEl>
+                                              <p:pRg st="0" end="0"/>
+                                            </p:txEl>
+                                          </p:spTgt>
+                                        </p:tgtEl>
+                                      </p:cBhvr>
+                                    </p:animEffect>
+                                  </p:childTnLst>
+                                </p:cTn>
+                              </p:par>
+                            </p:childTnLst>
+                          </p:cTn>
+                        </p:par>
+                      </p:childTnLst>
+                    </p:cTn>
+                  </p:par>
+                  <p:par>
+                    <p:cTn id="8" fill="hold">
+                      <p:stCondLst>
+                        <p:cond delay="indefinite"/>
+                      </p:stCondLst>
+                      <p:childTnLst>
+                        <p:par>
+                          <p:cTn id="9" fill="hold">
+                            <p:stCondLst>
+                              <p:cond delay="0"/>
+                            </p:stCondLst>
+                            <p:childTnLst>
+                              <p:par>
+                                <p:cTn id="10" presetID="10" presetClass="entr" presetSubtype="0" fill="hold" nodeType="clickEffect">
+                                  <p:stCondLst>
+                                    <p:cond delay="0"/>
+                                  </p:stCondLst>
+                                  <p:childTnLst>
+                                    <p:set>
+                                      <p:cBhvr>
+                                        <p:cTn id="11" dur="1" fill="hold">
+                                          <p:stCondLst>
+                                            <p:cond delay="0"/>
+                                          </p:stCondLst>
+                                        </p:cTn>
+                                        <p:tgtEl>
+                                          <p:spTgt spid="8">
+                                            <p:txEl>
+                                              <p:pRg st="1" end="1"/>
+                                            </p:txEl>
+                                          </p:spTgt>
+                                        </p:tgtEl>
+                                        <p:attrNameLst>
+                                          <p:attrName>style.visibility</p:attrName>
+                                        </p:attrNameLst>
+                                      </p:cBhvr>
+                                      <p:to>
+                                        <p:strVal val="visible"/>
+                                      </p:to>
+                                    </p:set>
+                                    <p:animEffect transition="in" filter="fade">
+                                      <p:cBhvr>
+                                        <p:cTn id="12" dur="500"/>
+                                        <p:tgtEl>
+                                          <p:spTgt spid="8">
+                                            <p:txEl>
+                                              <p:pRg st="1" end="1"/>
+                                            </p:txEl>
+                                          </p:spTgt>
+                                        </p:tgtEl>
+                                      </p:cBhvr>
+                                    </p:animEffect>
+                                  </p:childTnLst>
+                                </p:cTn>
+                              </p:par>
+                            </p:childTnLst>
+                          </p:cTn>
+                        </p:par>
+                      </p:childTnLst>
+                    </p:cTn>
+                  </p:par>
+                  <p:par>
+                    <p:cTn id="13" fill="hold" nodeType="clickPar">
+                      <p:stCondLst>
+                        <p:cond delay="indefinite"/>
+                      </p:stCondLst>
+                      <p:childTnLst>
+                        <p:par>
+                          <p:cTn id="14" fill="hold" nodeType="withGroup">
+                            <p:stCondLst>
+                              <p:cond delay="0"/>
+                            </p:stCondLst>
+                            <p:childTnLst>
+                              <p:par>
+                                <p:cTn id="15" presetID="10" presetClass="entr" presetSubtype="0" fill="hold" nodeType="clickEffect">
+                                  <p:stCondLst>
+                                    <p:cond delay="0"/>
+                                  </p:stCondLst>
+                                  <p:childTnLst>
+                                    <p:set>
+                                      <p:cBhvr>
+                                        <p:cTn id="16" dur="1" fill="hold">
+                                          <p:stCondLst>
+                                            <p:cond delay="0"/>
+                                          </p:stCondLst>
+                                        </p:cTn>
+                                        <p:tgtEl>
+                                          <p:spTgt spid="8">
+                                            <p:txEl>
+                                              <p:pRg st="2" end="2"/>
+                                            </p:txEl>
+                                          </p:spTgt>
+                                        </p:tgtEl>
+                                        <p:attrNameLst>
+                                          <p:attrName>style.visibility</p:attrName>
+                                        </p:attrNameLst>
+                                      </p:cBhvr>
+                                      <p:to>
+                                        <p:strVal val="visible"/>
+                                      </p:to>
+                                    </p:set>
+                                    <p:animEffect transition="in" filter="fade">
+                                      <p:cBhvr>
+                                        <p:cTn id="17" dur="500"/>
+                                        <p:tgtEl>
+                                          <p:spTgt spid="8">
+                                            <p:txEl>
+                                              <p:pRg st="2" end="2"/>
+                                            </p:txEl>
+                                          </p:spTgt>
+                                        </p:tgtEl>
+                                      </p:cBhvr>
+                                    </p:animEffect>
+                                  </p:childTnLst>
+                                </p:cTn>
+                              </p:par>
+                              <p:par>
+                                <p:cTn id="18" presetID="10" presetClass="entr" presetSubtype="0" fill="hold" nodeType="withEffect">
+                                  <p:stCondLst>
+                                    <p:cond delay="0"/>
+                                  </p:stCondLst>
+                                  <p:childTnLst>
+                                    <p:set>
+                                      <p:cBhvr>
+                                        <p:cTn id="19" dur="1" fill="hold">
+                                          <p:stCondLst>
+                                            <p:cond delay="0"/>
+                                          </p:stCondLst>
+                                        </p:cTn>
+                                        <p:tgtEl>
+                                          <p:spTgt spid="46082"/>
+                                        </p:tgtEl>
+                                        <p:attrNameLst>
+                                          <p:attrName>style.visibility</p:attrName>
+                                        </p:attrNameLst>
+                                      </p:cBhvr>
+                                      <p:to>
+                                        <p:strVal val="visible"/>
+                                      </p:to>
+                                    </p:set>
+                                    <p:animEffect transition="in" filter="fade">
+                                      <p:cBhvr>
+                                        <p:cTn id="20" dur="500"/>
+                                        <p:tgtEl>
+                                          <p:spTgt spid="46082"/>
+                                        </p:tgtEl>
+                                      </p:cBhvr>
+                                    </p:animEffect>
+                                  </p:childTnLst>
+                                </p:cTn>
+                              </p:par>
+                            </p:childTnLst>
+                          </p:cTn>
+                        </p:par>
+                      </p:childTnLst>
+                    </p:cTn>
+                  </p:par>
+                </p:childTnLst>
+              </p:cTn>
+              <p:prevCondLst>
+                <p:cond evt="onPrev" delay="0">
+                  <p:tgtEl>
+                    <p:sldTgt/>
+                  </p:tgtEl>
+                </p:cond>
+              </p:prevCondLst>
+              <p:nextCondLst>
+                <p:cond evt="onNext" delay="0">
+                  <p:tgtEl>
+                    <p:sldTgt/>
+                  </p:tgtEl>
+                </p:cond>
+              </p:nextCondLst>
+            </p:seq>
+          </p:childTnLst>
+        </p:cTn>
+      </p:par>
+    </p:tnLst>
+  </p:timing>
+</p:sld>
+</file>
+
+<file path=ppt/slides/slide13.xml><?xml version="1.0" encoding="utf-8"?>
+<p:sld xmlns:a="http://schemas.openxmlformats.org/drawingml/2006/main" xmlns:r="http://schemas.openxmlformats.org/officeDocument/2006/relationships" xmlns:p="http://schemas.openxmlformats.org/presentationml/2006/main">
+  <p:cSld>
+    <p:spTree>
+      <p:nvGrpSpPr>
+        <p:cNvPr id="1" name=""/>
+        <p:cNvGrpSpPr/>
+        <p:nvPr/>
+      </p:nvGrpSpPr>
+      <p:grpSpPr>
+        <a:xfrm>
+          <a:off x="0" y="0"/>
+          <a:ext cx="0" cy="0"/>
+          <a:chOff x="0" y="0"/>
+          <a:chExt cx="0" cy="0"/>
+        </a:xfrm>
+      </p:grpSpPr>
+      <p:sp>
+        <p:nvSpPr>
+          <p:cNvPr id="8" name="Rectangle 5"/>
+          <p:cNvSpPr>
+            <a:spLocks noChangeArrowheads="1"/>
+          </p:cNvSpPr>
+          <p:nvPr/>
+        </p:nvSpPr>
+        <p:spPr bwMode="auto">
+          <a:xfrm>
+            <a:off x="323850" y="1412875"/>
+            <a:ext cx="8712200" cy="5509200"/>
+          </a:xfrm>
+          <a:prstGeom prst="rect">
+            <a:avLst/>
+          </a:prstGeom>
+          <a:noFill/>
+          <a:ln>
+            <a:noFill/>
+          </a:ln>
+          <a:extLst>
+            <a:ext uri="{909E8E84-426E-40DD-AFC4-6F175D3DCCD1}">
+              <a14:hiddenFill xmlns:a14="http://schemas.microsoft.com/office/drawing/2010/main">
+                <a:solidFill>
+                  <a:srgbClr val="FFFFFF"/>
+                </a:solidFill>
+              </a14:hiddenFill>
+            </a:ext>
+            <a:ext uri="{91240B29-F687-4F45-9708-019B960494DF}">
+              <a14:hiddenLine xmlns:a14="http://schemas.microsoft.com/office/drawing/2010/main" w="12700">
+                <a:solidFill>
+                  <a:srgbClr val="000000"/>
+                </a:solidFill>
+                <a:miter lim="800000"/>
+                <a:headEnd/>
+                <a:tailEnd/>
+              </a14:hiddenLine>
+            </a:ext>
+          </a:extLst>
+        </p:spPr>
+        <p:txBody>
+          <a:bodyPr>
+            <a:spAutoFit/>
+          </a:bodyPr>
+          <a:lstStyle/>
+          <a:p>
+            <a:pPr>
+              <a:spcAft>
+                <a:spcPts val="600"/>
+              </a:spcAft>
+              <a:defRPr/>
+            </a:pPr>
+            <a:r>
+              <a:rPr lang="en-US" dirty="0">
+                <a:solidFill>
+                  <a:schemeClr val="tx1"/>
+                </a:solidFill>
+                <a:latin typeface="Garamond" pitchFamily="18" charset="0"/>
+              </a:rPr>
+              <a:t>O</a:t>
+            </a:r>
+            <a:r>
+              <a:rPr lang="sr-Cyrl-RS" dirty="0">
+                <a:solidFill>
+                  <a:schemeClr val="tx1"/>
+                </a:solidFill>
+                <a:latin typeface="Garamond" pitchFamily="18" charset="0"/>
+              </a:rPr>
+              <a:t>вде важи следеће:</a:t>
+            </a:r>
+          </a:p>
+          <a:p>
+            <a:r>
+              <a:rPr lang="sr-Cyrl-RS" sz="2000" dirty="0">
+                <a:solidFill>
+                  <a:schemeClr val="tx1"/>
+                </a:solidFill>
+                <a:latin typeface="+mn-lt"/>
+              </a:rPr>
+              <a:t>	</a:t>
+            </a:r>
+            <a:r>
+              <a:rPr lang="sr-Latn-RS" sz="1500" b="1" dirty="0" smtClean="0">
+                <a:solidFill>
+                  <a:srgbClr val="000080"/>
+                </a:solidFill>
+                <a:effectLst/>
+                <a:latin typeface="Courier New" panose="02070309020205020404" pitchFamily="49" charset="0"/>
+              </a:rPr>
+              <a:t>&lt;</a:t>
+            </a:r>
+            <a:r>
+              <a:rPr lang="sr-Latn-RS" sz="1500" dirty="0" smtClean="0">
+                <a:solidFill>
+                  <a:srgbClr val="000000"/>
+                </a:solidFill>
+                <a:effectLst/>
+                <a:latin typeface="Courier New" panose="02070309020205020404" pitchFamily="49" charset="0"/>
+              </a:rPr>
+              <a:t>tip elementa</a:t>
+            </a:r>
+            <a:r>
+              <a:rPr lang="sr-Latn-RS" sz="1500" b="1" dirty="0" smtClean="0">
+                <a:solidFill>
+                  <a:srgbClr val="000080"/>
+                </a:solidFill>
+                <a:effectLst/>
+                <a:latin typeface="Courier New" panose="02070309020205020404" pitchFamily="49" charset="0"/>
+              </a:rPr>
+              <a:t>&gt;</a:t>
+            </a:r>
+            <a:r>
+              <a:rPr lang="sr-Latn-RS" sz="1500" dirty="0" smtClean="0">
+                <a:solidFill>
+                  <a:srgbClr val="000000"/>
+                </a:solidFill>
+                <a:effectLst/>
+                <a:latin typeface="Courier New" panose="02070309020205020404" pitchFamily="49" charset="0"/>
+              </a:rPr>
+              <a:t> </a:t>
+            </a:r>
+            <a:r>
+              <a:rPr lang="sr-Cyrl-RS" sz="1500" dirty="0" smtClean="0">
+                <a:solidFill>
+                  <a:srgbClr val="000000"/>
+                </a:solidFill>
+                <a:effectLst/>
+                <a:latin typeface="Courier New" panose="02070309020205020404" pitchFamily="49" charset="0"/>
+              </a:rPr>
+              <a:t>	</a:t>
+            </a:r>
+            <a:r>
+              <a:rPr lang="sr-Latn-RS" sz="1500" b="1" dirty="0" smtClean="0">
+                <a:solidFill>
+                  <a:srgbClr val="000080"/>
+                </a:solidFill>
+                <a:effectLst/>
+                <a:latin typeface="Courier New" panose="02070309020205020404" pitchFamily="49" charset="0"/>
+              </a:rPr>
+              <a:t>::=</a:t>
+            </a:r>
+            <a:r>
+              <a:rPr lang="sr-Latn-RS" sz="1500" dirty="0" smtClean="0">
+                <a:solidFill>
+                  <a:srgbClr val="000000"/>
+                </a:solidFill>
+                <a:effectLst/>
+                <a:latin typeface="Courier New" panose="02070309020205020404" pitchFamily="49" charset="0"/>
+              </a:rPr>
+              <a:t> </a:t>
+            </a:r>
+            <a:r>
+              <a:rPr lang="sr-Latn-RS" sz="1500" b="1" dirty="0" smtClean="0">
+                <a:solidFill>
+                  <a:srgbClr val="000080"/>
+                </a:solidFill>
+                <a:effectLst/>
+                <a:latin typeface="Courier New" panose="02070309020205020404" pitchFamily="49" charset="0"/>
+              </a:rPr>
+              <a:t>&lt;</a:t>
+            </a:r>
+            <a:r>
+              <a:rPr lang="sr-Latn-RS" sz="1500" dirty="0" smtClean="0">
+                <a:solidFill>
+                  <a:srgbClr val="000000"/>
+                </a:solidFill>
+                <a:effectLst/>
+                <a:latin typeface="Courier New" panose="02070309020205020404" pitchFamily="49" charset="0"/>
+              </a:rPr>
+              <a:t>tip</a:t>
+            </a:r>
+            <a:r>
+              <a:rPr lang="sr-Latn-RS" sz="1500" b="1" dirty="0" smtClean="0">
+                <a:solidFill>
+                  <a:srgbClr val="000080"/>
+                </a:solidFill>
+                <a:effectLst/>
+                <a:latin typeface="Courier New" panose="02070309020205020404" pitchFamily="49" charset="0"/>
+              </a:rPr>
+              <a:t>&gt;</a:t>
+            </a:r>
+            <a:r>
+              <a:rPr lang="sr-Latn-RS" sz="1500" dirty="0" smtClean="0">
+                <a:solidFill>
+                  <a:srgbClr val="000000"/>
+                </a:solidFill>
+                <a:effectLst/>
+                <a:latin typeface="Courier New" panose="02070309020205020404" pitchFamily="49" charset="0"/>
+              </a:rPr>
+              <a:t> </a:t>
+            </a:r>
+            <a:endParaRPr lang="sr-Cyrl-RS" sz="1500" dirty="0" smtClean="0">
+              <a:solidFill>
+                <a:srgbClr val="000000"/>
+              </a:solidFill>
+              <a:effectLst/>
+              <a:latin typeface="Courier New" panose="02070309020205020404" pitchFamily="49" charset="0"/>
+            </a:endParaRPr>
+          </a:p>
+          <a:p>
+            <a:r>
+              <a:rPr lang="sr-Cyrl-RS" sz="1500" b="1" dirty="0">
+                <a:solidFill>
+                  <a:srgbClr val="000000"/>
+                </a:solidFill>
+                <a:latin typeface="Courier New" panose="02070309020205020404" pitchFamily="49" charset="0"/>
+              </a:rPr>
+              <a:t>	</a:t>
+            </a:r>
+            <a:r>
+              <a:rPr lang="sr-Latn-RS" sz="1500" b="1" dirty="0" smtClean="0">
+                <a:solidFill>
+                  <a:srgbClr val="000080"/>
+                </a:solidFill>
+                <a:effectLst/>
+                <a:latin typeface="Courier New" panose="02070309020205020404" pitchFamily="49" charset="0"/>
+              </a:rPr>
+              <a:t>&lt;</a:t>
+            </a:r>
+            <a:r>
+              <a:rPr lang="sr-Latn-RS" sz="1500" dirty="0" smtClean="0">
+                <a:solidFill>
+                  <a:srgbClr val="000000"/>
+                </a:solidFill>
+                <a:effectLst/>
+                <a:latin typeface="Courier New" panose="02070309020205020404" pitchFamily="49" charset="0"/>
+              </a:rPr>
+              <a:t>elem</a:t>
+            </a:r>
+            <a:r>
+              <a:rPr lang="sr-Latn-RS" sz="1500" b="1" dirty="0" smtClean="0">
+                <a:solidFill>
+                  <a:srgbClr val="000080"/>
+                </a:solidFill>
+                <a:effectLst/>
+                <a:latin typeface="Courier New" panose="02070309020205020404" pitchFamily="49" charset="0"/>
+              </a:rPr>
+              <a:t>&gt;</a:t>
+            </a:r>
+            <a:r>
+              <a:rPr lang="sr-Latn-RS" sz="1500" dirty="0" smtClean="0">
+                <a:solidFill>
+                  <a:srgbClr val="000000"/>
+                </a:solidFill>
+                <a:effectLst/>
+                <a:latin typeface="Courier New" panose="02070309020205020404" pitchFamily="49" charset="0"/>
+              </a:rPr>
+              <a:t> </a:t>
+            </a:r>
+            <a:r>
+              <a:rPr lang="sr-Cyrl-RS" sz="1500" dirty="0" smtClean="0">
+                <a:solidFill>
+                  <a:srgbClr val="000000"/>
+                </a:solidFill>
+                <a:effectLst/>
+                <a:latin typeface="Courier New" panose="02070309020205020404" pitchFamily="49" charset="0"/>
+              </a:rPr>
+              <a:t>		</a:t>
+            </a:r>
+            <a:r>
+              <a:rPr lang="sr-Latn-RS" sz="1500" b="1" dirty="0" smtClean="0">
+                <a:solidFill>
+                  <a:srgbClr val="000080"/>
+                </a:solidFill>
+                <a:effectLst/>
+                <a:latin typeface="Courier New" panose="02070309020205020404" pitchFamily="49" charset="0"/>
+              </a:rPr>
+              <a:t>::=</a:t>
+            </a:r>
+            <a:r>
+              <a:rPr lang="sr-Latn-RS" sz="1500" dirty="0" smtClean="0">
+                <a:solidFill>
+                  <a:srgbClr val="000000"/>
+                </a:solidFill>
+                <a:effectLst/>
+                <a:latin typeface="Courier New" panose="02070309020205020404" pitchFamily="49" charset="0"/>
+              </a:rPr>
+              <a:t> </a:t>
+            </a:r>
+            <a:r>
+              <a:rPr lang="sr-Latn-RS" sz="1500" b="1" dirty="0" smtClean="0">
+                <a:solidFill>
+                  <a:srgbClr val="000080"/>
+                </a:solidFill>
+                <a:effectLst/>
+                <a:latin typeface="Courier New" panose="02070309020205020404" pitchFamily="49" charset="0"/>
+              </a:rPr>
+              <a:t>&lt;</a:t>
+            </a:r>
+            <a:r>
+              <a:rPr lang="sr-Latn-RS" sz="1500" dirty="0" smtClean="0">
+                <a:solidFill>
+                  <a:srgbClr val="000000"/>
+                </a:solidFill>
+                <a:effectLst/>
+                <a:latin typeface="Courier New" panose="02070309020205020404" pitchFamily="49" charset="0"/>
+              </a:rPr>
+              <a:t>ime</a:t>
+            </a:r>
+            <a:r>
+              <a:rPr lang="sr-Latn-RS" sz="1500" b="1" dirty="0" smtClean="0">
+                <a:solidFill>
+                  <a:srgbClr val="000080"/>
+                </a:solidFill>
+                <a:effectLst/>
+                <a:latin typeface="Courier New" panose="02070309020205020404" pitchFamily="49" charset="0"/>
+              </a:rPr>
+              <a:t>&gt;</a:t>
+            </a:r>
+            <a:r>
+              <a:rPr lang="sr-Latn-RS" sz="1500" dirty="0" smtClean="0">
+                <a:solidFill>
+                  <a:srgbClr val="000000"/>
+                </a:solidFill>
+                <a:effectLst/>
+                <a:latin typeface="Courier New" panose="02070309020205020404" pitchFamily="49" charset="0"/>
+              </a:rPr>
+              <a:t> </a:t>
+            </a:r>
+            <a:endParaRPr lang="sr-Cyrl-RS" sz="1500" dirty="0">
+              <a:solidFill>
+                <a:srgbClr val="000000"/>
+              </a:solidFill>
+              <a:latin typeface="Courier New" panose="02070309020205020404" pitchFamily="49" charset="0"/>
+            </a:endParaRPr>
+          </a:p>
+          <a:p>
+            <a:r>
+              <a:rPr lang="sr-Cyrl-RS" sz="1500" b="1" dirty="0" smtClean="0">
+                <a:solidFill>
+                  <a:srgbClr val="000000"/>
+                </a:solidFill>
+                <a:effectLst/>
+                <a:latin typeface="Courier New" panose="02070309020205020404" pitchFamily="49" charset="0"/>
+              </a:rPr>
+              <a:t>	</a:t>
+            </a:r>
+            <a:r>
+              <a:rPr lang="sr-Latn-RS" sz="1500" b="1" dirty="0" smtClean="0">
+                <a:solidFill>
+                  <a:srgbClr val="000080"/>
+                </a:solidFill>
+                <a:effectLst/>
+                <a:latin typeface="Courier New" panose="02070309020205020404" pitchFamily="49" charset="0"/>
+              </a:rPr>
+              <a:t>&lt;</a:t>
+            </a:r>
+            <a:r>
+              <a:rPr lang="sr-Latn-RS" sz="1500" dirty="0" smtClean="0">
+                <a:solidFill>
+                  <a:srgbClr val="000000"/>
+                </a:solidFill>
+                <a:effectLst/>
+                <a:latin typeface="Courier New" panose="02070309020205020404" pitchFamily="49" charset="0"/>
+              </a:rPr>
+              <a:t>kolekcija</a:t>
+            </a:r>
+            <a:r>
+              <a:rPr lang="sr-Latn-RS" sz="1500" b="1" dirty="0" smtClean="0">
+                <a:solidFill>
+                  <a:srgbClr val="000080"/>
+                </a:solidFill>
+                <a:effectLst/>
+                <a:latin typeface="Courier New" panose="02070309020205020404" pitchFamily="49" charset="0"/>
+              </a:rPr>
+              <a:t>&gt;</a:t>
+            </a:r>
+            <a:r>
+              <a:rPr lang="sr-Latn-RS" sz="1500" dirty="0" smtClean="0">
+                <a:solidFill>
+                  <a:srgbClr val="000000"/>
+                </a:solidFill>
+                <a:effectLst/>
+                <a:latin typeface="Courier New" panose="02070309020205020404" pitchFamily="49" charset="0"/>
+              </a:rPr>
+              <a:t> </a:t>
+            </a:r>
+            <a:r>
+              <a:rPr lang="sr-Latn-RS" sz="1500" b="1" dirty="0" smtClean="0">
+                <a:solidFill>
+                  <a:srgbClr val="000080"/>
+                </a:solidFill>
+                <a:effectLst/>
+                <a:latin typeface="Courier New" panose="02070309020205020404" pitchFamily="49" charset="0"/>
+              </a:rPr>
+              <a:t>::=</a:t>
+            </a:r>
+            <a:r>
+              <a:rPr lang="sr-Latn-RS" sz="1500" dirty="0" smtClean="0">
+                <a:solidFill>
+                  <a:srgbClr val="000000"/>
+                </a:solidFill>
+                <a:effectLst/>
+                <a:latin typeface="Courier New" panose="02070309020205020404" pitchFamily="49" charset="0"/>
+              </a:rPr>
+              <a:t> </a:t>
+            </a:r>
+            <a:r>
+              <a:rPr lang="sr-Latn-RS" sz="1500" b="1" dirty="0" smtClean="0">
+                <a:solidFill>
+                  <a:srgbClr val="000080"/>
+                </a:solidFill>
+                <a:effectLst/>
+                <a:latin typeface="Courier New" panose="02070309020205020404" pitchFamily="49" charset="0"/>
+              </a:rPr>
+              <a:t>&lt;</a:t>
+            </a:r>
+            <a:r>
+              <a:rPr lang="sr-Latn-RS" sz="1500" dirty="0" smtClean="0">
+                <a:solidFill>
+                  <a:srgbClr val="000000"/>
+                </a:solidFill>
+                <a:effectLst/>
+                <a:latin typeface="Courier New" panose="02070309020205020404" pitchFamily="49" charset="0"/>
+              </a:rPr>
+              <a:t>izraz</a:t>
+            </a:r>
+            <a:r>
+              <a:rPr lang="sr-Latn-RS" sz="1500" b="1" dirty="0" smtClean="0">
+                <a:solidFill>
+                  <a:srgbClr val="000080"/>
+                </a:solidFill>
+                <a:effectLst/>
+                <a:latin typeface="Courier New" panose="02070309020205020404" pitchFamily="49" charset="0"/>
+              </a:rPr>
+              <a:t>&gt;</a:t>
+            </a:r>
+            <a:endParaRPr lang="sr-Latn-RS" sz="1500" dirty="0" smtClean="0">
+              <a:effectLst/>
+            </a:endParaRPr>
+          </a:p>
+          <a:p>
+            <a:pPr>
+              <a:spcAft>
+                <a:spcPts val="600"/>
+              </a:spcAft>
+              <a:defRPr/>
+            </a:pPr>
+            <a:endParaRPr lang="sr-Cyrl-RS" sz="1500" dirty="0">
+              <a:solidFill>
+                <a:schemeClr val="tx1"/>
+              </a:solidFill>
+              <a:latin typeface="Garamond" pitchFamily="18" charset="0"/>
+            </a:endParaRPr>
+          </a:p>
+          <a:p>
+            <a:pPr>
+              <a:spcAft>
+                <a:spcPts val="600"/>
+              </a:spcAft>
+              <a:defRPr/>
+            </a:pPr>
+            <a:r>
+              <a:rPr lang="sr-Cyrl-RS" b="1" dirty="0">
+                <a:solidFill>
+                  <a:srgbClr val="000000"/>
+                </a:solidFill>
+                <a:latin typeface="Garamond" pitchFamily="18" charset="0"/>
+              </a:rPr>
+              <a:t>Пример</a:t>
+            </a:r>
+            <a:r>
+              <a:rPr lang="sr-Cyrl-RS" b="1" dirty="0" smtClean="0">
+                <a:solidFill>
+                  <a:srgbClr val="000000"/>
+                </a:solidFill>
+                <a:latin typeface="Garamond" pitchFamily="18" charset="0"/>
+              </a:rPr>
+              <a:t>.</a:t>
+            </a:r>
+          </a:p>
+          <a:p>
+            <a:pPr>
+              <a:spcAft>
+                <a:spcPts val="600"/>
+              </a:spcAft>
+              <a:defRPr/>
+            </a:pPr>
+            <a:r>
+              <a:rPr lang="sr-Cyrl-RS" sz="1500" b="1" dirty="0" smtClean="0">
+                <a:solidFill>
+                  <a:srgbClr val="000080"/>
+                </a:solidFill>
+                <a:latin typeface="Courier New" panose="02070309020205020404" pitchFamily="49" charset="0"/>
+              </a:rPr>
+              <a:t>	</a:t>
+            </a:r>
+            <a:r>
+              <a:rPr lang="sr-Latn-RS" sz="1500" b="1" dirty="0" smtClean="0">
+                <a:solidFill>
+                  <a:srgbClr val="000080"/>
+                </a:solidFill>
+                <a:latin typeface="Courier New" panose="02070309020205020404" pitchFamily="49" charset="0"/>
+              </a:rPr>
+              <a:t>{</a:t>
+            </a:r>
+            <a:r>
+              <a:rPr lang="sr-Latn-RS" sz="1500" dirty="0" smtClean="0">
+                <a:solidFill>
+                  <a:srgbClr val="000000"/>
+                </a:solidFill>
+                <a:latin typeface="Courier New" panose="02070309020205020404" pitchFamily="49" charset="0"/>
+              </a:rPr>
+              <a:t> </a:t>
+            </a:r>
+            <a:r>
+              <a:rPr lang="sr-Latn-RS" sz="1500" b="1" dirty="0">
+                <a:solidFill>
+                  <a:srgbClr val="000080"/>
+                </a:solidFill>
+                <a:latin typeface="Courier New" panose="02070309020205020404" pitchFamily="49" charset="0"/>
+              </a:rPr>
+              <a:t>...</a:t>
+            </a:r>
+            <a:r>
+              <a:rPr lang="sr-Latn-RS" sz="1500" dirty="0">
+                <a:solidFill>
+                  <a:srgbClr val="000000"/>
+                </a:solidFill>
+                <a:latin typeface="Courier New" panose="02070309020205020404" pitchFamily="49" charset="0"/>
+              </a:rPr>
+              <a:t> </a:t>
+            </a:r>
+            <a:endParaRPr lang="sr-Cyrl-RS" sz="1500" dirty="0" smtClean="0">
+              <a:solidFill>
+                <a:srgbClr val="000000"/>
+              </a:solidFill>
+              <a:latin typeface="Courier New" panose="02070309020205020404" pitchFamily="49" charset="0"/>
+            </a:endParaRPr>
+          </a:p>
+          <a:p>
+            <a:pPr>
+              <a:spcAft>
+                <a:spcPts val="600"/>
+              </a:spcAft>
+              <a:defRPr/>
+            </a:pPr>
+            <a:r>
+              <a:rPr lang="sr-Cyrl-RS" sz="1500" dirty="0">
+                <a:solidFill>
+                  <a:srgbClr val="000000"/>
+                </a:solidFill>
+                <a:latin typeface="Courier New" panose="02070309020205020404" pitchFamily="49" charset="0"/>
+              </a:rPr>
+              <a:t>	</a:t>
+            </a:r>
+            <a:r>
+              <a:rPr lang="sr-Cyrl-RS" sz="1500" dirty="0" smtClean="0">
+                <a:solidFill>
+                  <a:srgbClr val="000000"/>
+                </a:solidFill>
+                <a:latin typeface="Courier New" panose="02070309020205020404" pitchFamily="49" charset="0"/>
+              </a:rPr>
+              <a:t>	</a:t>
+            </a:r>
+            <a:r>
+              <a:rPr lang="sr-Latn-RS" sz="1500" dirty="0" smtClean="0">
+                <a:solidFill>
+                  <a:srgbClr val="8000FF"/>
+                </a:solidFill>
+                <a:latin typeface="Courier New" panose="02070309020205020404" pitchFamily="49" charset="0"/>
+              </a:rPr>
+              <a:t>int</a:t>
+            </a:r>
+            <a:r>
+              <a:rPr lang="sr-Latn-RS" sz="1500" dirty="0" smtClean="0">
+                <a:solidFill>
+                  <a:srgbClr val="000000"/>
+                </a:solidFill>
+                <a:latin typeface="Courier New" panose="02070309020205020404" pitchFamily="49" charset="0"/>
+              </a:rPr>
+              <a:t> </a:t>
+            </a:r>
+            <a:r>
+              <a:rPr lang="sr-Latn-RS" sz="1500" dirty="0">
+                <a:solidFill>
+                  <a:srgbClr val="000000"/>
+                </a:solidFill>
+                <a:latin typeface="Courier New" panose="02070309020205020404" pitchFamily="49" charset="0"/>
+              </a:rPr>
+              <a:t>n </a:t>
+            </a:r>
+            <a:r>
+              <a:rPr lang="sr-Latn-RS" sz="1500" b="1" dirty="0">
+                <a:solidFill>
+                  <a:srgbClr val="000080"/>
+                </a:solidFill>
+                <a:latin typeface="Courier New" panose="02070309020205020404" pitchFamily="49" charset="0"/>
+              </a:rPr>
+              <a:t>=</a:t>
+            </a:r>
+            <a:r>
+              <a:rPr lang="sr-Latn-RS" sz="1500" dirty="0">
+                <a:solidFill>
+                  <a:srgbClr val="000000"/>
+                </a:solidFill>
+                <a:latin typeface="Courier New" panose="02070309020205020404" pitchFamily="49" charset="0"/>
+              </a:rPr>
+              <a:t> sc</a:t>
+            </a:r>
+            <a:r>
+              <a:rPr lang="sr-Latn-RS" sz="1500" b="1" dirty="0">
+                <a:solidFill>
+                  <a:srgbClr val="000080"/>
+                </a:solidFill>
+                <a:latin typeface="Courier New" panose="02070309020205020404" pitchFamily="49" charset="0"/>
+              </a:rPr>
+              <a:t>.</a:t>
+            </a:r>
+            <a:r>
+              <a:rPr lang="sr-Latn-RS" sz="1500" dirty="0">
+                <a:solidFill>
+                  <a:srgbClr val="000000"/>
+                </a:solidFill>
+                <a:latin typeface="Courier New" panose="02070309020205020404" pitchFamily="49" charset="0"/>
+              </a:rPr>
+              <a:t>nextInt</a:t>
+            </a:r>
+            <a:r>
+              <a:rPr lang="sr-Latn-RS" sz="1500" b="1" dirty="0">
+                <a:solidFill>
+                  <a:srgbClr val="000080"/>
+                </a:solidFill>
+                <a:latin typeface="Courier New" panose="02070309020205020404" pitchFamily="49" charset="0"/>
+              </a:rPr>
+              <a:t>();</a:t>
+            </a:r>
+            <a:r>
+              <a:rPr lang="sr-Latn-RS" sz="1500" dirty="0">
+                <a:solidFill>
+                  <a:srgbClr val="000000"/>
+                </a:solidFill>
+                <a:latin typeface="Courier New" panose="02070309020205020404" pitchFamily="49" charset="0"/>
+              </a:rPr>
+              <a:t> </a:t>
+            </a:r>
+            <a:endParaRPr lang="sr-Cyrl-RS" sz="1500" dirty="0" smtClean="0">
+              <a:solidFill>
+                <a:srgbClr val="000000"/>
+              </a:solidFill>
+              <a:latin typeface="Courier New" panose="02070309020205020404" pitchFamily="49" charset="0"/>
+            </a:endParaRPr>
+          </a:p>
+          <a:p>
+            <a:pPr>
+              <a:spcAft>
+                <a:spcPts val="600"/>
+              </a:spcAft>
+              <a:defRPr/>
+            </a:pPr>
+            <a:r>
+              <a:rPr lang="sr-Cyrl-RS" sz="1500" dirty="0">
+                <a:solidFill>
+                  <a:srgbClr val="000000"/>
+                </a:solidFill>
+                <a:latin typeface="Courier New" panose="02070309020205020404" pitchFamily="49" charset="0"/>
+              </a:rPr>
+              <a:t>	</a:t>
+            </a:r>
+            <a:r>
+              <a:rPr lang="sr-Cyrl-RS" sz="1500" dirty="0" smtClean="0">
+                <a:solidFill>
+                  <a:srgbClr val="000000"/>
+                </a:solidFill>
+                <a:latin typeface="Courier New" panose="02070309020205020404" pitchFamily="49" charset="0"/>
+              </a:rPr>
+              <a:t>	</a:t>
+            </a:r>
+            <a:r>
+              <a:rPr lang="sr-Latn-RS" sz="1500" dirty="0" smtClean="0">
+                <a:solidFill>
+                  <a:srgbClr val="8000FF"/>
+                </a:solidFill>
+                <a:latin typeface="Courier New" panose="02070309020205020404" pitchFamily="49" charset="0"/>
+              </a:rPr>
+              <a:t>double</a:t>
+            </a:r>
+            <a:r>
+              <a:rPr lang="sr-Latn-RS" sz="1500" dirty="0" smtClean="0">
+                <a:solidFill>
+                  <a:srgbClr val="000000"/>
+                </a:solidFill>
+                <a:latin typeface="Courier New" panose="02070309020205020404" pitchFamily="49" charset="0"/>
+              </a:rPr>
+              <a:t> </a:t>
+            </a:r>
+            <a:r>
+              <a:rPr lang="sr-Latn-RS" sz="1500" dirty="0">
+                <a:solidFill>
+                  <a:srgbClr val="000000"/>
+                </a:solidFill>
+                <a:latin typeface="Courier New" panose="02070309020205020404" pitchFamily="49" charset="0"/>
+              </a:rPr>
+              <a:t>a</a:t>
+            </a:r>
+            <a:r>
+              <a:rPr lang="sr-Latn-RS" sz="1500" b="1" dirty="0">
+                <a:solidFill>
+                  <a:srgbClr val="000080"/>
+                </a:solidFill>
+                <a:latin typeface="Courier New" panose="02070309020205020404" pitchFamily="49" charset="0"/>
+              </a:rPr>
+              <a:t>[]</a:t>
+            </a:r>
+            <a:r>
+              <a:rPr lang="sr-Latn-RS" sz="1500" dirty="0">
+                <a:solidFill>
+                  <a:srgbClr val="000000"/>
+                </a:solidFill>
+                <a:latin typeface="Courier New" panose="02070309020205020404" pitchFamily="49" charset="0"/>
+              </a:rPr>
+              <a:t> </a:t>
+            </a:r>
+            <a:r>
+              <a:rPr lang="sr-Latn-RS" sz="1500" b="1" dirty="0">
+                <a:solidFill>
+                  <a:srgbClr val="000080"/>
+                </a:solidFill>
+                <a:latin typeface="Courier New" panose="02070309020205020404" pitchFamily="49" charset="0"/>
+              </a:rPr>
+              <a:t>=</a:t>
+            </a:r>
+            <a:r>
+              <a:rPr lang="sr-Latn-RS" sz="1500" dirty="0">
+                <a:solidFill>
+                  <a:srgbClr val="000000"/>
+                </a:solidFill>
+                <a:latin typeface="Courier New" panose="02070309020205020404" pitchFamily="49" charset="0"/>
+              </a:rPr>
+              <a:t> </a:t>
+            </a:r>
+            <a:r>
+              <a:rPr lang="sr-Latn-RS" sz="1500" b="1" dirty="0">
+                <a:solidFill>
+                  <a:srgbClr val="0000FF"/>
+                </a:solidFill>
+                <a:latin typeface="Courier New" panose="02070309020205020404" pitchFamily="49" charset="0"/>
+              </a:rPr>
+              <a:t>new</a:t>
+            </a:r>
+            <a:r>
+              <a:rPr lang="sr-Latn-RS" sz="1500" dirty="0">
+                <a:solidFill>
+                  <a:srgbClr val="000000"/>
+                </a:solidFill>
+                <a:latin typeface="Courier New" panose="02070309020205020404" pitchFamily="49" charset="0"/>
+              </a:rPr>
+              <a:t> </a:t>
+            </a:r>
+            <a:r>
+              <a:rPr lang="sr-Latn-RS" sz="1500" dirty="0">
+                <a:solidFill>
+                  <a:srgbClr val="8000FF"/>
+                </a:solidFill>
+                <a:latin typeface="Courier New" panose="02070309020205020404" pitchFamily="49" charset="0"/>
+              </a:rPr>
+              <a:t>double</a:t>
+            </a:r>
+            <a:r>
+              <a:rPr lang="sr-Latn-RS" sz="1500" b="1" dirty="0">
+                <a:solidFill>
+                  <a:srgbClr val="000080"/>
+                </a:solidFill>
+                <a:latin typeface="Courier New" panose="02070309020205020404" pitchFamily="49" charset="0"/>
+              </a:rPr>
+              <a:t>[</a:t>
+            </a:r>
+            <a:r>
+              <a:rPr lang="sr-Latn-RS" sz="1500" dirty="0">
+                <a:solidFill>
+                  <a:srgbClr val="000000"/>
+                </a:solidFill>
+                <a:latin typeface="Courier New" panose="02070309020205020404" pitchFamily="49" charset="0"/>
+              </a:rPr>
+              <a:t>n</a:t>
+            </a:r>
+            <a:r>
+              <a:rPr lang="sr-Latn-RS" sz="1500" b="1" dirty="0">
+                <a:solidFill>
+                  <a:srgbClr val="000080"/>
+                </a:solidFill>
+                <a:latin typeface="Courier New" panose="02070309020205020404" pitchFamily="49" charset="0"/>
+              </a:rPr>
+              <a:t>];</a:t>
+            </a:r>
+            <a:r>
+              <a:rPr lang="sr-Latn-RS" sz="1500" dirty="0">
+                <a:solidFill>
+                  <a:srgbClr val="000000"/>
+                </a:solidFill>
+                <a:latin typeface="Courier New" panose="02070309020205020404" pitchFamily="49" charset="0"/>
+              </a:rPr>
+              <a:t> </a:t>
+            </a:r>
+            <a:endParaRPr lang="sr-Cyrl-RS" sz="1500" dirty="0" smtClean="0">
+              <a:solidFill>
+                <a:srgbClr val="000000"/>
+              </a:solidFill>
+              <a:latin typeface="Courier New" panose="02070309020205020404" pitchFamily="49" charset="0"/>
+            </a:endParaRPr>
+          </a:p>
+          <a:p>
+            <a:pPr>
+              <a:spcAft>
+                <a:spcPts val="600"/>
+              </a:spcAft>
+              <a:defRPr/>
+            </a:pPr>
+            <a:r>
+              <a:rPr lang="sr-Cyrl-RS" sz="1500" dirty="0">
+                <a:solidFill>
+                  <a:srgbClr val="000000"/>
+                </a:solidFill>
+                <a:latin typeface="Courier New" panose="02070309020205020404" pitchFamily="49" charset="0"/>
+              </a:rPr>
+              <a:t>	</a:t>
+            </a:r>
+            <a:r>
+              <a:rPr lang="sr-Cyrl-RS" sz="1500" dirty="0" smtClean="0">
+                <a:solidFill>
+                  <a:srgbClr val="000000"/>
+                </a:solidFill>
+                <a:latin typeface="Courier New" panose="02070309020205020404" pitchFamily="49" charset="0"/>
+              </a:rPr>
+              <a:t>	</a:t>
+            </a:r>
+            <a:r>
+              <a:rPr lang="sr-Latn-RS" sz="1500" dirty="0" smtClean="0">
+                <a:solidFill>
+                  <a:srgbClr val="000000"/>
+                </a:solidFill>
+                <a:latin typeface="Courier New" panose="02070309020205020404" pitchFamily="49" charset="0"/>
+              </a:rPr>
+              <a:t>… </a:t>
+            </a:r>
+            <a:endParaRPr lang="sr-Cyrl-RS" sz="1500" dirty="0" smtClean="0">
+              <a:solidFill>
+                <a:srgbClr val="000000"/>
+              </a:solidFill>
+              <a:latin typeface="Courier New" panose="02070309020205020404" pitchFamily="49" charset="0"/>
+            </a:endParaRPr>
+          </a:p>
+          <a:p>
+            <a:pPr>
+              <a:spcAft>
+                <a:spcPts val="600"/>
+              </a:spcAft>
+              <a:defRPr/>
+            </a:pPr>
+            <a:r>
+              <a:rPr lang="sr-Cyrl-RS" sz="1500" dirty="0">
+                <a:solidFill>
+                  <a:srgbClr val="000000"/>
+                </a:solidFill>
+                <a:latin typeface="Courier New" panose="02070309020205020404" pitchFamily="49" charset="0"/>
+              </a:rPr>
+              <a:t>	</a:t>
+            </a:r>
+            <a:r>
+              <a:rPr lang="sr-Cyrl-RS" sz="1500" dirty="0" smtClean="0">
+                <a:solidFill>
+                  <a:srgbClr val="000000"/>
+                </a:solidFill>
+                <a:latin typeface="Courier New" panose="02070309020205020404" pitchFamily="49" charset="0"/>
+              </a:rPr>
+              <a:t>	</a:t>
+            </a:r>
+            <a:r>
+              <a:rPr lang="sr-Latn-RS" sz="1500" dirty="0" smtClean="0">
+                <a:solidFill>
+                  <a:srgbClr val="8000FF"/>
+                </a:solidFill>
+                <a:latin typeface="Courier New" panose="02070309020205020404" pitchFamily="49" charset="0"/>
+              </a:rPr>
+              <a:t>double</a:t>
+            </a:r>
+            <a:r>
+              <a:rPr lang="sr-Latn-RS" sz="1500" dirty="0" smtClean="0">
+                <a:solidFill>
+                  <a:srgbClr val="000000"/>
+                </a:solidFill>
+                <a:latin typeface="Courier New" panose="02070309020205020404" pitchFamily="49" charset="0"/>
+              </a:rPr>
+              <a:t> </a:t>
+            </a:r>
+            <a:r>
+              <a:rPr lang="sr-Latn-RS" sz="1500" dirty="0">
+                <a:solidFill>
+                  <a:srgbClr val="000000"/>
+                </a:solidFill>
+                <a:latin typeface="Courier New" panose="02070309020205020404" pitchFamily="49" charset="0"/>
+              </a:rPr>
+              <a:t>najveci</a:t>
+            </a:r>
+            <a:r>
+              <a:rPr lang="sr-Latn-RS" sz="1500" b="1" dirty="0">
+                <a:solidFill>
+                  <a:srgbClr val="000080"/>
+                </a:solidFill>
+                <a:latin typeface="Courier New" panose="02070309020205020404" pitchFamily="49" charset="0"/>
+              </a:rPr>
+              <a:t>=</a:t>
+            </a:r>
+            <a:r>
+              <a:rPr lang="sr-Latn-RS" sz="1500" dirty="0">
+                <a:solidFill>
+                  <a:srgbClr val="000000"/>
+                </a:solidFill>
+                <a:latin typeface="Courier New" panose="02070309020205020404" pitchFamily="49" charset="0"/>
+              </a:rPr>
+              <a:t>a</a:t>
+            </a:r>
+            <a:r>
+              <a:rPr lang="sr-Latn-RS" sz="1500" b="1" dirty="0">
+                <a:solidFill>
+                  <a:srgbClr val="000080"/>
+                </a:solidFill>
+                <a:latin typeface="Courier New" panose="02070309020205020404" pitchFamily="49" charset="0"/>
+              </a:rPr>
+              <a:t>[</a:t>
+            </a:r>
+            <a:r>
+              <a:rPr lang="sr-Latn-RS" sz="1500" dirty="0">
+                <a:solidFill>
+                  <a:srgbClr val="FF8000"/>
+                </a:solidFill>
+                <a:latin typeface="Courier New" panose="02070309020205020404" pitchFamily="49" charset="0"/>
+              </a:rPr>
+              <a:t>0</a:t>
+            </a:r>
+            <a:r>
+              <a:rPr lang="sr-Latn-RS" sz="1500" b="1" dirty="0">
+                <a:solidFill>
+                  <a:srgbClr val="000080"/>
+                </a:solidFill>
+                <a:latin typeface="Courier New" panose="02070309020205020404" pitchFamily="49" charset="0"/>
+              </a:rPr>
+              <a:t>];</a:t>
+            </a:r>
+            <a:r>
+              <a:rPr lang="sr-Latn-RS" sz="1500" dirty="0">
+                <a:solidFill>
+                  <a:srgbClr val="000000"/>
+                </a:solidFill>
+                <a:latin typeface="Courier New" panose="02070309020205020404" pitchFamily="49" charset="0"/>
+              </a:rPr>
+              <a:t> </a:t>
+            </a:r>
+            <a:endParaRPr lang="sr-Cyrl-RS" sz="1500" dirty="0" smtClean="0">
+              <a:solidFill>
+                <a:srgbClr val="000000"/>
+              </a:solidFill>
+              <a:latin typeface="Courier New" panose="02070309020205020404" pitchFamily="49" charset="0"/>
+            </a:endParaRPr>
+          </a:p>
+          <a:p>
+            <a:pPr>
+              <a:spcAft>
+                <a:spcPts val="600"/>
+              </a:spcAft>
+              <a:defRPr/>
+            </a:pPr>
+            <a:r>
+              <a:rPr lang="sr-Cyrl-RS" sz="1500" b="1" dirty="0">
+                <a:solidFill>
+                  <a:srgbClr val="000000"/>
+                </a:solidFill>
+                <a:latin typeface="Courier New" panose="02070309020205020404" pitchFamily="49" charset="0"/>
+              </a:rPr>
+              <a:t>	</a:t>
+            </a:r>
+            <a:r>
+              <a:rPr lang="sr-Cyrl-RS" sz="1500" b="1" dirty="0" smtClean="0">
+                <a:solidFill>
+                  <a:srgbClr val="000000"/>
+                </a:solidFill>
+                <a:latin typeface="Courier New" panose="02070309020205020404" pitchFamily="49" charset="0"/>
+              </a:rPr>
+              <a:t>	</a:t>
+            </a:r>
+            <a:r>
+              <a:rPr lang="sr-Latn-RS" sz="1500" b="1" dirty="0" smtClean="0">
+                <a:solidFill>
+                  <a:srgbClr val="0000FF"/>
+                </a:solidFill>
+                <a:latin typeface="Courier New" panose="02070309020205020404" pitchFamily="49" charset="0"/>
+              </a:rPr>
+              <a:t>for</a:t>
+            </a:r>
+            <a:r>
+              <a:rPr lang="sr-Latn-RS" sz="1500" dirty="0" smtClean="0">
+                <a:solidFill>
+                  <a:srgbClr val="000000"/>
+                </a:solidFill>
+                <a:latin typeface="Courier New" panose="02070309020205020404" pitchFamily="49" charset="0"/>
+              </a:rPr>
+              <a:t> </a:t>
+            </a:r>
+            <a:r>
+              <a:rPr lang="sr-Latn-RS" sz="1500" b="1" dirty="0">
+                <a:solidFill>
+                  <a:srgbClr val="000080"/>
+                </a:solidFill>
+                <a:latin typeface="Courier New" panose="02070309020205020404" pitchFamily="49" charset="0"/>
+              </a:rPr>
+              <a:t>(</a:t>
+            </a:r>
+            <a:r>
+              <a:rPr lang="sr-Latn-RS" sz="1500" dirty="0">
+                <a:solidFill>
+                  <a:srgbClr val="8000FF"/>
+                </a:solidFill>
+                <a:latin typeface="Courier New" panose="02070309020205020404" pitchFamily="49" charset="0"/>
+              </a:rPr>
+              <a:t>double</a:t>
+            </a:r>
+            <a:r>
+              <a:rPr lang="sr-Latn-RS" sz="1500" dirty="0">
+                <a:solidFill>
+                  <a:srgbClr val="000000"/>
+                </a:solidFill>
+                <a:latin typeface="Courier New" panose="02070309020205020404" pitchFamily="49" charset="0"/>
+              </a:rPr>
+              <a:t> elem</a:t>
+            </a:r>
+            <a:r>
+              <a:rPr lang="sr-Latn-RS" sz="1500" b="1" dirty="0">
+                <a:solidFill>
+                  <a:srgbClr val="000080"/>
+                </a:solidFill>
+                <a:latin typeface="Courier New" panose="02070309020205020404" pitchFamily="49" charset="0"/>
+              </a:rPr>
+              <a:t>:</a:t>
+            </a:r>
+            <a:r>
+              <a:rPr lang="sr-Latn-RS" sz="1500" dirty="0">
+                <a:solidFill>
+                  <a:srgbClr val="000000"/>
+                </a:solidFill>
+                <a:latin typeface="Courier New" panose="02070309020205020404" pitchFamily="49" charset="0"/>
+              </a:rPr>
+              <a:t> a</a:t>
+            </a:r>
+            <a:r>
+              <a:rPr lang="sr-Latn-RS" sz="1500" b="1" dirty="0">
+                <a:solidFill>
+                  <a:srgbClr val="000080"/>
+                </a:solidFill>
+                <a:latin typeface="Courier New" panose="02070309020205020404" pitchFamily="49" charset="0"/>
+              </a:rPr>
+              <a:t>)</a:t>
+            </a:r>
+            <a:r>
+              <a:rPr lang="sr-Latn-RS" sz="1500" dirty="0">
+                <a:solidFill>
+                  <a:srgbClr val="000000"/>
+                </a:solidFill>
+                <a:latin typeface="Courier New" panose="02070309020205020404" pitchFamily="49" charset="0"/>
+              </a:rPr>
+              <a:t> </a:t>
+            </a:r>
+            <a:endParaRPr lang="sr-Cyrl-RS" sz="1500" dirty="0" smtClean="0">
+              <a:solidFill>
+                <a:srgbClr val="000000"/>
+              </a:solidFill>
+              <a:latin typeface="Courier New" panose="02070309020205020404" pitchFamily="49" charset="0"/>
+            </a:endParaRPr>
+          </a:p>
+          <a:p>
+            <a:pPr>
+              <a:spcAft>
+                <a:spcPts val="600"/>
+              </a:spcAft>
+              <a:defRPr/>
+            </a:pPr>
+            <a:r>
+              <a:rPr lang="sr-Cyrl-RS" sz="1500" b="1" dirty="0">
+                <a:solidFill>
+                  <a:srgbClr val="000000"/>
+                </a:solidFill>
+                <a:latin typeface="Courier New" panose="02070309020205020404" pitchFamily="49" charset="0"/>
+              </a:rPr>
+              <a:t>	</a:t>
+            </a:r>
+            <a:r>
+              <a:rPr lang="sr-Cyrl-RS" sz="1500" b="1" dirty="0" smtClean="0">
+                <a:solidFill>
+                  <a:srgbClr val="000000"/>
+                </a:solidFill>
+                <a:latin typeface="Courier New" panose="02070309020205020404" pitchFamily="49" charset="0"/>
+              </a:rPr>
+              <a:t>		</a:t>
+            </a:r>
+            <a:r>
+              <a:rPr lang="sr-Latn-RS" sz="1500" b="1" dirty="0" smtClean="0">
+                <a:solidFill>
+                  <a:srgbClr val="0000FF"/>
+                </a:solidFill>
+                <a:latin typeface="Courier New" panose="02070309020205020404" pitchFamily="49" charset="0"/>
+              </a:rPr>
+              <a:t>if</a:t>
+            </a:r>
+            <a:r>
+              <a:rPr lang="sr-Latn-RS" sz="1500" dirty="0" smtClean="0">
+                <a:solidFill>
+                  <a:srgbClr val="000000"/>
+                </a:solidFill>
+                <a:latin typeface="Courier New" panose="02070309020205020404" pitchFamily="49" charset="0"/>
+              </a:rPr>
+              <a:t> </a:t>
+            </a:r>
+            <a:r>
+              <a:rPr lang="sr-Latn-RS" sz="1500" b="1" dirty="0">
+                <a:solidFill>
+                  <a:srgbClr val="000080"/>
+                </a:solidFill>
+                <a:latin typeface="Courier New" panose="02070309020205020404" pitchFamily="49" charset="0"/>
+              </a:rPr>
+              <a:t>(</a:t>
+            </a:r>
+            <a:r>
+              <a:rPr lang="sr-Latn-RS" sz="1500" dirty="0">
+                <a:solidFill>
+                  <a:srgbClr val="000000"/>
+                </a:solidFill>
+                <a:latin typeface="Courier New" panose="02070309020205020404" pitchFamily="49" charset="0"/>
+              </a:rPr>
+              <a:t> elem </a:t>
+            </a:r>
+            <a:r>
+              <a:rPr lang="sr-Latn-RS" sz="1500" b="1" dirty="0">
+                <a:solidFill>
+                  <a:srgbClr val="000080"/>
+                </a:solidFill>
+                <a:latin typeface="Courier New" panose="02070309020205020404" pitchFamily="49" charset="0"/>
+              </a:rPr>
+              <a:t>&gt;</a:t>
+            </a:r>
+            <a:r>
+              <a:rPr lang="sr-Latn-RS" sz="1500" dirty="0">
+                <a:solidFill>
+                  <a:srgbClr val="000000"/>
+                </a:solidFill>
+                <a:latin typeface="Courier New" panose="02070309020205020404" pitchFamily="49" charset="0"/>
+              </a:rPr>
+              <a:t> najveci </a:t>
+            </a:r>
+            <a:r>
+              <a:rPr lang="sr-Latn-RS" sz="1500" b="1" dirty="0">
+                <a:solidFill>
+                  <a:srgbClr val="000080"/>
+                </a:solidFill>
+                <a:latin typeface="Courier New" panose="02070309020205020404" pitchFamily="49" charset="0"/>
+              </a:rPr>
+              <a:t>)</a:t>
+            </a:r>
+            <a:r>
+              <a:rPr lang="sr-Latn-RS" sz="1500" dirty="0">
+                <a:solidFill>
+                  <a:srgbClr val="000000"/>
+                </a:solidFill>
+                <a:latin typeface="Courier New" panose="02070309020205020404" pitchFamily="49" charset="0"/>
+              </a:rPr>
+              <a:t> </a:t>
+            </a:r>
+            <a:endParaRPr lang="sr-Cyrl-RS" sz="1500" dirty="0" smtClean="0">
+              <a:solidFill>
+                <a:srgbClr val="000000"/>
+              </a:solidFill>
+              <a:latin typeface="Courier New" panose="02070309020205020404" pitchFamily="49" charset="0"/>
+            </a:endParaRPr>
+          </a:p>
+          <a:p>
+            <a:pPr>
+              <a:spcAft>
+                <a:spcPts val="600"/>
+              </a:spcAft>
+              <a:defRPr/>
+            </a:pPr>
+            <a:r>
+              <a:rPr lang="sr-Cyrl-RS" sz="1500" dirty="0">
+                <a:solidFill>
+                  <a:srgbClr val="000000"/>
+                </a:solidFill>
+                <a:latin typeface="Courier New" panose="02070309020205020404" pitchFamily="49" charset="0"/>
+              </a:rPr>
+              <a:t>	</a:t>
+            </a:r>
+            <a:r>
+              <a:rPr lang="sr-Cyrl-RS" sz="1500" dirty="0" smtClean="0">
+                <a:solidFill>
+                  <a:srgbClr val="000000"/>
+                </a:solidFill>
+                <a:latin typeface="Courier New" panose="02070309020205020404" pitchFamily="49" charset="0"/>
+              </a:rPr>
+              <a:t>			</a:t>
+            </a:r>
+            <a:r>
+              <a:rPr lang="sr-Latn-RS" sz="1500" dirty="0" smtClean="0">
+                <a:solidFill>
+                  <a:srgbClr val="000000"/>
+                </a:solidFill>
+                <a:latin typeface="Courier New" panose="02070309020205020404" pitchFamily="49" charset="0"/>
+              </a:rPr>
+              <a:t>najveci </a:t>
+            </a:r>
+            <a:r>
+              <a:rPr lang="sr-Latn-RS" sz="1500" b="1" dirty="0">
+                <a:solidFill>
+                  <a:srgbClr val="000080"/>
+                </a:solidFill>
+                <a:latin typeface="Courier New" panose="02070309020205020404" pitchFamily="49" charset="0"/>
+              </a:rPr>
+              <a:t>=</a:t>
+            </a:r>
+            <a:r>
+              <a:rPr lang="sr-Latn-RS" sz="1500" dirty="0">
+                <a:solidFill>
+                  <a:srgbClr val="000000"/>
+                </a:solidFill>
+                <a:latin typeface="Courier New" panose="02070309020205020404" pitchFamily="49" charset="0"/>
+              </a:rPr>
+              <a:t> elem</a:t>
+            </a:r>
+            <a:r>
+              <a:rPr lang="sr-Latn-RS" sz="1500" b="1" dirty="0">
+                <a:solidFill>
+                  <a:srgbClr val="000080"/>
+                </a:solidFill>
+                <a:latin typeface="Courier New" panose="02070309020205020404" pitchFamily="49" charset="0"/>
+              </a:rPr>
+              <a:t>;</a:t>
+            </a:r>
+            <a:r>
+              <a:rPr lang="sr-Latn-RS" sz="1500" dirty="0">
+                <a:solidFill>
+                  <a:srgbClr val="000000"/>
+                </a:solidFill>
+                <a:latin typeface="Courier New" panose="02070309020205020404" pitchFamily="49" charset="0"/>
+              </a:rPr>
+              <a:t> </a:t>
+            </a:r>
+            <a:endParaRPr lang="sr-Cyrl-RS" sz="1500" dirty="0" smtClean="0">
+              <a:solidFill>
+                <a:srgbClr val="000000"/>
+              </a:solidFill>
+              <a:latin typeface="Courier New" panose="02070309020205020404" pitchFamily="49" charset="0"/>
+            </a:endParaRPr>
+          </a:p>
+          <a:p>
+            <a:pPr>
+              <a:spcAft>
+                <a:spcPts val="600"/>
+              </a:spcAft>
+              <a:defRPr/>
+            </a:pPr>
+            <a:r>
+              <a:rPr lang="sr-Cyrl-RS" sz="1500" b="1" dirty="0">
+                <a:solidFill>
+                  <a:srgbClr val="000000"/>
+                </a:solidFill>
+                <a:latin typeface="Courier New" panose="02070309020205020404" pitchFamily="49" charset="0"/>
+              </a:rPr>
+              <a:t>	</a:t>
+            </a:r>
+            <a:r>
+              <a:rPr lang="sr-Cyrl-RS" sz="1500" b="1" dirty="0" smtClean="0">
+                <a:solidFill>
+                  <a:srgbClr val="000000"/>
+                </a:solidFill>
+                <a:latin typeface="Courier New" panose="02070309020205020404" pitchFamily="49" charset="0"/>
+              </a:rPr>
+              <a:t>	</a:t>
+            </a:r>
+            <a:r>
+              <a:rPr lang="sr-Latn-RS" sz="1500" b="1" dirty="0" smtClean="0">
+                <a:solidFill>
+                  <a:srgbClr val="000080"/>
+                </a:solidFill>
+                <a:latin typeface="Courier New" panose="02070309020205020404" pitchFamily="49" charset="0"/>
+              </a:rPr>
+              <a:t>...</a:t>
+            </a:r>
+            <a:r>
+              <a:rPr lang="sr-Latn-RS" sz="1500" dirty="0" smtClean="0">
+                <a:solidFill>
+                  <a:srgbClr val="000000"/>
+                </a:solidFill>
+                <a:latin typeface="Courier New" panose="02070309020205020404" pitchFamily="49" charset="0"/>
+              </a:rPr>
+              <a:t> </a:t>
+            </a:r>
+            <a:endParaRPr lang="sr-Cyrl-RS" sz="1500" dirty="0" smtClean="0">
+              <a:solidFill>
+                <a:srgbClr val="000000"/>
+              </a:solidFill>
+              <a:latin typeface="Courier New" panose="02070309020205020404" pitchFamily="49" charset="0"/>
+            </a:endParaRPr>
+          </a:p>
+          <a:p>
+            <a:pPr>
+              <a:spcAft>
+                <a:spcPts val="600"/>
+              </a:spcAft>
+              <a:defRPr/>
+            </a:pPr>
+            <a:r>
+              <a:rPr lang="sr-Cyrl-RS" sz="1500" b="1" dirty="0">
+                <a:solidFill>
+                  <a:srgbClr val="000000"/>
+                </a:solidFill>
+                <a:latin typeface="Courier New" panose="02070309020205020404" pitchFamily="49" charset="0"/>
+              </a:rPr>
+              <a:t>	</a:t>
+            </a:r>
+            <a:r>
+              <a:rPr lang="sr-Latn-RS" sz="1500" b="1" dirty="0" smtClean="0">
+                <a:solidFill>
+                  <a:srgbClr val="000080"/>
+                </a:solidFill>
+                <a:latin typeface="Courier New" panose="02070309020205020404" pitchFamily="49" charset="0"/>
+              </a:rPr>
+              <a:t>}</a:t>
+            </a:r>
+            <a:endParaRPr lang="sr-Cyrl-RS" sz="1500" dirty="0">
+              <a:solidFill>
+                <a:srgbClr val="000000"/>
+              </a:solidFill>
+              <a:latin typeface="Garamond" pitchFamily="18" charset="0"/>
+            </a:endParaRPr>
+          </a:p>
+          <a:p>
+            <a:pPr>
+              <a:spcAft>
+                <a:spcPts val="600"/>
+              </a:spcAft>
+              <a:defRPr/>
+            </a:pPr>
+            <a:endParaRPr lang="sr-Cyrl-RS" dirty="0">
+              <a:solidFill>
+                <a:schemeClr val="tx1"/>
+              </a:solidFill>
+              <a:latin typeface="Garamond" pitchFamily="18" charset="0"/>
+            </a:endParaRPr>
+          </a:p>
+        </p:txBody>
+      </p:sp>
+      <p:sp>
+        <p:nvSpPr>
+          <p:cNvPr id="7" name="Title 1"/>
+          <p:cNvSpPr txBox="1">
+            <a:spLocks/>
+          </p:cNvSpPr>
+          <p:nvPr/>
+        </p:nvSpPr>
+        <p:spPr>
+          <a:xfrm>
+            <a:off x="1403350" y="538163"/>
+            <a:ext cx="7751763" cy="868362"/>
+          </a:xfrm>
+          <a:prstGeom prst="rect">
+            <a:avLst/>
+          </a:prstGeom>
+        </p:spPr>
+        <p:txBody>
+          <a:bodyPr/>
+          <a:lstStyle>
+            <a:lvl1pPr algn="l" rtl="0" eaLnBrk="0" fontAlgn="base" hangingPunct="0">
+              <a:spcBef>
+                <a:spcPct val="0"/>
+              </a:spcBef>
+              <a:spcAft>
+                <a:spcPct val="0"/>
+              </a:spcAft>
+              <a:defRPr sz="3800">
+                <a:solidFill>
+                  <a:schemeClr val="tx2"/>
+                </a:solidFill>
+                <a:latin typeface="+mj-lt"/>
+                <a:ea typeface="+mj-ea"/>
+                <a:cs typeface="+mj-cs"/>
+              </a:defRPr>
+            </a:lvl1pPr>
+            <a:lvl2pPr algn="l" rtl="0" eaLnBrk="0" fontAlgn="base" hangingPunct="0">
+              <a:spcBef>
+                <a:spcPct val="0"/>
+              </a:spcBef>
+              <a:spcAft>
+                <a:spcPct val="0"/>
+              </a:spcAft>
+              <a:defRPr sz="3800">
+                <a:solidFill>
+                  <a:schemeClr val="tx2"/>
+                </a:solidFill>
+                <a:latin typeface="Arial" charset="0"/>
+              </a:defRPr>
+            </a:lvl2pPr>
+            <a:lvl3pPr algn="l" rtl="0" eaLnBrk="0" fontAlgn="base" hangingPunct="0">
+              <a:spcBef>
+                <a:spcPct val="0"/>
+              </a:spcBef>
+              <a:spcAft>
+                <a:spcPct val="0"/>
+              </a:spcAft>
+              <a:defRPr sz="3800">
+                <a:solidFill>
+                  <a:schemeClr val="tx2"/>
+                </a:solidFill>
+                <a:latin typeface="Arial" charset="0"/>
+              </a:defRPr>
+            </a:lvl3pPr>
+            <a:lvl4pPr algn="l" rtl="0" eaLnBrk="0" fontAlgn="base" hangingPunct="0">
+              <a:spcBef>
+                <a:spcPct val="0"/>
+              </a:spcBef>
+              <a:spcAft>
+                <a:spcPct val="0"/>
+              </a:spcAft>
+              <a:defRPr sz="3800">
+                <a:solidFill>
+                  <a:schemeClr val="tx2"/>
+                </a:solidFill>
+                <a:latin typeface="Arial" charset="0"/>
+              </a:defRPr>
+            </a:lvl4pPr>
+            <a:lvl5pPr algn="l" rtl="0" eaLnBrk="0" fontAlgn="base" hangingPunct="0">
+              <a:spcBef>
+                <a:spcPct val="0"/>
+              </a:spcBef>
+              <a:spcAft>
+                <a:spcPct val="0"/>
+              </a:spcAft>
+              <a:defRPr sz="3800">
+                <a:solidFill>
+                  <a:schemeClr val="tx2"/>
+                </a:solidFill>
+                <a:latin typeface="Arial" charset="0"/>
+              </a:defRPr>
+            </a:lvl5pPr>
+            <a:lvl6pPr marL="457200" algn="l" rtl="0" fontAlgn="base">
+              <a:spcBef>
+                <a:spcPct val="0"/>
+              </a:spcBef>
+              <a:spcAft>
+                <a:spcPct val="0"/>
+              </a:spcAft>
+              <a:defRPr sz="3800">
+                <a:solidFill>
+                  <a:schemeClr val="tx2"/>
+                </a:solidFill>
+                <a:latin typeface="Arial" charset="0"/>
+              </a:defRPr>
+            </a:lvl6pPr>
+            <a:lvl7pPr marL="914400" algn="l" rtl="0" fontAlgn="base">
+              <a:spcBef>
+                <a:spcPct val="0"/>
+              </a:spcBef>
+              <a:spcAft>
+                <a:spcPct val="0"/>
+              </a:spcAft>
+              <a:defRPr sz="3800">
+                <a:solidFill>
+                  <a:schemeClr val="tx2"/>
+                </a:solidFill>
+                <a:latin typeface="Arial" charset="0"/>
+              </a:defRPr>
+            </a:lvl7pPr>
+            <a:lvl8pPr marL="1371600" algn="l" rtl="0" fontAlgn="base">
+              <a:spcBef>
+                <a:spcPct val="0"/>
+              </a:spcBef>
+              <a:spcAft>
+                <a:spcPct val="0"/>
+              </a:spcAft>
+              <a:defRPr sz="3800">
+                <a:solidFill>
+                  <a:schemeClr val="tx2"/>
+                </a:solidFill>
+                <a:latin typeface="Arial" charset="0"/>
+              </a:defRPr>
+            </a:lvl8pPr>
+            <a:lvl9pPr marL="1828800" algn="l" rtl="0" fontAlgn="base">
+              <a:spcBef>
+                <a:spcPct val="0"/>
+              </a:spcBef>
+              <a:spcAft>
+                <a:spcPct val="0"/>
+              </a:spcAft>
+              <a:defRPr sz="3800">
+                <a:solidFill>
+                  <a:schemeClr val="tx2"/>
+                </a:solidFill>
+                <a:latin typeface="Arial" charset="0"/>
+              </a:defRPr>
+            </a:lvl9pPr>
+          </a:lstStyle>
+          <a:p>
+            <a:pPr>
+              <a:defRPr/>
+            </a:pPr>
+            <a:r>
+              <a:rPr lang="sr-Cyrl-RS" sz="3600" b="1" kern="0" dirty="0" smtClean="0">
+                <a:solidFill>
+                  <a:srgbClr val="0070C0"/>
+                </a:solidFill>
+              </a:rPr>
+              <a:t>Колекцијска наредба </a:t>
+            </a:r>
+            <a:r>
+              <a:rPr lang="en-US" sz="3600" b="1" kern="0" dirty="0" smtClean="0">
+                <a:solidFill>
+                  <a:srgbClr val="0070C0"/>
+                </a:solidFill>
+              </a:rPr>
+              <a:t>for</a:t>
+            </a:r>
+            <a:r>
+              <a:rPr lang="sr-Cyrl-RS" sz="3600" b="1" kern="0" dirty="0" smtClean="0">
+                <a:solidFill>
+                  <a:srgbClr val="0070C0"/>
+                </a:solidFill>
+              </a:rPr>
+              <a:t> (2)</a:t>
+            </a:r>
+            <a:endParaRPr lang="en-US" sz="3600" b="1" kern="0" dirty="0" smtClean="0">
+              <a:solidFill>
+                <a:srgbClr val="0070C0"/>
+              </a:solidFill>
+            </a:endParaRPr>
+          </a:p>
+        </p:txBody>
+      </p:sp>
+      <p:sp>
+        <p:nvSpPr>
+          <p:cNvPr id="2" name="Rectangle 1"/>
+          <p:cNvSpPr/>
+          <p:nvPr/>
+        </p:nvSpPr>
+        <p:spPr>
+          <a:xfrm>
+            <a:off x="1259632" y="1988840"/>
+            <a:ext cx="3024336" cy="720080"/>
+          </a:xfrm>
+          <a:prstGeom prst="rect">
+            <a:avLst/>
+          </a:prstGeom>
+          <a:noFill/>
+        </p:spPr>
+        <p:style>
+          <a:lnRef idx="2">
+            <a:schemeClr val="accent1">
+              <a:shade val="50000"/>
+            </a:schemeClr>
+          </a:lnRef>
+          <a:fillRef idx="1">
+            <a:schemeClr val="accent1"/>
+          </a:fillRef>
+          <a:effectRef idx="0">
+            <a:schemeClr val="accent1"/>
+          </a:effectRef>
+          <a:fontRef idx="minor">
+            <a:schemeClr val="lt1"/>
+          </a:fontRef>
+        </p:style>
+        <p:txBody>
+          <a:bodyPr rtlCol="0" anchor="ctr"/>
+          <a:lstStyle/>
+          <a:p>
+            <a:pPr algn="ctr"/>
+            <a:endParaRPr lang="sr-Latn-RS"/>
+          </a:p>
+        </p:txBody>
+      </p:sp>
+      <p:sp>
+        <p:nvSpPr>
+          <p:cNvPr id="3" name="Rectangle 2"/>
+          <p:cNvSpPr/>
+          <p:nvPr/>
+        </p:nvSpPr>
+        <p:spPr>
+          <a:xfrm>
+            <a:off x="1259632" y="3356992"/>
+            <a:ext cx="4608512" cy="3024336"/>
+          </a:xfrm>
+          <a:prstGeom prst="rect">
+            <a:avLst/>
+          </a:prstGeom>
+          <a:noFill/>
+        </p:spPr>
+        <p:style>
+          <a:lnRef idx="2">
+            <a:schemeClr val="accent1">
+              <a:shade val="50000"/>
+            </a:schemeClr>
+          </a:lnRef>
+          <a:fillRef idx="1">
+            <a:schemeClr val="accent1"/>
+          </a:fillRef>
+          <a:effectRef idx="0">
+            <a:schemeClr val="accent1"/>
+          </a:effectRef>
+          <a:fontRef idx="minor">
+            <a:schemeClr val="lt1"/>
+          </a:fontRef>
+        </p:style>
+        <p:txBody>
+          <a:bodyPr rtlCol="0" anchor="ctr"/>
+          <a:lstStyle/>
+          <a:p>
+            <a:pPr algn="ctr"/>
+            <a:endParaRPr lang="sr-Latn-RS"/>
+          </a:p>
+        </p:txBody>
+      </p:sp>
+    </p:spTree>
+    <p:extLst>
+      <p:ext uri="{BB962C8B-B14F-4D97-AF65-F5344CB8AC3E}">
+        <p14:creationId xmlns:p14="http://schemas.microsoft.com/office/powerpoint/2010/main" val="2568865557"/>
+      </p:ext>
+    </p:extLst>
+  </p:cSld>
+  <p:clrMapOvr>
+    <a:masterClrMapping/>
+  </p:clrMapOvr>
+  <p:timing>
+    <p:tnLst>
+      <p:par>
+        <p:cTn id="1" dur="indefinite" restart="never" nodeType="tmRoot">
+          <p:childTnLst>
+            <p:seq concurrent="1" nextAc="seek">
+              <p:cTn id="2" dur="indefinite" nodeType="mainSeq">
+                <p:childTnLst>
+                  <p:par>
+                    <p:cTn id="3" fill="hold" nodeType="clickPar">
+                      <p:stCondLst>
+                        <p:cond delay="indefinite"/>
+                      </p:stCondLst>
+                      <p:childTnLst>
+                        <p:par>
+                          <p:cTn id="4" fill="hold" nodeType="withGroup">
+                            <p:stCondLst>
+                              <p:cond delay="0"/>
+                            </p:stCondLst>
+                            <p:childTnLst>
+                              <p:par>
+                                <p:cTn id="5" presetID="10" presetClass="entr" presetSubtype="0" fill="hold" nodeType="clickEffect">
+                                  <p:stCondLst>
+                                    <p:cond delay="0"/>
+                                  </p:stCondLst>
+                                  <p:childTnLst>
+                                    <p:set>
+                                      <p:cBhvr>
+                                        <p:cTn id="6" dur="1" fill="hold">
+                                          <p:stCondLst>
+                                            <p:cond delay="0"/>
+                                          </p:stCondLst>
+                                        </p:cTn>
+                                        <p:tgtEl>
+                                          <p:spTgt spid="8">
+                                            <p:txEl>
+                                              <p:pRg st="0" end="0"/>
+                                            </p:txEl>
+                                          </p:spTgt>
+                                        </p:tgtEl>
+                                        <p:attrNameLst>
+                                          <p:attrName>style.visibility</p:attrName>
+                                        </p:attrNameLst>
+                                      </p:cBhvr>
+                                      <p:to>
+                                        <p:strVal val="visible"/>
+                                      </p:to>
+                                    </p:set>
+                                    <p:animEffect transition="in" filter="fade">
+                                      <p:cBhvr>
+                                        <p:cTn id="7" dur="500"/>
+                                        <p:tgtEl>
+                                          <p:spTgt spid="8">
+                                            <p:txEl>
+                                              <p:pRg st="0" end="0"/>
+                                            </p:txEl>
+                                          </p:spTgt>
+                                        </p:tgtEl>
+                                      </p:cBhvr>
+                                    </p:animEffect>
+                                  </p:childTnLst>
+                                </p:cTn>
+                              </p:par>
+                            </p:childTnLst>
+                          </p:cTn>
+                        </p:par>
+                      </p:childTnLst>
+                    </p:cTn>
+                  </p:par>
+                  <p:par>
+                    <p:cTn id="8" fill="hold" nodeType="clickPar">
+                      <p:stCondLst>
+                        <p:cond delay="indefinite"/>
+                      </p:stCondLst>
+                      <p:childTnLst>
+                        <p:par>
+                          <p:cTn id="9" fill="hold" nodeType="withGroup">
+                            <p:stCondLst>
+                              <p:cond delay="0"/>
+                            </p:stCondLst>
+                            <p:childTnLst>
+                              <p:par>
+                                <p:cTn id="10" presetID="10" presetClass="entr" presetSubtype="0" fill="hold" nodeType="clickEffect">
+                                  <p:stCondLst>
+                                    <p:cond delay="0"/>
+                                  </p:stCondLst>
+                                  <p:childTnLst>
+                                    <p:set>
+                                      <p:cBhvr>
+                                        <p:cTn id="11" dur="1" fill="hold">
+                                          <p:stCondLst>
+                                            <p:cond delay="0"/>
+                                          </p:stCondLst>
+                                        </p:cTn>
+                                        <p:tgtEl>
+                                          <p:spTgt spid="8">
+                                            <p:txEl>
+                                              <p:pRg st="1" end="1"/>
+                                            </p:txEl>
+                                          </p:spTgt>
+                                        </p:tgtEl>
+                                        <p:attrNameLst>
+                                          <p:attrName>style.visibility</p:attrName>
+                                        </p:attrNameLst>
+                                      </p:cBhvr>
+                                      <p:to>
+                                        <p:strVal val="visible"/>
+                                      </p:to>
+                                    </p:set>
+                                    <p:animEffect transition="in" filter="fade">
+                                      <p:cBhvr>
+                                        <p:cTn id="12" dur="500"/>
+                                        <p:tgtEl>
+                                          <p:spTgt spid="8">
+                                            <p:txEl>
+                                              <p:pRg st="1" end="1"/>
+                                            </p:txEl>
+                                          </p:spTgt>
+                                        </p:tgtEl>
+                                      </p:cBhvr>
+                                    </p:animEffect>
+                                  </p:childTnLst>
+                                </p:cTn>
+                              </p:par>
+                              <p:par>
+                                <p:cTn id="13" presetID="10" presetClass="entr" presetSubtype="0" fill="hold" nodeType="withEffect">
+                                  <p:stCondLst>
+                                    <p:cond delay="0"/>
+                                  </p:stCondLst>
+                                  <p:childTnLst>
+                                    <p:set>
+                                      <p:cBhvr>
+                                        <p:cTn id="14" dur="1" fill="hold">
+                                          <p:stCondLst>
+                                            <p:cond delay="0"/>
+                                          </p:stCondLst>
+                                        </p:cTn>
+                                        <p:tgtEl>
+                                          <p:spTgt spid="8">
+                                            <p:txEl>
+                                              <p:pRg st="2" end="2"/>
+                                            </p:txEl>
+                                          </p:spTgt>
+                                        </p:tgtEl>
+                                        <p:attrNameLst>
+                                          <p:attrName>style.visibility</p:attrName>
+                                        </p:attrNameLst>
+                                      </p:cBhvr>
+                                      <p:to>
+                                        <p:strVal val="visible"/>
+                                      </p:to>
+                                    </p:set>
+                                    <p:animEffect transition="in" filter="fade">
+                                      <p:cBhvr>
+                                        <p:cTn id="15" dur="500"/>
+                                        <p:tgtEl>
+                                          <p:spTgt spid="8">
+                                            <p:txEl>
+                                              <p:pRg st="2" end="2"/>
+                                            </p:txEl>
+                                          </p:spTgt>
+                                        </p:tgtEl>
+                                      </p:cBhvr>
+                                    </p:animEffect>
+                                  </p:childTnLst>
+                                </p:cTn>
+                              </p:par>
+                              <p:par>
+                                <p:cTn id="16" presetID="10" presetClass="entr" presetSubtype="0" fill="hold" grpId="0" nodeType="withEffect">
+                                  <p:stCondLst>
+                                    <p:cond delay="0"/>
+                                  </p:stCondLst>
+                                  <p:childTnLst>
+                                    <p:set>
+                                      <p:cBhvr>
+                                        <p:cTn id="17" dur="1" fill="hold">
+                                          <p:stCondLst>
+                                            <p:cond delay="0"/>
+                                          </p:stCondLst>
+                                        </p:cTn>
+                                        <p:tgtEl>
+                                          <p:spTgt spid="2"/>
+                                        </p:tgtEl>
+                                        <p:attrNameLst>
+                                          <p:attrName>style.visibility</p:attrName>
+                                        </p:attrNameLst>
+                                      </p:cBhvr>
+                                      <p:to>
+                                        <p:strVal val="visible"/>
+                                      </p:to>
+                                    </p:set>
+                                    <p:animEffect transition="in" filter="fade">
+                                      <p:cBhvr>
+                                        <p:cTn id="18" dur="500"/>
+                                        <p:tgtEl>
+                                          <p:spTgt spid="2"/>
+                                        </p:tgtEl>
+                                      </p:cBhvr>
+                                    </p:animEffect>
+                                  </p:childTnLst>
+                                </p:cTn>
+                              </p:par>
+                              <p:par>
+                                <p:cTn id="19" presetID="10" presetClass="entr" presetSubtype="0" fill="hold" nodeType="withEffect">
+                                  <p:stCondLst>
+                                    <p:cond delay="0"/>
+                                  </p:stCondLst>
+                                  <p:childTnLst>
+                                    <p:set>
+                                      <p:cBhvr>
+                                        <p:cTn id="20" dur="1" fill="hold">
+                                          <p:stCondLst>
+                                            <p:cond delay="0"/>
+                                          </p:stCondLst>
+                                        </p:cTn>
+                                        <p:tgtEl>
+                                          <p:spTgt spid="8">
+                                            <p:txEl>
+                                              <p:pRg st="3" end="3"/>
+                                            </p:txEl>
+                                          </p:spTgt>
+                                        </p:tgtEl>
+                                        <p:attrNameLst>
+                                          <p:attrName>style.visibility</p:attrName>
+                                        </p:attrNameLst>
+                                      </p:cBhvr>
+                                      <p:to>
+                                        <p:strVal val="visible"/>
+                                      </p:to>
+                                    </p:set>
+                                    <p:animEffect transition="in" filter="fade">
+                                      <p:cBhvr>
+                                        <p:cTn id="21" dur="500"/>
+                                        <p:tgtEl>
+                                          <p:spTgt spid="8">
+                                            <p:txEl>
+                                              <p:pRg st="3" end="3"/>
+                                            </p:txEl>
+                                          </p:spTgt>
+                                        </p:tgtEl>
+                                      </p:cBhvr>
+                                    </p:animEffect>
+                                  </p:childTnLst>
+                                </p:cTn>
+                              </p:par>
+                            </p:childTnLst>
+                          </p:cTn>
+                        </p:par>
+                      </p:childTnLst>
+                    </p:cTn>
+                  </p:par>
+                  <p:par>
+                    <p:cTn id="22" fill="hold" nodeType="clickPar">
+                      <p:stCondLst>
+                        <p:cond delay="indefinite"/>
+                      </p:stCondLst>
+                      <p:childTnLst>
+                        <p:par>
+                          <p:cTn id="23" fill="hold" nodeType="withGroup">
+                            <p:stCondLst>
+                              <p:cond delay="0"/>
+                            </p:stCondLst>
+                            <p:childTnLst>
+                              <p:par>
+                                <p:cTn id="24" presetID="10" presetClass="entr" presetSubtype="0" fill="hold" nodeType="clickEffect">
+                                  <p:stCondLst>
+                                    <p:cond delay="0"/>
+                                  </p:stCondLst>
+                                  <p:childTnLst>
+                                    <p:set>
+                                      <p:cBhvr>
+                                        <p:cTn id="25" dur="1" fill="hold">
+                                          <p:stCondLst>
+                                            <p:cond delay="0"/>
+                                          </p:stCondLst>
+                                        </p:cTn>
+                                        <p:tgtEl>
+                                          <p:spTgt spid="8">
+                                            <p:txEl>
+                                              <p:pRg st="5" end="5"/>
+                                            </p:txEl>
+                                          </p:spTgt>
+                                        </p:tgtEl>
+                                        <p:attrNameLst>
+                                          <p:attrName>style.visibility</p:attrName>
+                                        </p:attrNameLst>
+                                      </p:cBhvr>
+                                      <p:to>
+                                        <p:strVal val="visible"/>
+                                      </p:to>
+                                    </p:set>
+                                    <p:animEffect transition="in" filter="fade">
+                                      <p:cBhvr>
+                                        <p:cTn id="26" dur="500"/>
+                                        <p:tgtEl>
+                                          <p:spTgt spid="8">
+                                            <p:txEl>
+                                              <p:pRg st="5" end="5"/>
+                                            </p:txEl>
+                                          </p:spTgt>
+                                        </p:tgtEl>
+                                      </p:cBhvr>
+                                    </p:animEffect>
+                                  </p:childTnLst>
+                                </p:cTn>
+                              </p:par>
+                              <p:par>
+                                <p:cTn id="27" presetID="10" presetClass="entr" presetSubtype="0" fill="hold" nodeType="withEffect">
+                                  <p:stCondLst>
+                                    <p:cond delay="0"/>
+                                  </p:stCondLst>
+                                  <p:childTnLst>
+                                    <p:set>
+                                      <p:cBhvr>
+                                        <p:cTn id="28" dur="1" fill="hold">
+                                          <p:stCondLst>
+                                            <p:cond delay="0"/>
+                                          </p:stCondLst>
+                                        </p:cTn>
+                                        <p:tgtEl>
+                                          <p:spTgt spid="8">
+                                            <p:txEl>
+                                              <p:pRg st="6" end="6"/>
+                                            </p:txEl>
+                                          </p:spTgt>
+                                        </p:tgtEl>
+                                        <p:attrNameLst>
+                                          <p:attrName>style.visibility</p:attrName>
+                                        </p:attrNameLst>
+                                      </p:cBhvr>
+                                      <p:to>
+                                        <p:strVal val="visible"/>
+                                      </p:to>
+                                    </p:set>
+                                    <p:animEffect transition="in" filter="fade">
+                                      <p:cBhvr>
+                                        <p:cTn id="29" dur="500"/>
+                                        <p:tgtEl>
+                                          <p:spTgt spid="8">
+                                            <p:txEl>
+                                              <p:pRg st="6" end="6"/>
+                                            </p:txEl>
+                                          </p:spTgt>
+                                        </p:tgtEl>
+                                      </p:cBhvr>
+                                    </p:animEffect>
+                                  </p:childTnLst>
+                                </p:cTn>
+                              </p:par>
+                              <p:par>
+                                <p:cTn id="30" presetID="10" presetClass="entr" presetSubtype="0" fill="hold" grpId="0" nodeType="withEffect">
+                                  <p:stCondLst>
+                                    <p:cond delay="0"/>
+                                  </p:stCondLst>
+                                  <p:childTnLst>
+                                    <p:set>
+                                      <p:cBhvr>
+                                        <p:cTn id="31" dur="1" fill="hold">
+                                          <p:stCondLst>
+                                            <p:cond delay="0"/>
+                                          </p:stCondLst>
+                                        </p:cTn>
+                                        <p:tgtEl>
+                                          <p:spTgt spid="3"/>
+                                        </p:tgtEl>
+                                        <p:attrNameLst>
+                                          <p:attrName>style.visibility</p:attrName>
+                                        </p:attrNameLst>
+                                      </p:cBhvr>
+                                      <p:to>
+                                        <p:strVal val="visible"/>
+                                      </p:to>
+                                    </p:set>
+                                    <p:animEffect transition="in" filter="fade">
+                                      <p:cBhvr>
+                                        <p:cTn id="32" dur="500"/>
+                                        <p:tgtEl>
+                                          <p:spTgt spid="3"/>
+                                        </p:tgtEl>
+                                      </p:cBhvr>
+                                    </p:animEffect>
+                                  </p:childTnLst>
+                                </p:cTn>
+                              </p:par>
+                              <p:par>
+                                <p:cTn id="33" presetID="10" presetClass="entr" presetSubtype="0" fill="hold" nodeType="withEffect">
+                                  <p:stCondLst>
+                                    <p:cond delay="0"/>
+                                  </p:stCondLst>
+                                  <p:childTnLst>
+                                    <p:set>
+                                      <p:cBhvr>
+                                        <p:cTn id="34" dur="1" fill="hold">
+                                          <p:stCondLst>
+                                            <p:cond delay="0"/>
+                                          </p:stCondLst>
+                                        </p:cTn>
+                                        <p:tgtEl>
+                                          <p:spTgt spid="8">
+                                            <p:txEl>
+                                              <p:pRg st="7" end="7"/>
+                                            </p:txEl>
+                                          </p:spTgt>
+                                        </p:tgtEl>
+                                        <p:attrNameLst>
+                                          <p:attrName>style.visibility</p:attrName>
+                                        </p:attrNameLst>
+                                      </p:cBhvr>
+                                      <p:to>
+                                        <p:strVal val="visible"/>
+                                      </p:to>
+                                    </p:set>
+                                    <p:animEffect transition="in" filter="fade">
+                                      <p:cBhvr>
+                                        <p:cTn id="35" dur="500"/>
+                                        <p:tgtEl>
+                                          <p:spTgt spid="8">
+                                            <p:txEl>
+                                              <p:pRg st="7" end="7"/>
+                                            </p:txEl>
+                                          </p:spTgt>
+                                        </p:tgtEl>
+                                      </p:cBhvr>
+                                    </p:animEffect>
+                                  </p:childTnLst>
+                                </p:cTn>
+                              </p:par>
+                              <p:par>
+                                <p:cTn id="36" presetID="10" presetClass="entr" presetSubtype="0" fill="hold" nodeType="withEffect">
+                                  <p:stCondLst>
+                                    <p:cond delay="0"/>
+                                  </p:stCondLst>
+                                  <p:childTnLst>
+                                    <p:set>
+                                      <p:cBhvr>
+                                        <p:cTn id="37" dur="1" fill="hold">
+                                          <p:stCondLst>
+                                            <p:cond delay="0"/>
+                                          </p:stCondLst>
+                                        </p:cTn>
+                                        <p:tgtEl>
+                                          <p:spTgt spid="8">
+                                            <p:txEl>
+                                              <p:pRg st="8" end="8"/>
+                                            </p:txEl>
+                                          </p:spTgt>
+                                        </p:tgtEl>
+                                        <p:attrNameLst>
+                                          <p:attrName>style.visibility</p:attrName>
+                                        </p:attrNameLst>
+                                      </p:cBhvr>
+                                      <p:to>
+                                        <p:strVal val="visible"/>
+                                      </p:to>
+                                    </p:set>
+                                    <p:animEffect transition="in" filter="fade">
+                                      <p:cBhvr>
+                                        <p:cTn id="38" dur="500"/>
+                                        <p:tgtEl>
+                                          <p:spTgt spid="8">
+                                            <p:txEl>
+                                              <p:pRg st="8" end="8"/>
+                                            </p:txEl>
+                                          </p:spTgt>
+                                        </p:tgtEl>
+                                      </p:cBhvr>
+                                    </p:animEffect>
+                                  </p:childTnLst>
+                                </p:cTn>
+                              </p:par>
+                              <p:par>
+                                <p:cTn id="39" presetID="10" presetClass="entr" presetSubtype="0" fill="hold" nodeType="withEffect">
+                                  <p:stCondLst>
+                                    <p:cond delay="0"/>
+                                  </p:stCondLst>
+                                  <p:childTnLst>
+                                    <p:set>
+                                      <p:cBhvr>
+                                        <p:cTn id="40" dur="1" fill="hold">
+                                          <p:stCondLst>
+                                            <p:cond delay="0"/>
+                                          </p:stCondLst>
+                                        </p:cTn>
+                                        <p:tgtEl>
+                                          <p:spTgt spid="8">
+                                            <p:txEl>
+                                              <p:pRg st="9" end="9"/>
+                                            </p:txEl>
+                                          </p:spTgt>
+                                        </p:tgtEl>
+                                        <p:attrNameLst>
+                                          <p:attrName>style.visibility</p:attrName>
+                                        </p:attrNameLst>
+                                      </p:cBhvr>
+                                      <p:to>
+                                        <p:strVal val="visible"/>
+                                      </p:to>
+                                    </p:set>
+                                    <p:animEffect transition="in" filter="fade">
+                                      <p:cBhvr>
+                                        <p:cTn id="41" dur="500"/>
+                                        <p:tgtEl>
+                                          <p:spTgt spid="8">
+                                            <p:txEl>
+                                              <p:pRg st="9" end="9"/>
+                                            </p:txEl>
+                                          </p:spTgt>
+                                        </p:tgtEl>
+                                      </p:cBhvr>
+                                    </p:animEffect>
+                                  </p:childTnLst>
+                                </p:cTn>
+                              </p:par>
+                              <p:par>
+                                <p:cTn id="42" presetID="10" presetClass="entr" presetSubtype="0" fill="hold" nodeType="withEffect">
+                                  <p:stCondLst>
+                                    <p:cond delay="0"/>
+                                  </p:stCondLst>
+                                  <p:childTnLst>
+                                    <p:set>
+                                      <p:cBhvr>
+                                        <p:cTn id="43" dur="1" fill="hold">
+                                          <p:stCondLst>
+                                            <p:cond delay="0"/>
+                                          </p:stCondLst>
+                                        </p:cTn>
+                                        <p:tgtEl>
+                                          <p:spTgt spid="8">
+                                            <p:txEl>
+                                              <p:pRg st="10" end="10"/>
+                                            </p:txEl>
+                                          </p:spTgt>
+                                        </p:tgtEl>
+                                        <p:attrNameLst>
+                                          <p:attrName>style.visibility</p:attrName>
+                                        </p:attrNameLst>
+                                      </p:cBhvr>
+                                      <p:to>
+                                        <p:strVal val="visible"/>
+                                      </p:to>
+                                    </p:set>
+                                    <p:animEffect transition="in" filter="fade">
+                                      <p:cBhvr>
+                                        <p:cTn id="44" dur="500"/>
+                                        <p:tgtEl>
+                                          <p:spTgt spid="8">
+                                            <p:txEl>
+                                              <p:pRg st="10" end="10"/>
+                                            </p:txEl>
+                                          </p:spTgt>
+                                        </p:tgtEl>
+                                      </p:cBhvr>
+                                    </p:animEffect>
+                                  </p:childTnLst>
+                                </p:cTn>
+                              </p:par>
+                              <p:par>
+                                <p:cTn id="45" presetID="10" presetClass="entr" presetSubtype="0" fill="hold" nodeType="withEffect">
+                                  <p:stCondLst>
+                                    <p:cond delay="0"/>
+                                  </p:stCondLst>
+                                  <p:childTnLst>
+                                    <p:set>
+                                      <p:cBhvr>
+                                        <p:cTn id="46" dur="1" fill="hold">
+                                          <p:stCondLst>
+                                            <p:cond delay="0"/>
+                                          </p:stCondLst>
+                                        </p:cTn>
+                                        <p:tgtEl>
+                                          <p:spTgt spid="8">
+                                            <p:txEl>
+                                              <p:pRg st="11" end="11"/>
+                                            </p:txEl>
+                                          </p:spTgt>
+                                        </p:tgtEl>
+                                        <p:attrNameLst>
+                                          <p:attrName>style.visibility</p:attrName>
+                                        </p:attrNameLst>
+                                      </p:cBhvr>
+                                      <p:to>
+                                        <p:strVal val="visible"/>
+                                      </p:to>
+                                    </p:set>
+                                    <p:animEffect transition="in" filter="fade">
+                                      <p:cBhvr>
+                                        <p:cTn id="47" dur="500"/>
+                                        <p:tgtEl>
+                                          <p:spTgt spid="8">
+                                            <p:txEl>
+                                              <p:pRg st="11" end="11"/>
+                                            </p:txEl>
+                                          </p:spTgt>
+                                        </p:tgtEl>
+                                      </p:cBhvr>
+                                    </p:animEffect>
+                                  </p:childTnLst>
+                                </p:cTn>
+                              </p:par>
+                              <p:par>
+                                <p:cTn id="48" presetID="10" presetClass="entr" presetSubtype="0" fill="hold" nodeType="withEffect">
+                                  <p:stCondLst>
+                                    <p:cond delay="0"/>
+                                  </p:stCondLst>
+                                  <p:childTnLst>
+                                    <p:set>
+                                      <p:cBhvr>
+                                        <p:cTn id="49" dur="1" fill="hold">
+                                          <p:stCondLst>
+                                            <p:cond delay="0"/>
+                                          </p:stCondLst>
+                                        </p:cTn>
+                                        <p:tgtEl>
+                                          <p:spTgt spid="8">
+                                            <p:txEl>
+                                              <p:pRg st="12" end="12"/>
+                                            </p:txEl>
+                                          </p:spTgt>
+                                        </p:tgtEl>
+                                        <p:attrNameLst>
+                                          <p:attrName>style.visibility</p:attrName>
+                                        </p:attrNameLst>
+                                      </p:cBhvr>
+                                      <p:to>
+                                        <p:strVal val="visible"/>
+                                      </p:to>
+                                    </p:set>
+                                    <p:animEffect transition="in" filter="fade">
+                                      <p:cBhvr>
+                                        <p:cTn id="50" dur="500"/>
+                                        <p:tgtEl>
+                                          <p:spTgt spid="8">
+                                            <p:txEl>
+                                              <p:pRg st="12" end="12"/>
+                                            </p:txEl>
+                                          </p:spTgt>
+                                        </p:tgtEl>
+                                      </p:cBhvr>
+                                    </p:animEffect>
+                                  </p:childTnLst>
+                                </p:cTn>
+                              </p:par>
+                              <p:par>
+                                <p:cTn id="51" presetID="10" presetClass="entr" presetSubtype="0" fill="hold" nodeType="withEffect">
+                                  <p:stCondLst>
+                                    <p:cond delay="0"/>
+                                  </p:stCondLst>
+                                  <p:childTnLst>
+                                    <p:set>
+                                      <p:cBhvr>
+                                        <p:cTn id="52" dur="1" fill="hold">
+                                          <p:stCondLst>
+                                            <p:cond delay="0"/>
+                                          </p:stCondLst>
+                                        </p:cTn>
+                                        <p:tgtEl>
+                                          <p:spTgt spid="8">
+                                            <p:txEl>
+                                              <p:pRg st="13" end="13"/>
+                                            </p:txEl>
+                                          </p:spTgt>
+                                        </p:tgtEl>
+                                        <p:attrNameLst>
+                                          <p:attrName>style.visibility</p:attrName>
+                                        </p:attrNameLst>
+                                      </p:cBhvr>
+                                      <p:to>
+                                        <p:strVal val="visible"/>
+                                      </p:to>
+                                    </p:set>
+                                    <p:animEffect transition="in" filter="fade">
+                                      <p:cBhvr>
+                                        <p:cTn id="53" dur="500"/>
+                                        <p:tgtEl>
+                                          <p:spTgt spid="8">
+                                            <p:txEl>
+                                              <p:pRg st="13" end="13"/>
+                                            </p:txEl>
+                                          </p:spTgt>
+                                        </p:tgtEl>
+                                      </p:cBhvr>
+                                    </p:animEffect>
+                                  </p:childTnLst>
+                                </p:cTn>
+                              </p:par>
+                              <p:par>
+                                <p:cTn id="54" presetID="10" presetClass="entr" presetSubtype="0" fill="hold" nodeType="withEffect">
+                                  <p:stCondLst>
+                                    <p:cond delay="0"/>
+                                  </p:stCondLst>
+                                  <p:childTnLst>
+                                    <p:set>
+                                      <p:cBhvr>
+                                        <p:cTn id="55" dur="1" fill="hold">
+                                          <p:stCondLst>
+                                            <p:cond delay="0"/>
+                                          </p:stCondLst>
+                                        </p:cTn>
+                                        <p:tgtEl>
+                                          <p:spTgt spid="8">
+                                            <p:txEl>
+                                              <p:pRg st="14" end="14"/>
+                                            </p:txEl>
+                                          </p:spTgt>
+                                        </p:tgtEl>
+                                        <p:attrNameLst>
+                                          <p:attrName>style.visibility</p:attrName>
+                                        </p:attrNameLst>
+                                      </p:cBhvr>
+                                      <p:to>
+                                        <p:strVal val="visible"/>
+                                      </p:to>
+                                    </p:set>
+                                    <p:animEffect transition="in" filter="fade">
+                                      <p:cBhvr>
+                                        <p:cTn id="56" dur="500"/>
+                                        <p:tgtEl>
+                                          <p:spTgt spid="8">
+                                            <p:txEl>
+                                              <p:pRg st="14" end="14"/>
+                                            </p:txEl>
+                                          </p:spTgt>
+                                        </p:tgtEl>
+                                      </p:cBhvr>
+                                    </p:animEffect>
+                                  </p:childTnLst>
+                                </p:cTn>
+                              </p:par>
+                              <p:par>
+                                <p:cTn id="57" presetID="10" presetClass="entr" presetSubtype="0" fill="hold" nodeType="withEffect">
+                                  <p:stCondLst>
+                                    <p:cond delay="0"/>
+                                  </p:stCondLst>
+                                  <p:childTnLst>
+                                    <p:set>
+                                      <p:cBhvr>
+                                        <p:cTn id="58" dur="1" fill="hold">
+                                          <p:stCondLst>
+                                            <p:cond delay="0"/>
+                                          </p:stCondLst>
+                                        </p:cTn>
+                                        <p:tgtEl>
+                                          <p:spTgt spid="8">
+                                            <p:txEl>
+                                              <p:pRg st="15" end="15"/>
+                                            </p:txEl>
+                                          </p:spTgt>
+                                        </p:tgtEl>
+                                        <p:attrNameLst>
+                                          <p:attrName>style.visibility</p:attrName>
+                                        </p:attrNameLst>
+                                      </p:cBhvr>
+                                      <p:to>
+                                        <p:strVal val="visible"/>
+                                      </p:to>
+                                    </p:set>
+                                    <p:animEffect transition="in" filter="fade">
+                                      <p:cBhvr>
+                                        <p:cTn id="59" dur="500"/>
+                                        <p:tgtEl>
+                                          <p:spTgt spid="8">
+                                            <p:txEl>
+                                              <p:pRg st="15" end="15"/>
+                                            </p:txEl>
+                                          </p:spTgt>
+                                        </p:tgtEl>
+                                      </p:cBhvr>
+                                    </p:animEffect>
+                                  </p:childTnLst>
+                                </p:cTn>
+                              </p:par>
+                            </p:childTnLst>
+                          </p:cTn>
+                        </p:par>
+                      </p:childTnLst>
+                    </p:cTn>
+                  </p:par>
+                </p:childTnLst>
+              </p:cTn>
+              <p:prevCondLst>
+                <p:cond evt="onPrev" delay="0">
+                  <p:tgtEl>
+                    <p:sldTgt/>
+                  </p:tgtEl>
+                </p:cond>
+              </p:prevCondLst>
+              <p:nextCondLst>
+                <p:cond evt="onNext" delay="0">
+                  <p:tgtEl>
+                    <p:sldTgt/>
+                  </p:tgtEl>
+                </p:cond>
+              </p:nextCondLst>
+            </p:seq>
+          </p:childTnLst>
+        </p:cTn>
+      </p:par>
+    </p:tnLst>
+    <p:bldLst>
+      <p:bldP spid="2" grpId="0" animBg="1"/>
+      <p:bldP spid="3" grpId="0" animBg="1"/>
+    </p:bldLst>
+  </p:timing>
+</p:sld>
+</file>
+
+<file path=ppt/slides/slide14.xml><?xml version="1.0" encoding="utf-8"?>
+<p:sld xmlns:a="http://schemas.openxmlformats.org/drawingml/2006/main" xmlns:r="http://schemas.openxmlformats.org/officeDocument/2006/relationships" xmlns:p="http://schemas.openxmlformats.org/presentationml/2006/main">
+  <p:cSld>
+    <p:spTree>
+      <p:nvGrpSpPr>
+        <p:cNvPr id="1" name=""/>
+        <p:cNvGrpSpPr/>
+        <p:nvPr/>
+      </p:nvGrpSpPr>
+      <p:grpSpPr>
+        <a:xfrm>
+          <a:off x="0" y="0"/>
+          <a:ext cx="0" cy="0"/>
+          <a:chOff x="0" y="0"/>
+          <a:chExt cx="0" cy="0"/>
+        </a:xfrm>
+      </p:grpSpPr>
+      <p:sp>
+        <p:nvSpPr>
+          <p:cNvPr id="8" name="Rectangle 5"/>
+          <p:cNvSpPr>
+            <a:spLocks noChangeArrowheads="1"/>
+          </p:cNvSpPr>
+          <p:nvPr/>
+        </p:nvSpPr>
+        <p:spPr bwMode="auto">
+          <a:xfrm>
+            <a:off x="323850" y="1340768"/>
+            <a:ext cx="8712200" cy="5616922"/>
+          </a:xfrm>
+          <a:prstGeom prst="rect">
+            <a:avLst/>
+          </a:prstGeom>
+          <a:noFill/>
+          <a:ln>
+            <a:noFill/>
+          </a:ln>
+          <a:extLst>
+            <a:ext uri="{909E8E84-426E-40DD-AFC4-6F175D3DCCD1}">
+              <a14:hiddenFill xmlns:a14="http://schemas.microsoft.com/office/drawing/2010/main">
+                <a:solidFill>
+                  <a:srgbClr val="FFFFFF"/>
+                </a:solidFill>
+              </a14:hiddenFill>
+            </a:ext>
+            <a:ext uri="{91240B29-F687-4F45-9708-019B960494DF}">
+              <a14:hiddenLine xmlns:a14="http://schemas.microsoft.com/office/drawing/2010/main" w="12700">
+                <a:solidFill>
+                  <a:srgbClr val="000000"/>
+                </a:solidFill>
+                <a:miter lim="800000"/>
+                <a:headEnd/>
+                <a:tailEnd/>
+              </a14:hiddenLine>
+            </a:ext>
+          </a:extLst>
+        </p:spPr>
+        <p:txBody>
+          <a:bodyPr>
+            <a:spAutoFit/>
+          </a:bodyPr>
+          <a:lstStyle/>
+          <a:p>
+            <a:pPr marL="342900" indent="-342900">
+              <a:spcAft>
+                <a:spcPts val="600"/>
+              </a:spcAft>
+              <a:buFont typeface="Arial" panose="020B0604020202020204" pitchFamily="34" charset="0"/>
+              <a:buChar char="•"/>
+              <a:defRPr/>
+            </a:pPr>
+            <a:r>
+              <a:rPr lang="sr-Cyrl-RS" dirty="0" smtClean="0">
+                <a:solidFill>
+                  <a:schemeClr val="tx1"/>
+                </a:solidFill>
+                <a:latin typeface="Garamond" pitchFamily="18" charset="0"/>
+              </a:rPr>
+              <a:t>Аргументи комадне линије омогућавају да се приликом покретања јава програма, том програму проследе параметри.</a:t>
+            </a:r>
+          </a:p>
+          <a:p>
+            <a:pPr marL="342900" indent="-342900">
+              <a:spcAft>
+                <a:spcPts val="600"/>
+              </a:spcAft>
+              <a:buFont typeface="Arial" panose="020B0604020202020204" pitchFamily="34" charset="0"/>
+              <a:buChar char="•"/>
+              <a:defRPr/>
+            </a:pPr>
+            <a:r>
+              <a:rPr lang="ru-RU" dirty="0" smtClean="0">
+                <a:solidFill>
+                  <a:schemeClr val="tx1"/>
+                </a:solidFill>
+                <a:latin typeface="Garamond" pitchFamily="18" charset="0"/>
+              </a:rPr>
+              <a:t>Улазна тачка програма, тј. статички метод </a:t>
+            </a:r>
+            <a:r>
+              <a:rPr lang="en-US" sz="2000" dirty="0" smtClean="0">
+                <a:solidFill>
+                  <a:schemeClr val="tx1"/>
+                </a:solidFill>
+                <a:latin typeface="+mn-lt"/>
+              </a:rPr>
+              <a:t>main</a:t>
+            </a:r>
+            <a:r>
+              <a:rPr lang="ru-RU" sz="2000" dirty="0" smtClean="0">
+                <a:solidFill>
+                  <a:schemeClr val="tx1"/>
+                </a:solidFill>
+                <a:latin typeface="Garamond" pitchFamily="18" charset="0"/>
+              </a:rPr>
+              <a:t> </a:t>
+            </a:r>
+            <a:r>
+              <a:rPr lang="ru-RU" dirty="0">
+                <a:solidFill>
+                  <a:schemeClr val="tx1"/>
+                </a:solidFill>
+                <a:latin typeface="Garamond" pitchFamily="18" charset="0"/>
+              </a:rPr>
+              <a:t>има следећу синтаксу</a:t>
+            </a:r>
+            <a:r>
+              <a:rPr lang="ru-RU" dirty="0" smtClean="0">
+                <a:solidFill>
+                  <a:schemeClr val="tx1"/>
+                </a:solidFill>
+                <a:latin typeface="Garamond" pitchFamily="18" charset="0"/>
+              </a:rPr>
+              <a:t>:</a:t>
+            </a:r>
+            <a:endParaRPr lang="en-US" dirty="0">
+              <a:solidFill>
+                <a:schemeClr val="tx1"/>
+              </a:solidFill>
+              <a:latin typeface="Garamond" pitchFamily="18" charset="0"/>
+            </a:endParaRPr>
+          </a:p>
+          <a:p>
+            <a:pPr>
+              <a:spcAft>
+                <a:spcPts val="600"/>
+              </a:spcAft>
+              <a:defRPr/>
+            </a:pPr>
+            <a:r>
+              <a:rPr lang="en-US" sz="2000" dirty="0">
+                <a:solidFill>
+                  <a:schemeClr val="tx1"/>
+                </a:solidFill>
+                <a:latin typeface="+mn-lt"/>
+              </a:rPr>
+              <a:t>public static void main(String[] </a:t>
+            </a:r>
+            <a:r>
+              <a:rPr lang="en-US" sz="2000" dirty="0" err="1">
+                <a:solidFill>
+                  <a:schemeClr val="tx1"/>
+                </a:solidFill>
+                <a:latin typeface="+mn-lt"/>
+              </a:rPr>
+              <a:t>argumentiKomandneLinije</a:t>
+            </a:r>
+            <a:r>
+              <a:rPr lang="en-US" sz="2000" dirty="0">
+                <a:solidFill>
+                  <a:schemeClr val="tx1"/>
+                </a:solidFill>
+                <a:latin typeface="+mn-lt"/>
+              </a:rPr>
+              <a:t>) </a:t>
+            </a:r>
+            <a:r>
+              <a:rPr lang="en-US" sz="2000" dirty="0" smtClean="0">
+                <a:solidFill>
+                  <a:schemeClr val="tx1"/>
+                </a:solidFill>
+                <a:latin typeface="+mn-lt"/>
+              </a:rPr>
+              <a:t>{</a:t>
+            </a:r>
+          </a:p>
+          <a:p>
+            <a:pPr>
+              <a:spcAft>
+                <a:spcPts val="600"/>
+              </a:spcAft>
+              <a:defRPr/>
+            </a:pPr>
+            <a:r>
+              <a:rPr lang="en-US" sz="2000" dirty="0">
+                <a:solidFill>
+                  <a:schemeClr val="tx1"/>
+                </a:solidFill>
+                <a:latin typeface="+mn-lt"/>
+              </a:rPr>
+              <a:t>	</a:t>
+            </a:r>
+            <a:r>
+              <a:rPr lang="en-US" sz="2000" dirty="0" smtClean="0">
+                <a:solidFill>
+                  <a:schemeClr val="tx1"/>
+                </a:solidFill>
+                <a:latin typeface="+mn-lt"/>
+              </a:rPr>
+              <a:t>// </a:t>
+            </a:r>
+            <a:r>
+              <a:rPr lang="en-US" sz="2000" dirty="0" err="1" smtClean="0">
+                <a:solidFill>
+                  <a:schemeClr val="tx1"/>
+                </a:solidFill>
+                <a:latin typeface="+mn-lt"/>
+              </a:rPr>
+              <a:t>naredbe</a:t>
+            </a:r>
+            <a:endParaRPr lang="en-US" sz="2000" dirty="0" smtClean="0">
+              <a:solidFill>
+                <a:schemeClr val="tx1"/>
+              </a:solidFill>
+              <a:latin typeface="+mn-lt"/>
+            </a:endParaRPr>
+          </a:p>
+          <a:p>
+            <a:pPr>
+              <a:spcAft>
+                <a:spcPts val="600"/>
+              </a:spcAft>
+              <a:defRPr/>
+            </a:pPr>
+            <a:r>
+              <a:rPr lang="en-US" sz="2000" dirty="0" smtClean="0">
+                <a:solidFill>
+                  <a:schemeClr val="tx1"/>
+                </a:solidFill>
+                <a:latin typeface="+mn-lt"/>
+              </a:rPr>
+              <a:t>}</a:t>
+            </a:r>
+            <a:endParaRPr lang="sr-Cyrl-RS" dirty="0" smtClean="0">
+              <a:solidFill>
+                <a:schemeClr val="tx1"/>
+              </a:solidFill>
+              <a:latin typeface="Garamond" pitchFamily="18" charset="0"/>
+            </a:endParaRPr>
+          </a:p>
+          <a:p>
+            <a:pPr marL="342900" indent="-342900">
+              <a:spcAft>
+                <a:spcPts val="600"/>
+              </a:spcAft>
+              <a:buFont typeface="Arial" panose="020B0604020202020204" pitchFamily="34" charset="0"/>
+              <a:buChar char="•"/>
+              <a:defRPr/>
+            </a:pPr>
+            <a:r>
+              <a:rPr lang="sr-Cyrl-RS" dirty="0" smtClean="0">
+                <a:solidFill>
+                  <a:schemeClr val="tx1"/>
+                </a:solidFill>
+                <a:latin typeface="Garamond" pitchFamily="18" charset="0"/>
+              </a:rPr>
+              <a:t>Наредбе и телу програма могу реферисати на једнодимензионални низ ниски </a:t>
+            </a:r>
+            <a:r>
+              <a:rPr lang="en-US" sz="2000" dirty="0" err="1">
+                <a:solidFill>
+                  <a:schemeClr val="tx1"/>
+                </a:solidFill>
+                <a:latin typeface="+mn-lt"/>
+              </a:rPr>
+              <a:t>argumentiKomandneLinije</a:t>
+            </a:r>
+            <a:r>
+              <a:rPr lang="sr-Cyrl-RS" dirty="0" smtClean="0">
+                <a:solidFill>
+                  <a:schemeClr val="tx1"/>
+                </a:solidFill>
+                <a:latin typeface="Garamond" pitchFamily="18" charset="0"/>
+              </a:rPr>
+              <a:t> који ће садржавати аргументе специфициране у комадној линији</a:t>
+            </a:r>
+          </a:p>
+          <a:p>
+            <a:pPr marL="800100" lvl="1" indent="-342900">
+              <a:spcAft>
+                <a:spcPts val="600"/>
+              </a:spcAft>
+              <a:buFont typeface="Arial" panose="020B0604020202020204" pitchFamily="34" charset="0"/>
+              <a:buChar char="•"/>
+              <a:defRPr/>
+            </a:pPr>
+            <a:r>
+              <a:rPr lang="sr-Cyrl-RS" dirty="0" smtClean="0">
+                <a:solidFill>
+                  <a:schemeClr val="tx1"/>
+                </a:solidFill>
+                <a:latin typeface="Garamond" pitchFamily="18" charset="0"/>
+              </a:rPr>
+              <a:t>елеменат низа са индексом 0 представља први прослеђени аргумент, са индексом 1 други итд.</a:t>
+            </a:r>
+          </a:p>
+          <a:p>
+            <a:pPr marL="800100" lvl="1" indent="-342900">
+              <a:spcAft>
+                <a:spcPts val="600"/>
+              </a:spcAft>
+              <a:buFont typeface="Arial" panose="020B0604020202020204" pitchFamily="34" charset="0"/>
+              <a:buChar char="•"/>
+              <a:defRPr/>
+            </a:pPr>
+            <a:r>
+              <a:rPr lang="sr-Cyrl-RS" dirty="0">
+                <a:solidFill>
+                  <a:schemeClr val="tx1"/>
+                </a:solidFill>
+                <a:latin typeface="Garamond" pitchFamily="18" charset="0"/>
+              </a:rPr>
+              <a:t>п</a:t>
+            </a:r>
+            <a:r>
+              <a:rPr lang="sr-Cyrl-RS" dirty="0" smtClean="0">
+                <a:solidFill>
+                  <a:schemeClr val="tx1"/>
+                </a:solidFill>
+                <a:latin typeface="Garamond" pitchFamily="18" charset="0"/>
+              </a:rPr>
+              <a:t>риликом парсирања комадне линије, размак тј. </a:t>
+            </a:r>
+            <a:r>
+              <a:rPr lang="sr-Cyrl-RS" sz="2000" dirty="0" smtClean="0">
+                <a:solidFill>
+                  <a:schemeClr val="tx1"/>
+                </a:solidFill>
+                <a:latin typeface="+mn-lt"/>
+              </a:rPr>
+              <a:t>’ ’</a:t>
+            </a:r>
+            <a:r>
+              <a:rPr lang="sr-Cyrl-RS" dirty="0" smtClean="0">
+                <a:solidFill>
+                  <a:schemeClr val="tx1"/>
+                </a:solidFill>
+                <a:latin typeface="Garamond" pitchFamily="18" charset="0"/>
+              </a:rPr>
+              <a:t> раздваја, а ако је потребно да параметар садржи </a:t>
+            </a:r>
+            <a:r>
+              <a:rPr lang="sr-Cyrl-RS" sz="2000" dirty="0">
+                <a:solidFill>
+                  <a:schemeClr val="tx1"/>
+                </a:solidFill>
+                <a:latin typeface="+mn-lt"/>
+              </a:rPr>
+              <a:t>’ ’</a:t>
+            </a:r>
+            <a:r>
+              <a:rPr lang="sr-Cyrl-RS" dirty="0" smtClean="0">
+                <a:solidFill>
+                  <a:schemeClr val="tx1"/>
+                </a:solidFill>
+                <a:latin typeface="Garamond" pitchFamily="18" charset="0"/>
+              </a:rPr>
+              <a:t>, користи се </a:t>
+            </a:r>
+            <a:r>
+              <a:rPr lang="sr-Cyrl-RS" sz="2000" dirty="0" smtClean="0">
+                <a:solidFill>
+                  <a:schemeClr val="tx1"/>
+                </a:solidFill>
+                <a:latin typeface="+mn-lt"/>
+              </a:rPr>
+              <a:t>’“’ </a:t>
+            </a:r>
+            <a:endParaRPr lang="en-US" sz="2000" dirty="0" smtClean="0">
+              <a:solidFill>
+                <a:schemeClr val="tx1"/>
+              </a:solidFill>
+              <a:latin typeface="+mn-lt"/>
+            </a:endParaRPr>
+          </a:p>
+        </p:txBody>
+      </p:sp>
+      <p:sp>
+        <p:nvSpPr>
+          <p:cNvPr id="7" name="Title 1"/>
+          <p:cNvSpPr txBox="1">
+            <a:spLocks/>
+          </p:cNvSpPr>
+          <p:nvPr/>
+        </p:nvSpPr>
+        <p:spPr>
+          <a:xfrm>
+            <a:off x="1403350" y="538163"/>
+            <a:ext cx="7751763" cy="868362"/>
+          </a:xfrm>
+          <a:prstGeom prst="rect">
+            <a:avLst/>
+          </a:prstGeom>
+        </p:spPr>
+        <p:txBody>
+          <a:bodyPr/>
+          <a:lstStyle>
+            <a:lvl1pPr algn="l" rtl="0" eaLnBrk="0" fontAlgn="base" hangingPunct="0">
+              <a:spcBef>
+                <a:spcPct val="0"/>
+              </a:spcBef>
+              <a:spcAft>
+                <a:spcPct val="0"/>
+              </a:spcAft>
+              <a:defRPr sz="3800">
+                <a:solidFill>
+                  <a:schemeClr val="tx2"/>
+                </a:solidFill>
+                <a:latin typeface="+mj-lt"/>
+                <a:ea typeface="+mj-ea"/>
+                <a:cs typeface="+mj-cs"/>
+              </a:defRPr>
+            </a:lvl1pPr>
+            <a:lvl2pPr algn="l" rtl="0" eaLnBrk="0" fontAlgn="base" hangingPunct="0">
+              <a:spcBef>
+                <a:spcPct val="0"/>
+              </a:spcBef>
+              <a:spcAft>
+                <a:spcPct val="0"/>
+              </a:spcAft>
+              <a:defRPr sz="3800">
+                <a:solidFill>
+                  <a:schemeClr val="tx2"/>
+                </a:solidFill>
+                <a:latin typeface="Arial" charset="0"/>
+              </a:defRPr>
+            </a:lvl2pPr>
+            <a:lvl3pPr algn="l" rtl="0" eaLnBrk="0" fontAlgn="base" hangingPunct="0">
+              <a:spcBef>
+                <a:spcPct val="0"/>
+              </a:spcBef>
+              <a:spcAft>
+                <a:spcPct val="0"/>
+              </a:spcAft>
+              <a:defRPr sz="3800">
+                <a:solidFill>
+                  <a:schemeClr val="tx2"/>
+                </a:solidFill>
+                <a:latin typeface="Arial" charset="0"/>
+              </a:defRPr>
+            </a:lvl3pPr>
+            <a:lvl4pPr algn="l" rtl="0" eaLnBrk="0" fontAlgn="base" hangingPunct="0">
+              <a:spcBef>
+                <a:spcPct val="0"/>
+              </a:spcBef>
+              <a:spcAft>
+                <a:spcPct val="0"/>
+              </a:spcAft>
+              <a:defRPr sz="3800">
+                <a:solidFill>
+                  <a:schemeClr val="tx2"/>
+                </a:solidFill>
+                <a:latin typeface="Arial" charset="0"/>
+              </a:defRPr>
+            </a:lvl4pPr>
+            <a:lvl5pPr algn="l" rtl="0" eaLnBrk="0" fontAlgn="base" hangingPunct="0">
+              <a:spcBef>
+                <a:spcPct val="0"/>
+              </a:spcBef>
+              <a:spcAft>
+                <a:spcPct val="0"/>
+              </a:spcAft>
+              <a:defRPr sz="3800">
+                <a:solidFill>
+                  <a:schemeClr val="tx2"/>
+                </a:solidFill>
+                <a:latin typeface="Arial" charset="0"/>
+              </a:defRPr>
+            </a:lvl5pPr>
+            <a:lvl6pPr marL="457200" algn="l" rtl="0" fontAlgn="base">
+              <a:spcBef>
+                <a:spcPct val="0"/>
+              </a:spcBef>
+              <a:spcAft>
+                <a:spcPct val="0"/>
+              </a:spcAft>
+              <a:defRPr sz="3800">
+                <a:solidFill>
+                  <a:schemeClr val="tx2"/>
+                </a:solidFill>
+                <a:latin typeface="Arial" charset="0"/>
+              </a:defRPr>
+            </a:lvl6pPr>
+            <a:lvl7pPr marL="914400" algn="l" rtl="0" fontAlgn="base">
+              <a:spcBef>
+                <a:spcPct val="0"/>
+              </a:spcBef>
+              <a:spcAft>
+                <a:spcPct val="0"/>
+              </a:spcAft>
+              <a:defRPr sz="3800">
+                <a:solidFill>
+                  <a:schemeClr val="tx2"/>
+                </a:solidFill>
+                <a:latin typeface="Arial" charset="0"/>
+              </a:defRPr>
+            </a:lvl7pPr>
+            <a:lvl8pPr marL="1371600" algn="l" rtl="0" fontAlgn="base">
+              <a:spcBef>
+                <a:spcPct val="0"/>
+              </a:spcBef>
+              <a:spcAft>
+                <a:spcPct val="0"/>
+              </a:spcAft>
+              <a:defRPr sz="3800">
+                <a:solidFill>
+                  <a:schemeClr val="tx2"/>
+                </a:solidFill>
+                <a:latin typeface="Arial" charset="0"/>
+              </a:defRPr>
+            </a:lvl8pPr>
+            <a:lvl9pPr marL="1828800" algn="l" rtl="0" fontAlgn="base">
+              <a:spcBef>
+                <a:spcPct val="0"/>
+              </a:spcBef>
+              <a:spcAft>
+                <a:spcPct val="0"/>
+              </a:spcAft>
+              <a:defRPr sz="3800">
+                <a:solidFill>
+                  <a:schemeClr val="tx2"/>
+                </a:solidFill>
+                <a:latin typeface="Arial" charset="0"/>
+              </a:defRPr>
+            </a:lvl9pPr>
+          </a:lstStyle>
+          <a:p>
+            <a:pPr>
+              <a:defRPr/>
+            </a:pPr>
+            <a:r>
+              <a:rPr lang="sr-Cyrl-RS" sz="3600" b="1" kern="0" dirty="0" smtClean="0">
+                <a:solidFill>
+                  <a:srgbClr val="0070C0"/>
+                </a:solidFill>
+              </a:rPr>
+              <a:t>Аргументи командне линије</a:t>
+            </a:r>
+            <a:endParaRPr lang="en-US" sz="3600" b="1" kern="0" dirty="0" smtClean="0">
+              <a:solidFill>
+                <a:srgbClr val="0070C0"/>
+              </a:solidFill>
+            </a:endParaRPr>
+          </a:p>
+        </p:txBody>
+      </p:sp>
+    </p:spTree>
+    <p:extLst>
+      <p:ext uri="{BB962C8B-B14F-4D97-AF65-F5344CB8AC3E}">
+        <p14:creationId xmlns:p14="http://schemas.microsoft.com/office/powerpoint/2010/main" val="1044615158"/>
+      </p:ext>
+    </p:extLst>
+  </p:cSld>
+  <p:clrMapOvr>
+    <a:masterClrMapping/>
+  </p:clrMapOvr>
+  <p:timing>
+    <p:tnLst>
+      <p:par>
+        <p:cTn id="1" dur="indefinite" restart="never" nodeType="tmRoot">
+          <p:childTnLst>
+            <p:seq concurrent="1" nextAc="seek">
+              <p:cTn id="2" dur="indefinite" nodeType="mainSeq">
+                <p:childTnLst>
+                  <p:par>
+                    <p:cTn id="3" fill="hold" nodeType="clickPar">
+                      <p:stCondLst>
+                        <p:cond delay="indefinite"/>
+                      </p:stCondLst>
+                      <p:childTnLst>
+                        <p:par>
+                          <p:cTn id="4" fill="hold" nodeType="withGroup">
+                            <p:stCondLst>
+                              <p:cond delay="0"/>
+                            </p:stCondLst>
+                            <p:childTnLst>
+                              <p:par>
+                                <p:cTn id="5" presetID="10" presetClass="entr" presetSubtype="0" fill="hold" nodeType="clickEffect">
+                                  <p:stCondLst>
+                                    <p:cond delay="0"/>
+                                  </p:stCondLst>
+                                  <p:childTnLst>
+                                    <p:set>
+                                      <p:cBhvr>
+                                        <p:cTn id="6" dur="1" fill="hold">
+                                          <p:stCondLst>
+                                            <p:cond delay="0"/>
+                                          </p:stCondLst>
+                                        </p:cTn>
+                                        <p:tgtEl>
+                                          <p:spTgt spid="8">
+                                            <p:txEl>
+                                              <p:pRg st="0" end="0"/>
+                                            </p:txEl>
+                                          </p:spTgt>
+                                        </p:tgtEl>
+                                        <p:attrNameLst>
+                                          <p:attrName>style.visibility</p:attrName>
+                                        </p:attrNameLst>
+                                      </p:cBhvr>
+                                      <p:to>
+                                        <p:strVal val="visible"/>
+                                      </p:to>
+                                    </p:set>
+                                    <p:animEffect transition="in" filter="fade">
+                                      <p:cBhvr>
+                                        <p:cTn id="7" dur="500"/>
+                                        <p:tgtEl>
+                                          <p:spTgt spid="8">
+                                            <p:txEl>
+                                              <p:pRg st="0" end="0"/>
+                                            </p:txEl>
+                                          </p:spTgt>
+                                        </p:tgtEl>
+                                      </p:cBhvr>
+                                    </p:animEffect>
+                                  </p:childTnLst>
+                                </p:cTn>
+                              </p:par>
+                            </p:childTnLst>
+                          </p:cTn>
+                        </p:par>
+                      </p:childTnLst>
+                    </p:cTn>
+                  </p:par>
+                  <p:par>
+                    <p:cTn id="8" fill="hold" nodeType="clickPar">
+                      <p:stCondLst>
+                        <p:cond delay="indefinite"/>
+                      </p:stCondLst>
+                      <p:childTnLst>
+                        <p:par>
+                          <p:cTn id="9" fill="hold" nodeType="withGroup">
+                            <p:stCondLst>
+                              <p:cond delay="0"/>
+                            </p:stCondLst>
+                            <p:childTnLst>
+                              <p:par>
+                                <p:cTn id="10" presetID="10" presetClass="entr" presetSubtype="0" fill="hold" nodeType="clickEffect">
+                                  <p:stCondLst>
+                                    <p:cond delay="0"/>
+                                  </p:stCondLst>
+                                  <p:childTnLst>
+                                    <p:set>
+                                      <p:cBhvr>
+                                        <p:cTn id="11" dur="1" fill="hold">
+                                          <p:stCondLst>
+                                            <p:cond delay="0"/>
+                                          </p:stCondLst>
+                                        </p:cTn>
+                                        <p:tgtEl>
+                                          <p:spTgt spid="8">
+                                            <p:txEl>
+                                              <p:pRg st="1" end="1"/>
+                                            </p:txEl>
+                                          </p:spTgt>
+                                        </p:tgtEl>
+                                        <p:attrNameLst>
+                                          <p:attrName>style.visibility</p:attrName>
+                                        </p:attrNameLst>
+                                      </p:cBhvr>
+                                      <p:to>
+                                        <p:strVal val="visible"/>
+                                      </p:to>
+                                    </p:set>
+                                    <p:animEffect transition="in" filter="fade">
+                                      <p:cBhvr>
+                                        <p:cTn id="12" dur="500"/>
+                                        <p:tgtEl>
+                                          <p:spTgt spid="8">
+                                            <p:txEl>
+                                              <p:pRg st="1" end="1"/>
+                                            </p:txEl>
+                                          </p:spTgt>
+                                        </p:tgtEl>
+                                      </p:cBhvr>
+                                    </p:animEffect>
+                                  </p:childTnLst>
+                                </p:cTn>
+                              </p:par>
+                              <p:par>
+                                <p:cTn id="13" presetID="10" presetClass="entr" presetSubtype="0" fill="hold" nodeType="withEffect">
+                                  <p:stCondLst>
+                                    <p:cond delay="0"/>
+                                  </p:stCondLst>
+                                  <p:childTnLst>
+                                    <p:set>
+                                      <p:cBhvr>
+                                        <p:cTn id="14" dur="1" fill="hold">
+                                          <p:stCondLst>
+                                            <p:cond delay="0"/>
+                                          </p:stCondLst>
+                                        </p:cTn>
+                                        <p:tgtEl>
+                                          <p:spTgt spid="8">
+                                            <p:txEl>
+                                              <p:pRg st="2" end="2"/>
+                                            </p:txEl>
+                                          </p:spTgt>
+                                        </p:tgtEl>
+                                        <p:attrNameLst>
+                                          <p:attrName>style.visibility</p:attrName>
+                                        </p:attrNameLst>
+                                      </p:cBhvr>
+                                      <p:to>
+                                        <p:strVal val="visible"/>
+                                      </p:to>
+                                    </p:set>
+                                    <p:animEffect transition="in" filter="fade">
+                                      <p:cBhvr>
+                                        <p:cTn id="15" dur="500"/>
+                                        <p:tgtEl>
+                                          <p:spTgt spid="8">
+                                            <p:txEl>
+                                              <p:pRg st="2" end="2"/>
+                                            </p:txEl>
+                                          </p:spTgt>
+                                        </p:tgtEl>
+                                      </p:cBhvr>
+                                    </p:animEffect>
+                                  </p:childTnLst>
+                                </p:cTn>
+                              </p:par>
+                              <p:par>
+                                <p:cTn id="16" presetID="10" presetClass="entr" presetSubtype="0" fill="hold" nodeType="withEffect">
+                                  <p:stCondLst>
+                                    <p:cond delay="0"/>
+                                  </p:stCondLst>
+                                  <p:childTnLst>
+                                    <p:set>
+                                      <p:cBhvr>
+                                        <p:cTn id="17" dur="1" fill="hold">
+                                          <p:stCondLst>
+                                            <p:cond delay="0"/>
+                                          </p:stCondLst>
+                                        </p:cTn>
+                                        <p:tgtEl>
+                                          <p:spTgt spid="8">
+                                            <p:txEl>
+                                              <p:pRg st="3" end="3"/>
+                                            </p:txEl>
+                                          </p:spTgt>
+                                        </p:tgtEl>
+                                        <p:attrNameLst>
+                                          <p:attrName>style.visibility</p:attrName>
+                                        </p:attrNameLst>
+                                      </p:cBhvr>
+                                      <p:to>
+                                        <p:strVal val="visible"/>
+                                      </p:to>
+                                    </p:set>
+                                    <p:animEffect transition="in" filter="fade">
+                                      <p:cBhvr>
+                                        <p:cTn id="18" dur="500"/>
+                                        <p:tgtEl>
+                                          <p:spTgt spid="8">
+                                            <p:txEl>
+                                              <p:pRg st="3" end="3"/>
+                                            </p:txEl>
+                                          </p:spTgt>
+                                        </p:tgtEl>
+                                      </p:cBhvr>
+                                    </p:animEffect>
+                                  </p:childTnLst>
+                                </p:cTn>
+                              </p:par>
+                              <p:par>
+                                <p:cTn id="19" presetID="10" presetClass="entr" presetSubtype="0" fill="hold" nodeType="withEffect">
+                                  <p:stCondLst>
+                                    <p:cond delay="0"/>
+                                  </p:stCondLst>
+                                  <p:childTnLst>
+                                    <p:set>
+                                      <p:cBhvr>
+                                        <p:cTn id="20" dur="1" fill="hold">
+                                          <p:stCondLst>
+                                            <p:cond delay="0"/>
+                                          </p:stCondLst>
+                                        </p:cTn>
+                                        <p:tgtEl>
+                                          <p:spTgt spid="8">
+                                            <p:txEl>
+                                              <p:pRg st="4" end="4"/>
+                                            </p:txEl>
+                                          </p:spTgt>
+                                        </p:tgtEl>
+                                        <p:attrNameLst>
+                                          <p:attrName>style.visibility</p:attrName>
+                                        </p:attrNameLst>
+                                      </p:cBhvr>
+                                      <p:to>
+                                        <p:strVal val="visible"/>
+                                      </p:to>
+                                    </p:set>
+                                    <p:animEffect transition="in" filter="fade">
+                                      <p:cBhvr>
+                                        <p:cTn id="21" dur="500"/>
+                                        <p:tgtEl>
+                                          <p:spTgt spid="8">
+                                            <p:txEl>
+                                              <p:pRg st="4" end="4"/>
+                                            </p:txEl>
+                                          </p:spTgt>
+                                        </p:tgtEl>
+                                      </p:cBhvr>
+                                    </p:animEffect>
+                                  </p:childTnLst>
+                                </p:cTn>
+                              </p:par>
+                            </p:childTnLst>
+                          </p:cTn>
+                        </p:par>
+                      </p:childTnLst>
+                    </p:cTn>
+                  </p:par>
+                  <p:par>
+                    <p:cTn id="22" fill="hold">
+                      <p:stCondLst>
+                        <p:cond delay="indefinite"/>
+                      </p:stCondLst>
+                      <p:childTnLst>
+                        <p:par>
+                          <p:cTn id="23" fill="hold">
+                            <p:stCondLst>
+                              <p:cond delay="0"/>
+                            </p:stCondLst>
+                            <p:childTnLst>
+                              <p:par>
+                                <p:cTn id="24" presetID="10" presetClass="entr" presetSubtype="0" fill="hold" nodeType="clickEffect">
+                                  <p:stCondLst>
+                                    <p:cond delay="0"/>
+                                  </p:stCondLst>
+                                  <p:childTnLst>
+                                    <p:set>
+                                      <p:cBhvr>
+                                        <p:cTn id="25" dur="1" fill="hold">
+                                          <p:stCondLst>
+                                            <p:cond delay="0"/>
+                                          </p:stCondLst>
+                                        </p:cTn>
+                                        <p:tgtEl>
+                                          <p:spTgt spid="8">
+                                            <p:txEl>
+                                              <p:pRg st="5" end="5"/>
+                                            </p:txEl>
+                                          </p:spTgt>
+                                        </p:tgtEl>
+                                        <p:attrNameLst>
+                                          <p:attrName>style.visibility</p:attrName>
+                                        </p:attrNameLst>
+                                      </p:cBhvr>
+                                      <p:to>
+                                        <p:strVal val="visible"/>
+                                      </p:to>
+                                    </p:set>
+                                    <p:animEffect transition="in" filter="fade">
+                                      <p:cBhvr>
+                                        <p:cTn id="26" dur="500"/>
+                                        <p:tgtEl>
+                                          <p:spTgt spid="8">
+                                            <p:txEl>
+                                              <p:pRg st="5" end="5"/>
+                                            </p:txEl>
+                                          </p:spTgt>
+                                        </p:tgtEl>
+                                      </p:cBhvr>
+                                    </p:animEffect>
+                                  </p:childTnLst>
+                                </p:cTn>
+                              </p:par>
+                              <p:par>
+                                <p:cTn id="27" presetID="10" presetClass="entr" presetSubtype="0" fill="hold" nodeType="withEffect">
+                                  <p:stCondLst>
+                                    <p:cond delay="0"/>
+                                  </p:stCondLst>
+                                  <p:childTnLst>
+                                    <p:set>
+                                      <p:cBhvr>
+                                        <p:cTn id="28" dur="1" fill="hold">
+                                          <p:stCondLst>
+                                            <p:cond delay="0"/>
+                                          </p:stCondLst>
+                                        </p:cTn>
+                                        <p:tgtEl>
+                                          <p:spTgt spid="8">
+                                            <p:txEl>
+                                              <p:pRg st="6" end="6"/>
+                                            </p:txEl>
+                                          </p:spTgt>
+                                        </p:tgtEl>
+                                        <p:attrNameLst>
+                                          <p:attrName>style.visibility</p:attrName>
+                                        </p:attrNameLst>
+                                      </p:cBhvr>
+                                      <p:to>
+                                        <p:strVal val="visible"/>
+                                      </p:to>
+                                    </p:set>
+                                    <p:animEffect transition="in" filter="fade">
+                                      <p:cBhvr>
+                                        <p:cTn id="29" dur="500"/>
+                                        <p:tgtEl>
+                                          <p:spTgt spid="8">
+                                            <p:txEl>
+                                              <p:pRg st="6" end="6"/>
+                                            </p:txEl>
+                                          </p:spTgt>
+                                        </p:tgtEl>
+                                      </p:cBhvr>
+                                    </p:animEffect>
+                                  </p:childTnLst>
+                                </p:cTn>
+                              </p:par>
+                              <p:par>
+                                <p:cTn id="30" presetID="10" presetClass="entr" presetSubtype="0" fill="hold" nodeType="withEffect">
+                                  <p:stCondLst>
+                                    <p:cond delay="0"/>
+                                  </p:stCondLst>
+                                  <p:childTnLst>
+                                    <p:set>
+                                      <p:cBhvr>
+                                        <p:cTn id="31" dur="1" fill="hold">
+                                          <p:stCondLst>
+                                            <p:cond delay="0"/>
+                                          </p:stCondLst>
+                                        </p:cTn>
+                                        <p:tgtEl>
+                                          <p:spTgt spid="8">
+                                            <p:txEl>
+                                              <p:pRg st="7" end="7"/>
+                                            </p:txEl>
+                                          </p:spTgt>
+                                        </p:tgtEl>
+                                        <p:attrNameLst>
+                                          <p:attrName>style.visibility</p:attrName>
+                                        </p:attrNameLst>
+                                      </p:cBhvr>
+                                      <p:to>
+                                        <p:strVal val="visible"/>
+                                      </p:to>
+                                    </p:set>
+                                    <p:animEffect transition="in" filter="fade">
+                                      <p:cBhvr>
+                                        <p:cTn id="32" dur="500"/>
+                                        <p:tgtEl>
+                                          <p:spTgt spid="8">
+                                            <p:txEl>
+                                              <p:pRg st="7" end="7"/>
+                                            </p:txEl>
+                                          </p:spTgt>
+                                        </p:tgtEl>
+                                      </p:cBhvr>
+                                    </p:animEffect>
+                                  </p:childTnLst>
+                                </p:cTn>
+                              </p:par>
+                            </p:childTnLst>
+                          </p:cTn>
+                        </p:par>
+                      </p:childTnLst>
+                    </p:cTn>
+                  </p:par>
+                </p:childTnLst>
+              </p:cTn>
+              <p:prevCondLst>
+                <p:cond evt="onPrev" delay="0">
+                  <p:tgtEl>
+                    <p:sldTgt/>
+                  </p:tgtEl>
+                </p:cond>
+              </p:prevCondLst>
+              <p:nextCondLst>
+                <p:cond evt="onNext" delay="0">
+                  <p:tgtEl>
+                    <p:sldTgt/>
+                  </p:tgtEl>
+                </p:cond>
+              </p:nextCondLst>
+            </p:seq>
+          </p:childTnLst>
+        </p:cTn>
+      </p:par>
+    </p:tnLst>
+  </p:timing>
+</p:sld>
+</file>
+
+<file path=ppt/slides/slide15.xml><?xml version="1.0" encoding="utf-8"?>
+<p:sld xmlns:a="http://schemas.openxmlformats.org/drawingml/2006/main" xmlns:r="http://schemas.openxmlformats.org/officeDocument/2006/relationships" xmlns:p="http://schemas.openxmlformats.org/presentationml/2006/main">
+  <p:cSld>
+    <p:spTree>
+      <p:nvGrpSpPr>
+        <p:cNvPr id="1" name=""/>
+        <p:cNvGrpSpPr/>
+        <p:nvPr/>
+      </p:nvGrpSpPr>
+      <p:grpSpPr>
+        <a:xfrm>
+          <a:off x="0" y="0"/>
+          <a:ext cx="0" cy="0"/>
+          <a:chOff x="0" y="0"/>
+          <a:chExt cx="0" cy="0"/>
+        </a:xfrm>
+      </p:grpSpPr>
+      <p:sp>
+        <p:nvSpPr>
           <p:cNvPr id="14338" name="Text Box 2"/>
           <p:cNvSpPr txBox="1">
             <a:spLocks noChangeArrowheads="1"/>
@@ -8435,7 +12663,7 @@
 </p:sld>
 </file>
 
-<file path=ppt/slides/slide13.xml><?xml version="1.0" encoding="utf-8"?>
+<file path=ppt/slides/slide16.xml><?xml version="1.0" encoding="utf-8"?>
 <p:sld xmlns:a="http://schemas.openxmlformats.org/drawingml/2006/main" xmlns:r="http://schemas.openxmlformats.org/officeDocument/2006/relationships" xmlns:p="http://schemas.openxmlformats.org/presentationml/2006/main">
   <p:cSld>
     <p:spTree>
@@ -9292,7 +13520,7 @@
 </p:sld>
 </file>
 
-<file path=ppt/slides/slide14.xml><?xml version="1.0" encoding="utf-8"?>
+<file path=ppt/slides/slide17.xml><?xml version="1.0" encoding="utf-8"?>
 <p:sld xmlns:a="http://schemas.openxmlformats.org/drawingml/2006/main" xmlns:r="http://schemas.openxmlformats.org/officeDocument/2006/relationships" xmlns:p="http://schemas.openxmlformats.org/presentationml/2006/main">
   <p:cSld>
     <p:spTree>
@@ -11002,7 +15230,7 @@
 </p:sld>
 </file>
 
-<file path=ppt/slides/slide15.xml><?xml version="1.0" encoding="utf-8"?>
+<file path=ppt/slides/slide18.xml><?xml version="1.0" encoding="utf-8"?>
 <p:sld xmlns:a="http://schemas.openxmlformats.org/drawingml/2006/main" xmlns:r="http://schemas.openxmlformats.org/officeDocument/2006/relationships" xmlns:p="http://schemas.openxmlformats.org/presentationml/2006/main">
   <p:cSld>
     <p:spTree>
@@ -11794,7 +16022,1704 @@
 </p:sld>
 </file>
 
-<file path=ppt/slides/slide16.xml><?xml version="1.0" encoding="utf-8"?>
+<file path=ppt/slides/slide19.xml><?xml version="1.0" encoding="utf-8"?>
+<p:sld xmlns:a="http://schemas.openxmlformats.org/drawingml/2006/main" xmlns:r="http://schemas.openxmlformats.org/officeDocument/2006/relationships" xmlns:p="http://schemas.openxmlformats.org/presentationml/2006/main">
+  <p:cSld>
+    <p:spTree>
+      <p:nvGrpSpPr>
+        <p:cNvPr id="1" name=""/>
+        <p:cNvGrpSpPr/>
+        <p:nvPr/>
+      </p:nvGrpSpPr>
+      <p:grpSpPr>
+        <a:xfrm>
+          <a:off x="0" y="0"/>
+          <a:ext cx="0" cy="0"/>
+          <a:chOff x="0" y="0"/>
+          <a:chExt cx="0" cy="0"/>
+        </a:xfrm>
+      </p:grpSpPr>
+      <p:sp>
+        <p:nvSpPr>
+          <p:cNvPr id="8" name="Rectangle 5"/>
+          <p:cNvSpPr>
+            <a:spLocks noChangeArrowheads="1"/>
+          </p:cNvSpPr>
+          <p:nvPr/>
+        </p:nvSpPr>
+        <p:spPr bwMode="auto">
+          <a:xfrm>
+            <a:off x="323850" y="1445875"/>
+            <a:ext cx="8712200" cy="4462760"/>
+          </a:xfrm>
+          <a:prstGeom prst="rect">
+            <a:avLst/>
+          </a:prstGeom>
+          <a:noFill/>
+          <a:ln>
+            <a:noFill/>
+          </a:ln>
+          <a:extLst>
+            <a:ext uri="{909E8E84-426E-40DD-AFC4-6F175D3DCCD1}">
+              <a14:hiddenFill xmlns:a14="http://schemas.microsoft.com/office/drawing/2010/main">
+                <a:solidFill>
+                  <a:srgbClr val="FFFFFF"/>
+                </a:solidFill>
+              </a14:hiddenFill>
+            </a:ext>
+            <a:ext uri="{91240B29-F687-4F45-9708-019B960494DF}">
+              <a14:hiddenLine xmlns:a14="http://schemas.microsoft.com/office/drawing/2010/main" w="12700">
+                <a:solidFill>
+                  <a:srgbClr val="000000"/>
+                </a:solidFill>
+                <a:miter lim="800000"/>
+                <a:headEnd/>
+                <a:tailEnd/>
+              </a14:hiddenLine>
+            </a:ext>
+          </a:extLst>
+        </p:spPr>
+        <p:txBody>
+          <a:bodyPr>
+            <a:spAutoFit/>
+          </a:bodyPr>
+          <a:lstStyle/>
+          <a:p>
+            <a:pPr marL="342900" indent="-342900">
+              <a:spcAft>
+                <a:spcPts val="600"/>
+              </a:spcAft>
+              <a:buFont typeface="Arial" panose="020B0604020202020204" pitchFamily="34" charset="0"/>
+              <a:buChar char="•"/>
+              <a:defRPr/>
+            </a:pPr>
+            <a:r>
+              <a:rPr lang="sr-Cyrl-RS" dirty="0" smtClean="0">
+                <a:solidFill>
+                  <a:schemeClr val="tx1"/>
+                </a:solidFill>
+                <a:latin typeface="Garamond" pitchFamily="18" charset="0"/>
+              </a:rPr>
+              <a:t>Класа </a:t>
+            </a:r>
+            <a:r>
+              <a:rPr lang="sr-Latn-RS" sz="2000" dirty="0" err="1" smtClean="0">
+                <a:solidFill>
+                  <a:schemeClr val="tx1"/>
+                </a:solidFill>
+                <a:latin typeface="+mn-lt"/>
+              </a:rPr>
+              <a:t>java.util.Arrays</a:t>
+            </a:r>
+            <a:r>
+              <a:rPr lang="sr-Cyrl-RS" dirty="0" smtClean="0">
+                <a:solidFill>
+                  <a:schemeClr val="tx1"/>
+                </a:solidFill>
+                <a:latin typeface="Garamond" pitchFamily="18" charset="0"/>
+              </a:rPr>
+              <a:t> садржи различите методе за манипулацију са низовима:</a:t>
+            </a:r>
+          </a:p>
+          <a:p>
+            <a:pPr marL="800100" lvl="1" indent="-342900">
+              <a:spcAft>
+                <a:spcPts val="600"/>
+              </a:spcAft>
+              <a:buFont typeface="Arial" panose="020B0604020202020204" pitchFamily="34" charset="0"/>
+              <a:buChar char="•"/>
+              <a:defRPr/>
+            </a:pPr>
+            <a:r>
+              <a:rPr lang="sr-Cyrl-RS" dirty="0" smtClean="0">
+                <a:solidFill>
+                  <a:schemeClr val="tx1"/>
+                </a:solidFill>
+                <a:latin typeface="Garamond" pitchFamily="18" charset="0"/>
+              </a:rPr>
+              <a:t>Попуњавање низа – доделу специфициране вредности сваком члану низа – статички метод </a:t>
+            </a:r>
+            <a:r>
+              <a:rPr lang="en-US" sz="2000" dirty="0" smtClean="0">
+                <a:solidFill>
+                  <a:schemeClr val="tx1"/>
+                </a:solidFill>
+                <a:latin typeface="+mn-lt"/>
+              </a:rPr>
+              <a:t>fill()</a:t>
+            </a:r>
+          </a:p>
+          <a:p>
+            <a:pPr marL="800100" lvl="1" indent="-342900">
+              <a:spcAft>
+                <a:spcPts val="600"/>
+              </a:spcAft>
+              <a:buFont typeface="Arial" panose="020B0604020202020204" pitchFamily="34" charset="0"/>
+              <a:buChar char="•"/>
+              <a:defRPr/>
+            </a:pPr>
+            <a:r>
+              <a:rPr lang="sr-Cyrl-RS" dirty="0" smtClean="0">
+                <a:solidFill>
+                  <a:schemeClr val="tx1"/>
+                </a:solidFill>
+                <a:latin typeface="Garamond" pitchFamily="18" charset="0"/>
+              </a:rPr>
+              <a:t>Уређење (сортирање) низа – премештање елемената у оквиру низа, тако да сви елементи буду уређени у нерастући поредак - </a:t>
+            </a:r>
+            <a:r>
+              <a:rPr lang="sr-Cyrl-RS" dirty="0">
+                <a:solidFill>
+                  <a:schemeClr val="tx1"/>
+                </a:solidFill>
+                <a:latin typeface="Garamond" pitchFamily="18" charset="0"/>
+              </a:rPr>
+              <a:t>статички метод </a:t>
+            </a:r>
+            <a:r>
+              <a:rPr lang="en-US" sz="2000" dirty="0" smtClean="0">
+                <a:solidFill>
+                  <a:schemeClr val="tx1"/>
+                </a:solidFill>
+                <a:latin typeface="+mn-lt"/>
+              </a:rPr>
+              <a:t>sort()</a:t>
+            </a:r>
+          </a:p>
+          <a:p>
+            <a:pPr marL="800100" lvl="1" indent="-342900">
+              <a:spcAft>
+                <a:spcPts val="600"/>
+              </a:spcAft>
+              <a:buFont typeface="Arial" panose="020B0604020202020204" pitchFamily="34" charset="0"/>
+              <a:buChar char="•"/>
+              <a:defRPr/>
+            </a:pPr>
+            <a:r>
+              <a:rPr lang="sr-Cyrl-RS" dirty="0" smtClean="0">
+                <a:solidFill>
+                  <a:schemeClr val="tx1"/>
+                </a:solidFill>
+                <a:latin typeface="Garamond" pitchFamily="18" charset="0"/>
+              </a:rPr>
+              <a:t>Претрагу елемената у (сортираном) низу </a:t>
+            </a:r>
+            <a:r>
+              <a:rPr lang="sr-Cyrl-RS" dirty="0">
+                <a:solidFill>
+                  <a:schemeClr val="tx1"/>
+                </a:solidFill>
+                <a:latin typeface="Garamond" pitchFamily="18" charset="0"/>
+              </a:rPr>
+              <a:t>– </a:t>
+            </a:r>
+            <a:r>
+              <a:rPr lang="sr-Cyrl-RS" dirty="0" smtClean="0">
+                <a:solidFill>
+                  <a:schemeClr val="tx1"/>
+                </a:solidFill>
+                <a:latin typeface="Garamond" pitchFamily="18" charset="0"/>
+              </a:rPr>
+              <a:t>методом бинарне претраге се одређује позиција датог елемента у сортираном низу </a:t>
+            </a:r>
+            <a:r>
+              <a:rPr lang="sr-Cyrl-RS" dirty="0">
+                <a:solidFill>
+                  <a:schemeClr val="tx1"/>
+                </a:solidFill>
+                <a:latin typeface="Garamond" pitchFamily="18" charset="0"/>
+              </a:rPr>
+              <a:t>- статички метод </a:t>
+            </a:r>
+            <a:r>
+              <a:rPr lang="en-US" sz="2000" dirty="0" err="1" smtClean="0">
+                <a:solidFill>
+                  <a:schemeClr val="tx1"/>
+                </a:solidFill>
+                <a:latin typeface="+mn-lt"/>
+              </a:rPr>
+              <a:t>binarySearch</a:t>
+            </a:r>
+            <a:r>
+              <a:rPr lang="en-US" sz="2000" dirty="0" smtClean="0">
+                <a:solidFill>
+                  <a:schemeClr val="tx1"/>
+                </a:solidFill>
+                <a:latin typeface="+mn-lt"/>
+              </a:rPr>
+              <a:t>()</a:t>
+            </a:r>
+            <a:endParaRPr lang="sr-Cyrl-RS" sz="2000" dirty="0">
+              <a:solidFill>
+                <a:schemeClr val="tx1"/>
+              </a:solidFill>
+              <a:latin typeface="+mn-lt"/>
+            </a:endParaRPr>
+          </a:p>
+          <a:p>
+            <a:pPr marL="800100" lvl="1" indent="-342900">
+              <a:spcAft>
+                <a:spcPts val="600"/>
+              </a:spcAft>
+              <a:buFont typeface="Arial" panose="020B0604020202020204" pitchFamily="34" charset="0"/>
+              <a:buChar char="•"/>
+              <a:defRPr/>
+            </a:pPr>
+            <a:endParaRPr lang="sr-Cyrl-RS" dirty="0" smtClean="0">
+              <a:solidFill>
+                <a:schemeClr val="tx1"/>
+              </a:solidFill>
+              <a:latin typeface="+mn-lt"/>
+            </a:endParaRPr>
+          </a:p>
+        </p:txBody>
+      </p:sp>
+      <p:sp>
+        <p:nvSpPr>
+          <p:cNvPr id="7" name="Title 1"/>
+          <p:cNvSpPr txBox="1">
+            <a:spLocks/>
+          </p:cNvSpPr>
+          <p:nvPr/>
+        </p:nvSpPr>
+        <p:spPr>
+          <a:xfrm>
+            <a:off x="1403350" y="404664"/>
+            <a:ext cx="7751763" cy="868362"/>
+          </a:xfrm>
+          <a:prstGeom prst="rect">
+            <a:avLst/>
+          </a:prstGeom>
+        </p:spPr>
+        <p:txBody>
+          <a:bodyPr/>
+          <a:lstStyle>
+            <a:lvl1pPr algn="l" rtl="0" eaLnBrk="0" fontAlgn="base" hangingPunct="0">
+              <a:spcBef>
+                <a:spcPct val="0"/>
+              </a:spcBef>
+              <a:spcAft>
+                <a:spcPct val="0"/>
+              </a:spcAft>
+              <a:defRPr sz="3800">
+                <a:solidFill>
+                  <a:schemeClr val="tx2"/>
+                </a:solidFill>
+                <a:latin typeface="+mj-lt"/>
+                <a:ea typeface="+mj-ea"/>
+                <a:cs typeface="+mj-cs"/>
+              </a:defRPr>
+            </a:lvl1pPr>
+            <a:lvl2pPr algn="l" rtl="0" eaLnBrk="0" fontAlgn="base" hangingPunct="0">
+              <a:spcBef>
+                <a:spcPct val="0"/>
+              </a:spcBef>
+              <a:spcAft>
+                <a:spcPct val="0"/>
+              </a:spcAft>
+              <a:defRPr sz="3800">
+                <a:solidFill>
+                  <a:schemeClr val="tx2"/>
+                </a:solidFill>
+                <a:latin typeface="Arial" charset="0"/>
+              </a:defRPr>
+            </a:lvl2pPr>
+            <a:lvl3pPr algn="l" rtl="0" eaLnBrk="0" fontAlgn="base" hangingPunct="0">
+              <a:spcBef>
+                <a:spcPct val="0"/>
+              </a:spcBef>
+              <a:spcAft>
+                <a:spcPct val="0"/>
+              </a:spcAft>
+              <a:defRPr sz="3800">
+                <a:solidFill>
+                  <a:schemeClr val="tx2"/>
+                </a:solidFill>
+                <a:latin typeface="Arial" charset="0"/>
+              </a:defRPr>
+            </a:lvl3pPr>
+            <a:lvl4pPr algn="l" rtl="0" eaLnBrk="0" fontAlgn="base" hangingPunct="0">
+              <a:spcBef>
+                <a:spcPct val="0"/>
+              </a:spcBef>
+              <a:spcAft>
+                <a:spcPct val="0"/>
+              </a:spcAft>
+              <a:defRPr sz="3800">
+                <a:solidFill>
+                  <a:schemeClr val="tx2"/>
+                </a:solidFill>
+                <a:latin typeface="Arial" charset="0"/>
+              </a:defRPr>
+            </a:lvl4pPr>
+            <a:lvl5pPr algn="l" rtl="0" eaLnBrk="0" fontAlgn="base" hangingPunct="0">
+              <a:spcBef>
+                <a:spcPct val="0"/>
+              </a:spcBef>
+              <a:spcAft>
+                <a:spcPct val="0"/>
+              </a:spcAft>
+              <a:defRPr sz="3800">
+                <a:solidFill>
+                  <a:schemeClr val="tx2"/>
+                </a:solidFill>
+                <a:latin typeface="Arial" charset="0"/>
+              </a:defRPr>
+            </a:lvl5pPr>
+            <a:lvl6pPr marL="457200" algn="l" rtl="0" fontAlgn="base">
+              <a:spcBef>
+                <a:spcPct val="0"/>
+              </a:spcBef>
+              <a:spcAft>
+                <a:spcPct val="0"/>
+              </a:spcAft>
+              <a:defRPr sz="3800">
+                <a:solidFill>
+                  <a:schemeClr val="tx2"/>
+                </a:solidFill>
+                <a:latin typeface="Arial" charset="0"/>
+              </a:defRPr>
+            </a:lvl6pPr>
+            <a:lvl7pPr marL="914400" algn="l" rtl="0" fontAlgn="base">
+              <a:spcBef>
+                <a:spcPct val="0"/>
+              </a:spcBef>
+              <a:spcAft>
+                <a:spcPct val="0"/>
+              </a:spcAft>
+              <a:defRPr sz="3800">
+                <a:solidFill>
+                  <a:schemeClr val="tx2"/>
+                </a:solidFill>
+                <a:latin typeface="Arial" charset="0"/>
+              </a:defRPr>
+            </a:lvl7pPr>
+            <a:lvl8pPr marL="1371600" algn="l" rtl="0" fontAlgn="base">
+              <a:spcBef>
+                <a:spcPct val="0"/>
+              </a:spcBef>
+              <a:spcAft>
+                <a:spcPct val="0"/>
+              </a:spcAft>
+              <a:defRPr sz="3800">
+                <a:solidFill>
+                  <a:schemeClr val="tx2"/>
+                </a:solidFill>
+                <a:latin typeface="Arial" charset="0"/>
+              </a:defRPr>
+            </a:lvl8pPr>
+            <a:lvl9pPr marL="1828800" algn="l" rtl="0" fontAlgn="base">
+              <a:spcBef>
+                <a:spcPct val="0"/>
+              </a:spcBef>
+              <a:spcAft>
+                <a:spcPct val="0"/>
+              </a:spcAft>
+              <a:defRPr sz="3800">
+                <a:solidFill>
+                  <a:schemeClr val="tx2"/>
+                </a:solidFill>
+                <a:latin typeface="Arial" charset="0"/>
+              </a:defRPr>
+            </a:lvl9pPr>
+          </a:lstStyle>
+          <a:p>
+            <a:pPr>
+              <a:defRPr/>
+            </a:pPr>
+            <a:r>
+              <a:rPr lang="sr-Cyrl-RS" sz="3600" b="1" kern="0" dirty="0" smtClean="0">
+                <a:solidFill>
+                  <a:srgbClr val="0070C0"/>
+                </a:solidFill>
+              </a:rPr>
+              <a:t>Коришћење неких метода класе </a:t>
+            </a:r>
+            <a:r>
+              <a:rPr lang="en-US" sz="3600" b="1" kern="0" dirty="0" smtClean="0">
+                <a:solidFill>
+                  <a:srgbClr val="0070C0"/>
+                </a:solidFill>
+              </a:rPr>
+              <a:t>Arrays</a:t>
+            </a:r>
+            <a:r>
+              <a:rPr lang="sr-Cyrl-RS" sz="3600" b="1" kern="0" dirty="0" smtClean="0">
+                <a:solidFill>
+                  <a:srgbClr val="0070C0"/>
+                </a:solidFill>
+              </a:rPr>
+              <a:t> </a:t>
+            </a:r>
+            <a:endParaRPr lang="en-US" sz="3600" b="1" kern="0" dirty="0" smtClean="0">
+              <a:solidFill>
+                <a:srgbClr val="0070C0"/>
+              </a:solidFill>
+            </a:endParaRPr>
+          </a:p>
+        </p:txBody>
+      </p:sp>
+    </p:spTree>
+    <p:extLst>
+      <p:ext uri="{BB962C8B-B14F-4D97-AF65-F5344CB8AC3E}">
+        <p14:creationId xmlns:p14="http://schemas.microsoft.com/office/powerpoint/2010/main" val="357171742"/>
+      </p:ext>
+    </p:extLst>
+  </p:cSld>
+  <p:clrMapOvr>
+    <a:masterClrMapping/>
+  </p:clrMapOvr>
+  <p:timing>
+    <p:tnLst>
+      <p:par>
+        <p:cTn id="1" dur="indefinite" restart="never" nodeType="tmRoot">
+          <p:childTnLst>
+            <p:seq concurrent="1" nextAc="seek">
+              <p:cTn id="2" dur="indefinite" nodeType="mainSeq">
+                <p:childTnLst>
+                  <p:par>
+                    <p:cTn id="3" fill="hold" nodeType="clickPar">
+                      <p:stCondLst>
+                        <p:cond delay="indefinite"/>
+                      </p:stCondLst>
+                      <p:childTnLst>
+                        <p:par>
+                          <p:cTn id="4" fill="hold" nodeType="withGroup">
+                            <p:stCondLst>
+                              <p:cond delay="0"/>
+                            </p:stCondLst>
+                            <p:childTnLst>
+                              <p:par>
+                                <p:cTn id="5" presetID="10" presetClass="entr" presetSubtype="0" fill="hold" nodeType="clickEffect">
+                                  <p:stCondLst>
+                                    <p:cond delay="0"/>
+                                  </p:stCondLst>
+                                  <p:childTnLst>
+                                    <p:set>
+                                      <p:cBhvr>
+                                        <p:cTn id="6" dur="1" fill="hold">
+                                          <p:stCondLst>
+                                            <p:cond delay="0"/>
+                                          </p:stCondLst>
+                                        </p:cTn>
+                                        <p:tgtEl>
+                                          <p:spTgt spid="8">
+                                            <p:txEl>
+                                              <p:pRg st="0" end="0"/>
+                                            </p:txEl>
+                                          </p:spTgt>
+                                        </p:tgtEl>
+                                        <p:attrNameLst>
+                                          <p:attrName>style.visibility</p:attrName>
+                                        </p:attrNameLst>
+                                      </p:cBhvr>
+                                      <p:to>
+                                        <p:strVal val="visible"/>
+                                      </p:to>
+                                    </p:set>
+                                    <p:animEffect transition="in" filter="fade">
+                                      <p:cBhvr>
+                                        <p:cTn id="7" dur="500"/>
+                                        <p:tgtEl>
+                                          <p:spTgt spid="8">
+                                            <p:txEl>
+                                              <p:pRg st="0" end="0"/>
+                                            </p:txEl>
+                                          </p:spTgt>
+                                        </p:tgtEl>
+                                      </p:cBhvr>
+                                    </p:animEffect>
+                                  </p:childTnLst>
+                                </p:cTn>
+                              </p:par>
+                              <p:par>
+                                <p:cTn id="8" presetID="10" presetClass="entr" presetSubtype="0" fill="hold" nodeType="withEffect">
+                                  <p:stCondLst>
+                                    <p:cond delay="0"/>
+                                  </p:stCondLst>
+                                  <p:childTnLst>
+                                    <p:set>
+                                      <p:cBhvr>
+                                        <p:cTn id="9" dur="1" fill="hold">
+                                          <p:stCondLst>
+                                            <p:cond delay="0"/>
+                                          </p:stCondLst>
+                                        </p:cTn>
+                                        <p:tgtEl>
+                                          <p:spTgt spid="8">
+                                            <p:txEl>
+                                              <p:pRg st="1" end="1"/>
+                                            </p:txEl>
+                                          </p:spTgt>
+                                        </p:tgtEl>
+                                        <p:attrNameLst>
+                                          <p:attrName>style.visibility</p:attrName>
+                                        </p:attrNameLst>
+                                      </p:cBhvr>
+                                      <p:to>
+                                        <p:strVal val="visible"/>
+                                      </p:to>
+                                    </p:set>
+                                    <p:animEffect transition="in" filter="fade">
+                                      <p:cBhvr>
+                                        <p:cTn id="10" dur="500"/>
+                                        <p:tgtEl>
+                                          <p:spTgt spid="8">
+                                            <p:txEl>
+                                              <p:pRg st="1" end="1"/>
+                                            </p:txEl>
+                                          </p:spTgt>
+                                        </p:tgtEl>
+                                      </p:cBhvr>
+                                    </p:animEffect>
+                                  </p:childTnLst>
+                                </p:cTn>
+                              </p:par>
+                            </p:childTnLst>
+                          </p:cTn>
+                        </p:par>
+                      </p:childTnLst>
+                    </p:cTn>
+                  </p:par>
+                  <p:par>
+                    <p:cTn id="11" fill="hold">
+                      <p:stCondLst>
+                        <p:cond delay="indefinite"/>
+                      </p:stCondLst>
+                      <p:childTnLst>
+                        <p:par>
+                          <p:cTn id="12" fill="hold">
+                            <p:stCondLst>
+                              <p:cond delay="0"/>
+                            </p:stCondLst>
+                            <p:childTnLst>
+                              <p:par>
+                                <p:cTn id="13" presetID="10" presetClass="entr" presetSubtype="0" fill="hold" nodeType="clickEffect">
+                                  <p:stCondLst>
+                                    <p:cond delay="0"/>
+                                  </p:stCondLst>
+                                  <p:childTnLst>
+                                    <p:set>
+                                      <p:cBhvr>
+                                        <p:cTn id="14" dur="1" fill="hold">
+                                          <p:stCondLst>
+                                            <p:cond delay="0"/>
+                                          </p:stCondLst>
+                                        </p:cTn>
+                                        <p:tgtEl>
+                                          <p:spTgt spid="8">
+                                            <p:txEl>
+                                              <p:pRg st="2" end="2"/>
+                                            </p:txEl>
+                                          </p:spTgt>
+                                        </p:tgtEl>
+                                        <p:attrNameLst>
+                                          <p:attrName>style.visibility</p:attrName>
+                                        </p:attrNameLst>
+                                      </p:cBhvr>
+                                      <p:to>
+                                        <p:strVal val="visible"/>
+                                      </p:to>
+                                    </p:set>
+                                    <p:animEffect transition="in" filter="fade">
+                                      <p:cBhvr>
+                                        <p:cTn id="15" dur="500"/>
+                                        <p:tgtEl>
+                                          <p:spTgt spid="8">
+                                            <p:txEl>
+                                              <p:pRg st="2" end="2"/>
+                                            </p:txEl>
+                                          </p:spTgt>
+                                        </p:tgtEl>
+                                      </p:cBhvr>
+                                    </p:animEffect>
+                                  </p:childTnLst>
+                                </p:cTn>
+                              </p:par>
+                            </p:childTnLst>
+                          </p:cTn>
+                        </p:par>
+                      </p:childTnLst>
+                    </p:cTn>
+                  </p:par>
+                  <p:par>
+                    <p:cTn id="16" fill="hold">
+                      <p:stCondLst>
+                        <p:cond delay="indefinite"/>
+                      </p:stCondLst>
+                      <p:childTnLst>
+                        <p:par>
+                          <p:cTn id="17" fill="hold">
+                            <p:stCondLst>
+                              <p:cond delay="0"/>
+                            </p:stCondLst>
+                            <p:childTnLst>
+                              <p:par>
+                                <p:cTn id="18" presetID="10" presetClass="entr" presetSubtype="0" fill="hold" nodeType="clickEffect">
+                                  <p:stCondLst>
+                                    <p:cond delay="0"/>
+                                  </p:stCondLst>
+                                  <p:childTnLst>
+                                    <p:set>
+                                      <p:cBhvr>
+                                        <p:cTn id="19" dur="1" fill="hold">
+                                          <p:stCondLst>
+                                            <p:cond delay="0"/>
+                                          </p:stCondLst>
+                                        </p:cTn>
+                                        <p:tgtEl>
+                                          <p:spTgt spid="8">
+                                            <p:txEl>
+                                              <p:pRg st="3" end="3"/>
+                                            </p:txEl>
+                                          </p:spTgt>
+                                        </p:tgtEl>
+                                        <p:attrNameLst>
+                                          <p:attrName>style.visibility</p:attrName>
+                                        </p:attrNameLst>
+                                      </p:cBhvr>
+                                      <p:to>
+                                        <p:strVal val="visible"/>
+                                      </p:to>
+                                    </p:set>
+                                    <p:animEffect transition="in" filter="fade">
+                                      <p:cBhvr>
+                                        <p:cTn id="20" dur="500"/>
+                                        <p:tgtEl>
+                                          <p:spTgt spid="8">
+                                            <p:txEl>
+                                              <p:pRg st="3" end="3"/>
+                                            </p:txEl>
+                                          </p:spTgt>
+                                        </p:tgtEl>
+                                      </p:cBhvr>
+                                    </p:animEffect>
+                                  </p:childTnLst>
+                                </p:cTn>
+                              </p:par>
+                            </p:childTnLst>
+                          </p:cTn>
+                        </p:par>
+                      </p:childTnLst>
+                    </p:cTn>
+                  </p:par>
+                </p:childTnLst>
+              </p:cTn>
+              <p:prevCondLst>
+                <p:cond evt="onPrev" delay="0">
+                  <p:tgtEl>
+                    <p:sldTgt/>
+                  </p:tgtEl>
+                </p:cond>
+              </p:prevCondLst>
+              <p:nextCondLst>
+                <p:cond evt="onNext" delay="0">
+                  <p:tgtEl>
+                    <p:sldTgt/>
+                  </p:tgtEl>
+                </p:cond>
+              </p:nextCondLst>
+            </p:seq>
+          </p:childTnLst>
+        </p:cTn>
+      </p:par>
+    </p:tnLst>
+  </p:timing>
+</p:sld>
+</file>
+
+<file path=ppt/slides/slide2.xml><?xml version="1.0" encoding="utf-8"?>
+<p:sld xmlns:a="http://schemas.openxmlformats.org/drawingml/2006/main" xmlns:r="http://schemas.openxmlformats.org/officeDocument/2006/relationships" xmlns:p="http://schemas.openxmlformats.org/presentationml/2006/main">
+  <p:cSld>
+    <p:spTree>
+      <p:nvGrpSpPr>
+        <p:cNvPr id="1" name=""/>
+        <p:cNvGrpSpPr/>
+        <p:nvPr/>
+      </p:nvGrpSpPr>
+      <p:grpSpPr>
+        <a:xfrm>
+          <a:off x="0" y="0"/>
+          <a:ext cx="0" cy="0"/>
+          <a:chOff x="0" y="0"/>
+          <a:chExt cx="0" cy="0"/>
+        </a:xfrm>
+      </p:grpSpPr>
+      <p:sp>
+        <p:nvSpPr>
+          <p:cNvPr id="4098" name="Rectangle 2"/>
+          <p:cNvSpPr>
+            <a:spLocks noGrp="1" noChangeArrowheads="1"/>
+          </p:cNvSpPr>
+          <p:nvPr>
+            <p:ph type="ctrTitle"/>
+          </p:nvPr>
+        </p:nvSpPr>
+        <p:spPr>
+          <a:xfrm>
+            <a:off x="395288" y="1628775"/>
+            <a:ext cx="8569325" cy="1144588"/>
+          </a:xfrm>
+        </p:spPr>
+        <p:txBody>
+          <a:bodyPr/>
+          <a:lstStyle/>
+          <a:p>
+            <a:pPr eaLnBrk="1" hangingPunct="1"/>
+            <a:r>
+              <a:rPr lang="sr-Cyrl-RS" altLang="en-US" sz="5400" smtClean="0">
+                <a:solidFill>
+                  <a:srgbClr val="3366FF"/>
+                </a:solidFill>
+              </a:rPr>
+              <a:t>Низови у програмском језику Јава</a:t>
+            </a:r>
+            <a:endParaRPr lang="sr-Latn-CS" altLang="en-US" sz="5400" smtClean="0">
+              <a:solidFill>
+                <a:srgbClr val="3366FF"/>
+              </a:solidFill>
+            </a:endParaRPr>
+          </a:p>
+        </p:txBody>
+      </p:sp>
+      <p:sp>
+        <p:nvSpPr>
+          <p:cNvPr id="5" name="Rectangle 3"/>
+          <p:cNvSpPr txBox="1">
+            <a:spLocks noChangeArrowheads="1"/>
+          </p:cNvSpPr>
+          <p:nvPr/>
+        </p:nvSpPr>
+        <p:spPr bwMode="auto">
+          <a:xfrm>
+            <a:off x="3563888" y="3356992"/>
+            <a:ext cx="5110162" cy="1752600"/>
+          </a:xfrm>
+          <a:prstGeom prst="rect">
+            <a:avLst/>
+          </a:prstGeom>
+          <a:noFill/>
+          <a:ln>
+            <a:noFill/>
+          </a:ln>
+          <a:extLst>
+            <a:ext uri="{909E8E84-426E-40DD-AFC4-6F175D3DCCD1}">
+              <a14:hiddenFill xmlns:a14="http://schemas.microsoft.com/office/drawing/2010/main">
+                <a:solidFill>
+                  <a:srgbClr val="FFFFFF"/>
+                </a:solidFill>
+              </a14:hiddenFill>
+            </a:ext>
+            <a:ext uri="{91240B29-F687-4F45-9708-019B960494DF}">
+              <a14:hiddenLine xmlns:a14="http://schemas.microsoft.com/office/drawing/2010/main" w="9525">
+                <a:solidFill>
+                  <a:srgbClr val="000000"/>
+                </a:solidFill>
+                <a:miter lim="800000"/>
+                <a:headEnd/>
+                <a:tailEnd/>
+              </a14:hiddenLine>
+            </a:ext>
+          </a:extLst>
+        </p:spPr>
+        <p:txBody>
+          <a:bodyPr vert="horz" wrap="square" lIns="91440" tIns="45720" rIns="91440" bIns="45720" numCol="1" anchor="t" anchorCtr="0" compatLnSpc="1">
+            <a:prstTxWarp prst="textNoShape">
+              <a:avLst/>
+            </a:prstTxWarp>
+          </a:bodyPr>
+          <a:lstStyle>
+            <a:lvl1pPr marL="0" indent="0" algn="r" rtl="0" eaLnBrk="0" fontAlgn="base" hangingPunct="0">
+              <a:spcBef>
+                <a:spcPct val="20000"/>
+              </a:spcBef>
+              <a:spcAft>
+                <a:spcPct val="0"/>
+              </a:spcAft>
+              <a:buClr>
+                <a:schemeClr val="accent1"/>
+              </a:buClr>
+              <a:buFont typeface="Wingdings" panose="05000000000000000000" pitchFamily="2" charset="2"/>
+              <a:buNone/>
+              <a:defRPr sz="3200">
+                <a:solidFill>
+                  <a:schemeClr val="tx1"/>
+                </a:solidFill>
+                <a:latin typeface="+mn-lt"/>
+                <a:ea typeface="+mn-ea"/>
+                <a:cs typeface="+mn-cs"/>
+              </a:defRPr>
+            </a:lvl1pPr>
+            <a:lvl2pPr marL="742950" indent="-285750" algn="l" rtl="0" eaLnBrk="0" fontAlgn="base" hangingPunct="0">
+              <a:spcBef>
+                <a:spcPct val="20000"/>
+              </a:spcBef>
+              <a:spcAft>
+                <a:spcPct val="0"/>
+              </a:spcAft>
+              <a:buClr>
+                <a:schemeClr val="accent1"/>
+              </a:buClr>
+              <a:buFont typeface="Wingdings" panose="05000000000000000000" pitchFamily="2" charset="2"/>
+              <a:buChar char="¡"/>
+              <a:defRPr sz="2700">
+                <a:solidFill>
+                  <a:schemeClr val="tx1"/>
+                </a:solidFill>
+                <a:latin typeface="+mn-lt"/>
+              </a:defRPr>
+            </a:lvl2pPr>
+            <a:lvl3pPr marL="1143000" indent="-228600" algn="l" rtl="0" eaLnBrk="0" fontAlgn="base" hangingPunct="0">
+              <a:spcBef>
+                <a:spcPct val="20000"/>
+              </a:spcBef>
+              <a:spcAft>
+                <a:spcPct val="0"/>
+              </a:spcAft>
+              <a:buClr>
+                <a:schemeClr val="accent1"/>
+              </a:buClr>
+              <a:buFont typeface="Wingdings" panose="05000000000000000000" pitchFamily="2" charset="2"/>
+              <a:buChar char="l"/>
+              <a:defRPr sz="2300">
+                <a:solidFill>
+                  <a:schemeClr val="tx1"/>
+                </a:solidFill>
+                <a:latin typeface="+mn-lt"/>
+              </a:defRPr>
+            </a:lvl3pPr>
+            <a:lvl4pPr marL="1600200" indent="-228600" algn="l" rtl="0" eaLnBrk="0" fontAlgn="base" hangingPunct="0">
+              <a:spcBef>
+                <a:spcPct val="20000"/>
+              </a:spcBef>
+              <a:spcAft>
+                <a:spcPct val="0"/>
+              </a:spcAft>
+              <a:buClr>
+                <a:schemeClr val="accent1"/>
+              </a:buClr>
+              <a:buChar char="•"/>
+              <a:defRPr sz="2000">
+                <a:solidFill>
+                  <a:schemeClr val="tx1"/>
+                </a:solidFill>
+                <a:latin typeface="+mn-lt"/>
+              </a:defRPr>
+            </a:lvl4pPr>
+            <a:lvl5pPr marL="2057400" indent="-228600" algn="l" rtl="0" eaLnBrk="0" fontAlgn="base" hangingPunct="0">
+              <a:spcBef>
+                <a:spcPct val="20000"/>
+              </a:spcBef>
+              <a:spcAft>
+                <a:spcPct val="0"/>
+              </a:spcAft>
+              <a:buClr>
+                <a:schemeClr val="accent1"/>
+              </a:buClr>
+              <a:buFont typeface="Wingdings" panose="05000000000000000000" pitchFamily="2" charset="2"/>
+              <a:buChar char=""/>
+              <a:defRPr sz="2000">
+                <a:solidFill>
+                  <a:schemeClr val="tx1"/>
+                </a:solidFill>
+                <a:latin typeface="+mn-lt"/>
+              </a:defRPr>
+            </a:lvl5pPr>
+            <a:lvl6pPr marL="2514600" indent="-228600" algn="l" rtl="0" fontAlgn="base">
+              <a:spcBef>
+                <a:spcPct val="20000"/>
+              </a:spcBef>
+              <a:spcAft>
+                <a:spcPct val="0"/>
+              </a:spcAft>
+              <a:buClr>
+                <a:schemeClr val="accent1"/>
+              </a:buClr>
+              <a:buFont typeface="Wingdings" pitchFamily="2" charset="2"/>
+              <a:buChar char=""/>
+              <a:defRPr sz="2000">
+                <a:solidFill>
+                  <a:schemeClr val="tx1"/>
+                </a:solidFill>
+                <a:latin typeface="+mn-lt"/>
+              </a:defRPr>
+            </a:lvl6pPr>
+            <a:lvl7pPr marL="2971800" indent="-228600" algn="l" rtl="0" fontAlgn="base">
+              <a:spcBef>
+                <a:spcPct val="20000"/>
+              </a:spcBef>
+              <a:spcAft>
+                <a:spcPct val="0"/>
+              </a:spcAft>
+              <a:buClr>
+                <a:schemeClr val="accent1"/>
+              </a:buClr>
+              <a:buFont typeface="Wingdings" pitchFamily="2" charset="2"/>
+              <a:buChar char=""/>
+              <a:defRPr sz="2000">
+                <a:solidFill>
+                  <a:schemeClr val="tx1"/>
+                </a:solidFill>
+                <a:latin typeface="+mn-lt"/>
+              </a:defRPr>
+            </a:lvl7pPr>
+            <a:lvl8pPr marL="3429000" indent="-228600" algn="l" rtl="0" fontAlgn="base">
+              <a:spcBef>
+                <a:spcPct val="20000"/>
+              </a:spcBef>
+              <a:spcAft>
+                <a:spcPct val="0"/>
+              </a:spcAft>
+              <a:buClr>
+                <a:schemeClr val="accent1"/>
+              </a:buClr>
+              <a:buFont typeface="Wingdings" pitchFamily="2" charset="2"/>
+              <a:buChar char=""/>
+              <a:defRPr sz="2000">
+                <a:solidFill>
+                  <a:schemeClr val="tx1"/>
+                </a:solidFill>
+                <a:latin typeface="+mn-lt"/>
+              </a:defRPr>
+            </a:lvl8pPr>
+            <a:lvl9pPr marL="3886200" indent="-228600" algn="l" rtl="0" fontAlgn="base">
+              <a:spcBef>
+                <a:spcPct val="20000"/>
+              </a:spcBef>
+              <a:spcAft>
+                <a:spcPct val="0"/>
+              </a:spcAft>
+              <a:buClr>
+                <a:schemeClr val="accent1"/>
+              </a:buClr>
+              <a:buFont typeface="Wingdings" pitchFamily="2" charset="2"/>
+              <a:buChar char=""/>
+              <a:defRPr sz="2000">
+                <a:solidFill>
+                  <a:schemeClr val="tx1"/>
+                </a:solidFill>
+                <a:latin typeface="+mn-lt"/>
+              </a:defRPr>
+            </a:lvl9pPr>
+          </a:lstStyle>
+          <a:p>
+            <a:pPr eaLnBrk="1" hangingPunct="1"/>
+            <a:r>
+              <a:rPr lang="sr-Cyrl-RS" altLang="en-US" kern="0" dirty="0" smtClean="0">
+                <a:solidFill>
+                  <a:srgbClr val="993300"/>
+                </a:solidFill>
+                <a:latin typeface="Times New Roman" panose="02020603050405020304" pitchFamily="18" charset="0"/>
+                <a:cs typeface="Times New Roman" panose="02020603050405020304" pitchFamily="18" charset="0"/>
+              </a:rPr>
+              <a:t>Владимир Филиповић</a:t>
+            </a:r>
+            <a:endParaRPr lang="en-US" altLang="en-US" kern="0" dirty="0" smtClean="0">
+              <a:solidFill>
+                <a:srgbClr val="993300"/>
+              </a:solidFill>
+              <a:latin typeface="Times New Roman" panose="02020603050405020304" pitchFamily="18" charset="0"/>
+              <a:cs typeface="Times New Roman" panose="02020603050405020304" pitchFamily="18" charset="0"/>
+            </a:endParaRPr>
+          </a:p>
+          <a:p>
+            <a:pPr eaLnBrk="1" hangingPunct="1"/>
+            <a:r>
+              <a:rPr lang="sr-Latn-CS" altLang="en-US" kern="0" dirty="0" smtClean="0">
+                <a:hlinkClick r:id="rId2"/>
+              </a:rPr>
+              <a:t>vladaf@matf.bg.ac.</a:t>
+            </a:r>
+            <a:r>
+              <a:rPr lang="en-US" altLang="en-US" kern="0" dirty="0" err="1" smtClean="0">
+                <a:hlinkClick r:id="rId2"/>
+              </a:rPr>
+              <a:t>rs</a:t>
+            </a:r>
+            <a:endParaRPr lang="sr-Latn-RS" altLang="en-US" kern="0" dirty="0" smtClean="0"/>
+          </a:p>
+          <a:p>
+            <a:pPr eaLnBrk="1" hangingPunct="1"/>
+            <a:r>
+              <a:rPr lang="sr-Cyrl-RS" altLang="en-US" kern="0" dirty="0" smtClean="0">
+                <a:solidFill>
+                  <a:srgbClr val="993300"/>
+                </a:solidFill>
+                <a:latin typeface="Times New Roman" panose="02020603050405020304" pitchFamily="18" charset="0"/>
+                <a:cs typeface="Times New Roman" panose="02020603050405020304" pitchFamily="18" charset="0"/>
+              </a:rPr>
+              <a:t>Александар Картељ</a:t>
+            </a:r>
+            <a:endParaRPr lang="en-US" altLang="en-US" kern="0" dirty="0" smtClean="0">
+              <a:solidFill>
+                <a:srgbClr val="993300"/>
+              </a:solidFill>
+              <a:latin typeface="Times New Roman" panose="02020603050405020304" pitchFamily="18" charset="0"/>
+              <a:cs typeface="Times New Roman" panose="02020603050405020304" pitchFamily="18" charset="0"/>
+            </a:endParaRPr>
+          </a:p>
+          <a:p>
+            <a:pPr eaLnBrk="1" hangingPunct="1"/>
+            <a:r>
+              <a:rPr lang="en-US" altLang="en-US" kern="0" dirty="0" smtClean="0">
+                <a:hlinkClick r:id="rId3"/>
+              </a:rPr>
+              <a:t>k</a:t>
+            </a:r>
+            <a:r>
+              <a:rPr lang="sr-Latn-RS" altLang="en-US" kern="0" dirty="0" smtClean="0">
+                <a:hlinkClick r:id="rId3"/>
+              </a:rPr>
+              <a:t>artelj</a:t>
+            </a:r>
+            <a:r>
+              <a:rPr lang="en-US" altLang="en-US" kern="0" dirty="0" smtClean="0">
+                <a:hlinkClick r:id="rId3"/>
+              </a:rPr>
+              <a:t>@matf.bg.ac.rs</a:t>
+            </a:r>
+            <a:endParaRPr lang="en-US" altLang="en-US" kern="0" dirty="0"/>
+          </a:p>
+        </p:txBody>
+      </p:sp>
+    </p:spTree>
+  </p:cSld>
+  <p:clrMapOvr>
+    <a:masterClrMapping/>
+  </p:clrMapOvr>
+  <p:transition spd="slow"/>
+  <p:timing>
+    <p:tnLst>
+      <p:par>
+        <p:cTn id="1" dur="indefinite" restart="never" nodeType="tmRoot"/>
+      </p:par>
+    </p:tnLst>
+  </p:timing>
+</p:sld>
+</file>
+
+<file path=ppt/slides/slide20.xml><?xml version="1.0" encoding="utf-8"?>
+<p:sld xmlns:a="http://schemas.openxmlformats.org/drawingml/2006/main" xmlns:r="http://schemas.openxmlformats.org/officeDocument/2006/relationships" xmlns:p="http://schemas.openxmlformats.org/presentationml/2006/main">
+  <p:cSld>
+    <p:spTree>
+      <p:nvGrpSpPr>
+        <p:cNvPr id="1" name=""/>
+        <p:cNvGrpSpPr/>
+        <p:nvPr/>
+      </p:nvGrpSpPr>
+      <p:grpSpPr>
+        <a:xfrm>
+          <a:off x="0" y="0"/>
+          <a:ext cx="0" cy="0"/>
+          <a:chOff x="0" y="0"/>
+          <a:chExt cx="0" cy="0"/>
+        </a:xfrm>
+      </p:grpSpPr>
+      <p:sp>
+        <p:nvSpPr>
+          <p:cNvPr id="8" name="Rectangle 5"/>
+          <p:cNvSpPr>
+            <a:spLocks noChangeArrowheads="1"/>
+          </p:cNvSpPr>
+          <p:nvPr/>
+        </p:nvSpPr>
+        <p:spPr bwMode="auto">
+          <a:xfrm>
+            <a:off x="323850" y="1630536"/>
+            <a:ext cx="8712200" cy="4462760"/>
+          </a:xfrm>
+          <a:prstGeom prst="rect">
+            <a:avLst/>
+          </a:prstGeom>
+          <a:noFill/>
+          <a:ln>
+            <a:noFill/>
+          </a:ln>
+          <a:extLst>
+            <a:ext uri="{909E8E84-426E-40DD-AFC4-6F175D3DCCD1}">
+              <a14:hiddenFill xmlns:a14="http://schemas.microsoft.com/office/drawing/2010/main">
+                <a:solidFill>
+                  <a:srgbClr val="FFFFFF"/>
+                </a:solidFill>
+              </a14:hiddenFill>
+            </a:ext>
+            <a:ext uri="{91240B29-F687-4F45-9708-019B960494DF}">
+              <a14:hiddenLine xmlns:a14="http://schemas.microsoft.com/office/drawing/2010/main" w="12700">
+                <a:solidFill>
+                  <a:srgbClr val="000000"/>
+                </a:solidFill>
+                <a:miter lim="800000"/>
+                <a:headEnd/>
+                <a:tailEnd/>
+              </a14:hiddenLine>
+            </a:ext>
+          </a:extLst>
+        </p:spPr>
+        <p:txBody>
+          <a:bodyPr>
+            <a:spAutoFit/>
+          </a:bodyPr>
+          <a:lstStyle/>
+          <a:p>
+            <a:pPr marL="342900" indent="-342900">
+              <a:spcAft>
+                <a:spcPts val="600"/>
+              </a:spcAft>
+              <a:buFont typeface="Arial" panose="020B0604020202020204" pitchFamily="34" charset="0"/>
+              <a:buChar char="•"/>
+              <a:defRPr/>
+            </a:pPr>
+            <a:r>
+              <a:rPr lang="sr-Cyrl-RS" dirty="0" smtClean="0">
+                <a:solidFill>
+                  <a:schemeClr val="tx1"/>
+                </a:solidFill>
+                <a:latin typeface="Garamond" pitchFamily="18" charset="0"/>
+              </a:rPr>
+              <a:t>Новије верзије програмског језика Јава допуштају да параметри функције не буду строго фиксирани, већ да једна иста функција може бити позвана и са различитим бројем аргумената истог типа: </a:t>
+            </a:r>
+          </a:p>
+          <a:p>
+            <a:pPr marL="800100" lvl="1" indent="-342900">
+              <a:spcAft>
+                <a:spcPts val="600"/>
+              </a:spcAft>
+              <a:buFont typeface="Arial" panose="020B0604020202020204" pitchFamily="34" charset="0"/>
+              <a:buChar char="•"/>
+              <a:defRPr/>
+            </a:pPr>
+            <a:r>
+              <a:rPr lang="sr-Cyrl-RS" dirty="0" smtClean="0">
+                <a:solidFill>
+                  <a:schemeClr val="tx1"/>
+                </a:solidFill>
+                <a:latin typeface="Garamond" pitchFamily="18" charset="0"/>
+              </a:rPr>
+              <a:t>Тада је параметар функције низ, а приликом позива се узастопни аргументи истог типа аутоматски конверују у низ</a:t>
+            </a:r>
+            <a:endParaRPr lang="en-US" sz="2000" dirty="0" smtClean="0">
+              <a:solidFill>
+                <a:schemeClr val="tx1"/>
+              </a:solidFill>
+              <a:latin typeface="+mn-lt"/>
+            </a:endParaRPr>
+          </a:p>
+          <a:p>
+            <a:pPr marL="800100" lvl="1" indent="-342900">
+              <a:spcAft>
+                <a:spcPts val="600"/>
+              </a:spcAft>
+              <a:buFont typeface="Arial" panose="020B0604020202020204" pitchFamily="34" charset="0"/>
+              <a:buChar char="•"/>
+              <a:defRPr/>
+            </a:pPr>
+            <a:r>
+              <a:rPr lang="sr-Cyrl-RS" dirty="0" smtClean="0">
+                <a:solidFill>
+                  <a:schemeClr val="tx1"/>
+                </a:solidFill>
+                <a:latin typeface="Garamond" pitchFamily="18" charset="0"/>
+              </a:rPr>
+              <a:t>Налог за аутоматску конверзију узастопних аргумената датог типа у низ се постиже декларисањем помоћу </a:t>
+            </a:r>
+            <a:r>
+              <a:rPr lang="sr-Cyrl-RS" sz="2000" b="1" dirty="0" smtClean="0">
+                <a:solidFill>
+                  <a:schemeClr val="tx1"/>
+                </a:solidFill>
+                <a:latin typeface="+mn-lt"/>
+              </a:rPr>
+              <a:t>...</a:t>
+            </a:r>
+            <a:endParaRPr lang="en-US" sz="2000" b="1" dirty="0" smtClean="0">
+              <a:solidFill>
+                <a:schemeClr val="tx1"/>
+              </a:solidFill>
+              <a:latin typeface="+mn-lt"/>
+            </a:endParaRPr>
+          </a:p>
+          <a:p>
+            <a:pPr marL="800100" lvl="1" indent="-342900">
+              <a:spcAft>
+                <a:spcPts val="600"/>
+              </a:spcAft>
+              <a:buFont typeface="Arial" panose="020B0604020202020204" pitchFamily="34" charset="0"/>
+              <a:buChar char="•"/>
+              <a:defRPr/>
+            </a:pPr>
+            <a:r>
+              <a:rPr lang="sr-Cyrl-RS" dirty="0" smtClean="0">
+                <a:solidFill>
+                  <a:schemeClr val="tx1"/>
+                </a:solidFill>
+                <a:latin typeface="Garamond" pitchFamily="18" charset="0"/>
+              </a:rPr>
+              <a:t>Овако дефинисан параметар функције мора да буде последњи у списку параметара. </a:t>
+            </a:r>
+            <a:endParaRPr lang="sr-Cyrl-RS" sz="2000" dirty="0">
+              <a:solidFill>
+                <a:schemeClr val="tx1"/>
+              </a:solidFill>
+              <a:latin typeface="+mn-lt"/>
+            </a:endParaRPr>
+          </a:p>
+          <a:p>
+            <a:pPr marL="800100" lvl="1" indent="-342900">
+              <a:spcAft>
+                <a:spcPts val="600"/>
+              </a:spcAft>
+              <a:buFont typeface="Arial" panose="020B0604020202020204" pitchFamily="34" charset="0"/>
+              <a:buChar char="•"/>
+              <a:defRPr/>
+            </a:pPr>
+            <a:endParaRPr lang="sr-Cyrl-RS" dirty="0" smtClean="0">
+              <a:solidFill>
+                <a:schemeClr val="tx1"/>
+              </a:solidFill>
+              <a:latin typeface="+mn-lt"/>
+            </a:endParaRPr>
+          </a:p>
+        </p:txBody>
+      </p:sp>
+      <p:sp>
+        <p:nvSpPr>
+          <p:cNvPr id="7" name="Title 1"/>
+          <p:cNvSpPr txBox="1">
+            <a:spLocks/>
+          </p:cNvSpPr>
+          <p:nvPr/>
+        </p:nvSpPr>
+        <p:spPr>
+          <a:xfrm>
+            <a:off x="1403350" y="404664"/>
+            <a:ext cx="7751763" cy="868362"/>
+          </a:xfrm>
+          <a:prstGeom prst="rect">
+            <a:avLst/>
+          </a:prstGeom>
+        </p:spPr>
+        <p:txBody>
+          <a:bodyPr/>
+          <a:lstStyle>
+            <a:lvl1pPr algn="l" rtl="0" eaLnBrk="0" fontAlgn="base" hangingPunct="0">
+              <a:spcBef>
+                <a:spcPct val="0"/>
+              </a:spcBef>
+              <a:spcAft>
+                <a:spcPct val="0"/>
+              </a:spcAft>
+              <a:defRPr sz="3800">
+                <a:solidFill>
+                  <a:schemeClr val="tx2"/>
+                </a:solidFill>
+                <a:latin typeface="+mj-lt"/>
+                <a:ea typeface="+mj-ea"/>
+                <a:cs typeface="+mj-cs"/>
+              </a:defRPr>
+            </a:lvl1pPr>
+            <a:lvl2pPr algn="l" rtl="0" eaLnBrk="0" fontAlgn="base" hangingPunct="0">
+              <a:spcBef>
+                <a:spcPct val="0"/>
+              </a:spcBef>
+              <a:spcAft>
+                <a:spcPct val="0"/>
+              </a:spcAft>
+              <a:defRPr sz="3800">
+                <a:solidFill>
+                  <a:schemeClr val="tx2"/>
+                </a:solidFill>
+                <a:latin typeface="Arial" charset="0"/>
+              </a:defRPr>
+            </a:lvl2pPr>
+            <a:lvl3pPr algn="l" rtl="0" eaLnBrk="0" fontAlgn="base" hangingPunct="0">
+              <a:spcBef>
+                <a:spcPct val="0"/>
+              </a:spcBef>
+              <a:spcAft>
+                <a:spcPct val="0"/>
+              </a:spcAft>
+              <a:defRPr sz="3800">
+                <a:solidFill>
+                  <a:schemeClr val="tx2"/>
+                </a:solidFill>
+                <a:latin typeface="Arial" charset="0"/>
+              </a:defRPr>
+            </a:lvl3pPr>
+            <a:lvl4pPr algn="l" rtl="0" eaLnBrk="0" fontAlgn="base" hangingPunct="0">
+              <a:spcBef>
+                <a:spcPct val="0"/>
+              </a:spcBef>
+              <a:spcAft>
+                <a:spcPct val="0"/>
+              </a:spcAft>
+              <a:defRPr sz="3800">
+                <a:solidFill>
+                  <a:schemeClr val="tx2"/>
+                </a:solidFill>
+                <a:latin typeface="Arial" charset="0"/>
+              </a:defRPr>
+            </a:lvl4pPr>
+            <a:lvl5pPr algn="l" rtl="0" eaLnBrk="0" fontAlgn="base" hangingPunct="0">
+              <a:spcBef>
+                <a:spcPct val="0"/>
+              </a:spcBef>
+              <a:spcAft>
+                <a:spcPct val="0"/>
+              </a:spcAft>
+              <a:defRPr sz="3800">
+                <a:solidFill>
+                  <a:schemeClr val="tx2"/>
+                </a:solidFill>
+                <a:latin typeface="Arial" charset="0"/>
+              </a:defRPr>
+            </a:lvl5pPr>
+            <a:lvl6pPr marL="457200" algn="l" rtl="0" fontAlgn="base">
+              <a:spcBef>
+                <a:spcPct val="0"/>
+              </a:spcBef>
+              <a:spcAft>
+                <a:spcPct val="0"/>
+              </a:spcAft>
+              <a:defRPr sz="3800">
+                <a:solidFill>
+                  <a:schemeClr val="tx2"/>
+                </a:solidFill>
+                <a:latin typeface="Arial" charset="0"/>
+              </a:defRPr>
+            </a:lvl6pPr>
+            <a:lvl7pPr marL="914400" algn="l" rtl="0" fontAlgn="base">
+              <a:spcBef>
+                <a:spcPct val="0"/>
+              </a:spcBef>
+              <a:spcAft>
+                <a:spcPct val="0"/>
+              </a:spcAft>
+              <a:defRPr sz="3800">
+                <a:solidFill>
+                  <a:schemeClr val="tx2"/>
+                </a:solidFill>
+                <a:latin typeface="Arial" charset="0"/>
+              </a:defRPr>
+            </a:lvl7pPr>
+            <a:lvl8pPr marL="1371600" algn="l" rtl="0" fontAlgn="base">
+              <a:spcBef>
+                <a:spcPct val="0"/>
+              </a:spcBef>
+              <a:spcAft>
+                <a:spcPct val="0"/>
+              </a:spcAft>
+              <a:defRPr sz="3800">
+                <a:solidFill>
+                  <a:schemeClr val="tx2"/>
+                </a:solidFill>
+                <a:latin typeface="Arial" charset="0"/>
+              </a:defRPr>
+            </a:lvl8pPr>
+            <a:lvl9pPr marL="1828800" algn="l" rtl="0" fontAlgn="base">
+              <a:spcBef>
+                <a:spcPct val="0"/>
+              </a:spcBef>
+              <a:spcAft>
+                <a:spcPct val="0"/>
+              </a:spcAft>
+              <a:defRPr sz="3800">
+                <a:solidFill>
+                  <a:schemeClr val="tx2"/>
+                </a:solidFill>
+                <a:latin typeface="Arial" charset="0"/>
+              </a:defRPr>
+            </a:lvl9pPr>
+          </a:lstStyle>
+          <a:p>
+            <a:pPr>
+              <a:defRPr/>
+            </a:pPr>
+            <a:r>
+              <a:rPr lang="sr-Cyrl-RS" sz="3600" b="1" kern="0" dirty="0" smtClean="0">
+                <a:solidFill>
+                  <a:srgbClr val="0070C0"/>
+                </a:solidFill>
+              </a:rPr>
+              <a:t>Методи са променљивим бројем аргумената </a:t>
+            </a:r>
+            <a:endParaRPr lang="en-US" sz="3600" b="1" kern="0" dirty="0" smtClean="0">
+              <a:solidFill>
+                <a:srgbClr val="0070C0"/>
+              </a:solidFill>
+            </a:endParaRPr>
+          </a:p>
+        </p:txBody>
+      </p:sp>
+    </p:spTree>
+    <p:extLst>
+      <p:ext uri="{BB962C8B-B14F-4D97-AF65-F5344CB8AC3E}">
+        <p14:creationId xmlns:p14="http://schemas.microsoft.com/office/powerpoint/2010/main" val="3045641114"/>
+      </p:ext>
+    </p:extLst>
+  </p:cSld>
+  <p:clrMapOvr>
+    <a:masterClrMapping/>
+  </p:clrMapOvr>
+  <p:timing>
+    <p:tnLst>
+      <p:par>
+        <p:cTn id="1" dur="indefinite" restart="never" nodeType="tmRoot">
+          <p:childTnLst>
+            <p:seq concurrent="1" nextAc="seek">
+              <p:cTn id="2" dur="indefinite" nodeType="mainSeq">
+                <p:childTnLst>
+                  <p:par>
+                    <p:cTn id="3" fill="hold" nodeType="clickPar">
+                      <p:stCondLst>
+                        <p:cond delay="indefinite"/>
+                      </p:stCondLst>
+                      <p:childTnLst>
+                        <p:par>
+                          <p:cTn id="4" fill="hold" nodeType="withGroup">
+                            <p:stCondLst>
+                              <p:cond delay="0"/>
+                            </p:stCondLst>
+                            <p:childTnLst>
+                              <p:par>
+                                <p:cTn id="5" presetID="10" presetClass="entr" presetSubtype="0" fill="hold" nodeType="clickEffect">
+                                  <p:stCondLst>
+                                    <p:cond delay="0"/>
+                                  </p:stCondLst>
+                                  <p:childTnLst>
+                                    <p:set>
+                                      <p:cBhvr>
+                                        <p:cTn id="6" dur="1" fill="hold">
+                                          <p:stCondLst>
+                                            <p:cond delay="0"/>
+                                          </p:stCondLst>
+                                        </p:cTn>
+                                        <p:tgtEl>
+                                          <p:spTgt spid="8">
+                                            <p:txEl>
+                                              <p:pRg st="0" end="0"/>
+                                            </p:txEl>
+                                          </p:spTgt>
+                                        </p:tgtEl>
+                                        <p:attrNameLst>
+                                          <p:attrName>style.visibility</p:attrName>
+                                        </p:attrNameLst>
+                                      </p:cBhvr>
+                                      <p:to>
+                                        <p:strVal val="visible"/>
+                                      </p:to>
+                                    </p:set>
+                                    <p:animEffect transition="in" filter="fade">
+                                      <p:cBhvr>
+                                        <p:cTn id="7" dur="500"/>
+                                        <p:tgtEl>
+                                          <p:spTgt spid="8">
+                                            <p:txEl>
+                                              <p:pRg st="0" end="0"/>
+                                            </p:txEl>
+                                          </p:spTgt>
+                                        </p:tgtEl>
+                                      </p:cBhvr>
+                                    </p:animEffect>
+                                  </p:childTnLst>
+                                </p:cTn>
+                              </p:par>
+                              <p:par>
+                                <p:cTn id="8" presetID="10" presetClass="entr" presetSubtype="0" fill="hold" nodeType="withEffect">
+                                  <p:stCondLst>
+                                    <p:cond delay="0"/>
+                                  </p:stCondLst>
+                                  <p:childTnLst>
+                                    <p:set>
+                                      <p:cBhvr>
+                                        <p:cTn id="9" dur="1" fill="hold">
+                                          <p:stCondLst>
+                                            <p:cond delay="0"/>
+                                          </p:stCondLst>
+                                        </p:cTn>
+                                        <p:tgtEl>
+                                          <p:spTgt spid="8">
+                                            <p:txEl>
+                                              <p:pRg st="1" end="1"/>
+                                            </p:txEl>
+                                          </p:spTgt>
+                                        </p:tgtEl>
+                                        <p:attrNameLst>
+                                          <p:attrName>style.visibility</p:attrName>
+                                        </p:attrNameLst>
+                                      </p:cBhvr>
+                                      <p:to>
+                                        <p:strVal val="visible"/>
+                                      </p:to>
+                                    </p:set>
+                                    <p:animEffect transition="in" filter="fade">
+                                      <p:cBhvr>
+                                        <p:cTn id="10" dur="500"/>
+                                        <p:tgtEl>
+                                          <p:spTgt spid="8">
+                                            <p:txEl>
+                                              <p:pRg st="1" end="1"/>
+                                            </p:txEl>
+                                          </p:spTgt>
+                                        </p:tgtEl>
+                                      </p:cBhvr>
+                                    </p:animEffect>
+                                  </p:childTnLst>
+                                </p:cTn>
+                              </p:par>
+                            </p:childTnLst>
+                          </p:cTn>
+                        </p:par>
+                      </p:childTnLst>
+                    </p:cTn>
+                  </p:par>
+                  <p:par>
+                    <p:cTn id="11" fill="hold">
+                      <p:stCondLst>
+                        <p:cond delay="indefinite"/>
+                      </p:stCondLst>
+                      <p:childTnLst>
+                        <p:par>
+                          <p:cTn id="12" fill="hold">
+                            <p:stCondLst>
+                              <p:cond delay="0"/>
+                            </p:stCondLst>
+                            <p:childTnLst>
+                              <p:par>
+                                <p:cTn id="13" presetID="10" presetClass="entr" presetSubtype="0" fill="hold" nodeType="clickEffect">
+                                  <p:stCondLst>
+                                    <p:cond delay="0"/>
+                                  </p:stCondLst>
+                                  <p:childTnLst>
+                                    <p:set>
+                                      <p:cBhvr>
+                                        <p:cTn id="14" dur="1" fill="hold">
+                                          <p:stCondLst>
+                                            <p:cond delay="0"/>
+                                          </p:stCondLst>
+                                        </p:cTn>
+                                        <p:tgtEl>
+                                          <p:spTgt spid="8">
+                                            <p:txEl>
+                                              <p:pRg st="2" end="2"/>
+                                            </p:txEl>
+                                          </p:spTgt>
+                                        </p:tgtEl>
+                                        <p:attrNameLst>
+                                          <p:attrName>style.visibility</p:attrName>
+                                        </p:attrNameLst>
+                                      </p:cBhvr>
+                                      <p:to>
+                                        <p:strVal val="visible"/>
+                                      </p:to>
+                                    </p:set>
+                                    <p:animEffect transition="in" filter="fade">
+                                      <p:cBhvr>
+                                        <p:cTn id="15" dur="500"/>
+                                        <p:tgtEl>
+                                          <p:spTgt spid="8">
+                                            <p:txEl>
+                                              <p:pRg st="2" end="2"/>
+                                            </p:txEl>
+                                          </p:spTgt>
+                                        </p:tgtEl>
+                                      </p:cBhvr>
+                                    </p:animEffect>
+                                  </p:childTnLst>
+                                </p:cTn>
+                              </p:par>
+                            </p:childTnLst>
+                          </p:cTn>
+                        </p:par>
+                      </p:childTnLst>
+                    </p:cTn>
+                  </p:par>
+                  <p:par>
+                    <p:cTn id="16" fill="hold">
+                      <p:stCondLst>
+                        <p:cond delay="indefinite"/>
+                      </p:stCondLst>
+                      <p:childTnLst>
+                        <p:par>
+                          <p:cTn id="17" fill="hold">
+                            <p:stCondLst>
+                              <p:cond delay="0"/>
+                            </p:stCondLst>
+                            <p:childTnLst>
+                              <p:par>
+                                <p:cTn id="18" presetID="10" presetClass="entr" presetSubtype="0" fill="hold" nodeType="clickEffect">
+                                  <p:stCondLst>
+                                    <p:cond delay="0"/>
+                                  </p:stCondLst>
+                                  <p:childTnLst>
+                                    <p:set>
+                                      <p:cBhvr>
+                                        <p:cTn id="19" dur="1" fill="hold">
+                                          <p:stCondLst>
+                                            <p:cond delay="0"/>
+                                          </p:stCondLst>
+                                        </p:cTn>
+                                        <p:tgtEl>
+                                          <p:spTgt spid="8">
+                                            <p:txEl>
+                                              <p:pRg st="3" end="3"/>
+                                            </p:txEl>
+                                          </p:spTgt>
+                                        </p:tgtEl>
+                                        <p:attrNameLst>
+                                          <p:attrName>style.visibility</p:attrName>
+                                        </p:attrNameLst>
+                                      </p:cBhvr>
+                                      <p:to>
+                                        <p:strVal val="visible"/>
+                                      </p:to>
+                                    </p:set>
+                                    <p:animEffect transition="in" filter="fade">
+                                      <p:cBhvr>
+                                        <p:cTn id="20" dur="500"/>
+                                        <p:tgtEl>
+                                          <p:spTgt spid="8">
+                                            <p:txEl>
+                                              <p:pRg st="3" end="3"/>
+                                            </p:txEl>
+                                          </p:spTgt>
+                                        </p:tgtEl>
+                                      </p:cBhvr>
+                                    </p:animEffect>
+                                  </p:childTnLst>
+                                </p:cTn>
+                              </p:par>
+                            </p:childTnLst>
+                          </p:cTn>
+                        </p:par>
+                      </p:childTnLst>
+                    </p:cTn>
+                  </p:par>
+                </p:childTnLst>
+              </p:cTn>
+              <p:prevCondLst>
+                <p:cond evt="onPrev" delay="0">
+                  <p:tgtEl>
+                    <p:sldTgt/>
+                  </p:tgtEl>
+                </p:cond>
+              </p:prevCondLst>
+              <p:nextCondLst>
+                <p:cond evt="onNext" delay="0">
+                  <p:tgtEl>
+                    <p:sldTgt/>
+                  </p:tgtEl>
+                </p:cond>
+              </p:nextCondLst>
+            </p:seq>
+          </p:childTnLst>
+        </p:cTn>
+      </p:par>
+    </p:tnLst>
+  </p:timing>
+</p:sld>
+</file>
+
+<file path=ppt/slides/slide21.xml><?xml version="1.0" encoding="utf-8"?>
 <p:sld xmlns:a="http://schemas.openxmlformats.org/drawingml/2006/main" xmlns:r="http://schemas.openxmlformats.org/officeDocument/2006/relationships" xmlns:p="http://schemas.openxmlformats.org/presentationml/2006/main">
   <p:cSld>
     <p:spTree>
@@ -12241,376 +18166,6 @@
             </p:seq>
           </p:childTnLst>
         </p:cTn>
-      </p:par>
-    </p:tnLst>
-  </p:timing>
-</p:sld>
-</file>
-
-<file path=ppt/slides/slide2.xml><?xml version="1.0" encoding="utf-8"?>
-<p:sld xmlns:a="http://schemas.openxmlformats.org/drawingml/2006/main" xmlns:r="http://schemas.openxmlformats.org/officeDocument/2006/relationships" xmlns:p="http://schemas.openxmlformats.org/presentationml/2006/main">
-  <p:cSld>
-    <p:spTree>
-      <p:nvGrpSpPr>
-        <p:cNvPr id="1" name=""/>
-        <p:cNvGrpSpPr/>
-        <p:nvPr/>
-      </p:nvGrpSpPr>
-      <p:grpSpPr>
-        <a:xfrm>
-          <a:off x="0" y="0"/>
-          <a:ext cx="0" cy="0"/>
-          <a:chOff x="0" y="0"/>
-          <a:chExt cx="0" cy="0"/>
-        </a:xfrm>
-      </p:grpSpPr>
-      <p:sp>
-        <p:nvSpPr>
-          <p:cNvPr id="4098" name="Rectangle 2"/>
-          <p:cNvSpPr>
-            <a:spLocks noGrp="1" noChangeArrowheads="1"/>
-          </p:cNvSpPr>
-          <p:nvPr>
-            <p:ph type="ctrTitle"/>
-          </p:nvPr>
-        </p:nvSpPr>
-        <p:spPr>
-          <a:xfrm>
-            <a:off x="395288" y="1628775"/>
-            <a:ext cx="8569325" cy="1144588"/>
-          </a:xfrm>
-        </p:spPr>
-        <p:txBody>
-          <a:bodyPr/>
-          <a:lstStyle/>
-          <a:p>
-            <a:pPr eaLnBrk="1" hangingPunct="1"/>
-            <a:r>
-              <a:rPr lang="sr-Cyrl-RS" altLang="en-US" sz="5400" smtClean="0">
-                <a:solidFill>
-                  <a:srgbClr val="3366FF"/>
-                </a:solidFill>
-              </a:rPr>
-              <a:t>Низови у програмском језику Јава</a:t>
-            </a:r>
-            <a:endParaRPr lang="sr-Latn-CS" altLang="en-US" sz="5400" smtClean="0">
-              <a:solidFill>
-                <a:srgbClr val="3366FF"/>
-              </a:solidFill>
-            </a:endParaRPr>
-          </a:p>
-        </p:txBody>
-      </p:sp>
-      <p:sp>
-        <p:nvSpPr>
-          <p:cNvPr id="5" name="Rectangle 3"/>
-          <p:cNvSpPr txBox="1">
-            <a:spLocks noChangeArrowheads="1"/>
-          </p:cNvSpPr>
-          <p:nvPr/>
-        </p:nvSpPr>
-        <p:spPr bwMode="auto">
-          <a:xfrm>
-            <a:off x="3563888" y="3356992"/>
-            <a:ext cx="5110162" cy="1752600"/>
-          </a:xfrm>
-          <a:prstGeom prst="rect">
-            <a:avLst/>
-          </a:prstGeom>
-          <a:noFill/>
-          <a:ln>
-            <a:noFill/>
-          </a:ln>
-          <a:extLst>
-            <a:ext uri="{909E8E84-426E-40DD-AFC4-6F175D3DCCD1}">
-              <a14:hiddenFill xmlns:a14="http://schemas.microsoft.com/office/drawing/2010/main">
-                <a:solidFill>
-                  <a:srgbClr val="FFFFFF"/>
-                </a:solidFill>
-              </a14:hiddenFill>
-            </a:ext>
-            <a:ext uri="{91240B29-F687-4F45-9708-019B960494DF}">
-              <a14:hiddenLine xmlns:a14="http://schemas.microsoft.com/office/drawing/2010/main" w="9525">
-                <a:solidFill>
-                  <a:srgbClr val="000000"/>
-                </a:solidFill>
-                <a:miter lim="800000"/>
-                <a:headEnd/>
-                <a:tailEnd/>
-              </a14:hiddenLine>
-            </a:ext>
-          </a:extLst>
-        </p:spPr>
-        <p:txBody>
-          <a:bodyPr vert="horz" wrap="square" lIns="91440" tIns="45720" rIns="91440" bIns="45720" numCol="1" anchor="t" anchorCtr="0" compatLnSpc="1">
-            <a:prstTxWarp prst="textNoShape">
-              <a:avLst/>
-            </a:prstTxWarp>
-          </a:bodyPr>
-          <a:lstStyle>
-            <a:lvl1pPr marL="0" indent="0" algn="r" rtl="0" eaLnBrk="0" fontAlgn="base" hangingPunct="0">
-              <a:spcBef>
-                <a:spcPct val="20000"/>
-              </a:spcBef>
-              <a:spcAft>
-                <a:spcPct val="0"/>
-              </a:spcAft>
-              <a:buClr>
-                <a:schemeClr val="accent1"/>
-              </a:buClr>
-              <a:buFont typeface="Wingdings" panose="05000000000000000000" pitchFamily="2" charset="2"/>
-              <a:buNone/>
-              <a:defRPr sz="3200">
-                <a:solidFill>
-                  <a:schemeClr val="tx1"/>
-                </a:solidFill>
-                <a:latin typeface="+mn-lt"/>
-                <a:ea typeface="+mn-ea"/>
-                <a:cs typeface="+mn-cs"/>
-              </a:defRPr>
-            </a:lvl1pPr>
-            <a:lvl2pPr marL="742950" indent="-285750" algn="l" rtl="0" eaLnBrk="0" fontAlgn="base" hangingPunct="0">
-              <a:spcBef>
-                <a:spcPct val="20000"/>
-              </a:spcBef>
-              <a:spcAft>
-                <a:spcPct val="0"/>
-              </a:spcAft>
-              <a:buClr>
-                <a:schemeClr val="accent1"/>
-              </a:buClr>
-              <a:buFont typeface="Wingdings" panose="05000000000000000000" pitchFamily="2" charset="2"/>
-              <a:buChar char="¡"/>
-              <a:defRPr sz="2700">
-                <a:solidFill>
-                  <a:schemeClr val="tx1"/>
-                </a:solidFill>
-                <a:latin typeface="+mn-lt"/>
-              </a:defRPr>
-            </a:lvl2pPr>
-            <a:lvl3pPr marL="1143000" indent="-228600" algn="l" rtl="0" eaLnBrk="0" fontAlgn="base" hangingPunct="0">
-              <a:spcBef>
-                <a:spcPct val="20000"/>
-              </a:spcBef>
-              <a:spcAft>
-                <a:spcPct val="0"/>
-              </a:spcAft>
-              <a:buClr>
-                <a:schemeClr val="accent1"/>
-              </a:buClr>
-              <a:buFont typeface="Wingdings" panose="05000000000000000000" pitchFamily="2" charset="2"/>
-              <a:buChar char="l"/>
-              <a:defRPr sz="2300">
-                <a:solidFill>
-                  <a:schemeClr val="tx1"/>
-                </a:solidFill>
-                <a:latin typeface="+mn-lt"/>
-              </a:defRPr>
-            </a:lvl3pPr>
-            <a:lvl4pPr marL="1600200" indent="-228600" algn="l" rtl="0" eaLnBrk="0" fontAlgn="base" hangingPunct="0">
-              <a:spcBef>
-                <a:spcPct val="20000"/>
-              </a:spcBef>
-              <a:spcAft>
-                <a:spcPct val="0"/>
-              </a:spcAft>
-              <a:buClr>
-                <a:schemeClr val="accent1"/>
-              </a:buClr>
-              <a:buChar char="•"/>
-              <a:defRPr sz="2000">
-                <a:solidFill>
-                  <a:schemeClr val="tx1"/>
-                </a:solidFill>
-                <a:latin typeface="+mn-lt"/>
-              </a:defRPr>
-            </a:lvl4pPr>
-            <a:lvl5pPr marL="2057400" indent="-228600" algn="l" rtl="0" eaLnBrk="0" fontAlgn="base" hangingPunct="0">
-              <a:spcBef>
-                <a:spcPct val="20000"/>
-              </a:spcBef>
-              <a:spcAft>
-                <a:spcPct val="0"/>
-              </a:spcAft>
-              <a:buClr>
-                <a:schemeClr val="accent1"/>
-              </a:buClr>
-              <a:buFont typeface="Wingdings" panose="05000000000000000000" pitchFamily="2" charset="2"/>
-              <a:buChar char=""/>
-              <a:defRPr sz="2000">
-                <a:solidFill>
-                  <a:schemeClr val="tx1"/>
-                </a:solidFill>
-                <a:latin typeface="+mn-lt"/>
-              </a:defRPr>
-            </a:lvl5pPr>
-            <a:lvl6pPr marL="2514600" indent="-228600" algn="l" rtl="0" fontAlgn="base">
-              <a:spcBef>
-                <a:spcPct val="20000"/>
-              </a:spcBef>
-              <a:spcAft>
-                <a:spcPct val="0"/>
-              </a:spcAft>
-              <a:buClr>
-                <a:schemeClr val="accent1"/>
-              </a:buClr>
-              <a:buFont typeface="Wingdings" pitchFamily="2" charset="2"/>
-              <a:buChar char=""/>
-              <a:defRPr sz="2000">
-                <a:solidFill>
-                  <a:schemeClr val="tx1"/>
-                </a:solidFill>
-                <a:latin typeface="+mn-lt"/>
-              </a:defRPr>
-            </a:lvl6pPr>
-            <a:lvl7pPr marL="2971800" indent="-228600" algn="l" rtl="0" fontAlgn="base">
-              <a:spcBef>
-                <a:spcPct val="20000"/>
-              </a:spcBef>
-              <a:spcAft>
-                <a:spcPct val="0"/>
-              </a:spcAft>
-              <a:buClr>
-                <a:schemeClr val="accent1"/>
-              </a:buClr>
-              <a:buFont typeface="Wingdings" pitchFamily="2" charset="2"/>
-              <a:buChar char=""/>
-              <a:defRPr sz="2000">
-                <a:solidFill>
-                  <a:schemeClr val="tx1"/>
-                </a:solidFill>
-                <a:latin typeface="+mn-lt"/>
-              </a:defRPr>
-            </a:lvl7pPr>
-            <a:lvl8pPr marL="3429000" indent="-228600" algn="l" rtl="0" fontAlgn="base">
-              <a:spcBef>
-                <a:spcPct val="20000"/>
-              </a:spcBef>
-              <a:spcAft>
-                <a:spcPct val="0"/>
-              </a:spcAft>
-              <a:buClr>
-                <a:schemeClr val="accent1"/>
-              </a:buClr>
-              <a:buFont typeface="Wingdings" pitchFamily="2" charset="2"/>
-              <a:buChar char=""/>
-              <a:defRPr sz="2000">
-                <a:solidFill>
-                  <a:schemeClr val="tx1"/>
-                </a:solidFill>
-                <a:latin typeface="+mn-lt"/>
-              </a:defRPr>
-            </a:lvl8pPr>
-            <a:lvl9pPr marL="3886200" indent="-228600" algn="l" rtl="0" fontAlgn="base">
-              <a:spcBef>
-                <a:spcPct val="20000"/>
-              </a:spcBef>
-              <a:spcAft>
-                <a:spcPct val="0"/>
-              </a:spcAft>
-              <a:buClr>
-                <a:schemeClr val="accent1"/>
-              </a:buClr>
-              <a:buFont typeface="Wingdings" pitchFamily="2" charset="2"/>
-              <a:buChar char=""/>
-              <a:defRPr sz="2000">
-                <a:solidFill>
-                  <a:schemeClr val="tx1"/>
-                </a:solidFill>
-                <a:latin typeface="+mn-lt"/>
-              </a:defRPr>
-            </a:lvl9pPr>
-          </a:lstStyle>
-          <a:p>
-            <a:pPr eaLnBrk="1" hangingPunct="1"/>
-            <a:r>
-              <a:rPr lang="sr-Cyrl-RS" altLang="en-US" kern="0" dirty="0" smtClean="0">
-                <a:solidFill>
-                  <a:srgbClr val="993300"/>
-                </a:solidFill>
-                <a:latin typeface="Times New Roman" panose="02020603050405020304" pitchFamily="18" charset="0"/>
-                <a:cs typeface="Times New Roman" panose="02020603050405020304" pitchFamily="18" charset="0"/>
-              </a:rPr>
-              <a:t>Владимир Филиповић</a:t>
-            </a:r>
-            <a:endParaRPr lang="en-US" altLang="en-US" kern="0" dirty="0" smtClean="0">
-              <a:solidFill>
-                <a:srgbClr val="993300"/>
-              </a:solidFill>
-              <a:latin typeface="Times New Roman" panose="02020603050405020304" pitchFamily="18" charset="0"/>
-              <a:cs typeface="Times New Roman" panose="02020603050405020304" pitchFamily="18" charset="0"/>
-            </a:endParaRPr>
-          </a:p>
-          <a:p>
-            <a:pPr eaLnBrk="1" hangingPunct="1"/>
-            <a:r>
-              <a:rPr lang="sr-Latn-CS" altLang="en-US" kern="0" dirty="0" smtClean="0">
-                <a:hlinkClick r:id="rId2"/>
-              </a:rPr>
-              <a:t>vladaf@matf.bg.ac.</a:t>
-            </a:r>
-            <a:r>
-              <a:rPr lang="en-US" altLang="en-US" kern="0" dirty="0" err="1" smtClean="0">
-                <a:hlinkClick r:id="rId2"/>
-              </a:rPr>
-              <a:t>rs</a:t>
-            </a:r>
-            <a:endParaRPr lang="sr-Latn-RS" altLang="en-US" kern="0" dirty="0" smtClean="0"/>
-          </a:p>
-          <a:p>
-            <a:pPr eaLnBrk="1" hangingPunct="1"/>
-            <a:r>
-              <a:rPr lang="sr-Cyrl-RS" altLang="en-US" kern="0" dirty="0" smtClean="0">
-                <a:solidFill>
-                  <a:srgbClr val="993300"/>
-                </a:solidFill>
-                <a:latin typeface="Times New Roman" panose="02020603050405020304" pitchFamily="18" charset="0"/>
-                <a:cs typeface="Times New Roman" panose="02020603050405020304" pitchFamily="18" charset="0"/>
-              </a:rPr>
-              <a:t>Александар Картељ</a:t>
-            </a:r>
-            <a:endParaRPr lang="en-US" altLang="en-US" kern="0" dirty="0" smtClean="0">
-              <a:solidFill>
-                <a:srgbClr val="993300"/>
-              </a:solidFill>
-              <a:latin typeface="Times New Roman" panose="02020603050405020304" pitchFamily="18" charset="0"/>
-              <a:cs typeface="Times New Roman" panose="02020603050405020304" pitchFamily="18" charset="0"/>
-            </a:endParaRPr>
-          </a:p>
-          <a:p>
-            <a:pPr eaLnBrk="1" hangingPunct="1"/>
-            <a:r>
-              <a:rPr lang="en-US" altLang="en-US" kern="0" dirty="0" smtClean="0">
-                <a:hlinkClick r:id="rId3"/>
-              </a:rPr>
-              <a:t>k</a:t>
-            </a:r>
-            <a:r>
-              <a:rPr lang="sr-Latn-RS" altLang="en-US" kern="0" dirty="0" smtClean="0">
-                <a:hlinkClick r:id="rId3"/>
-              </a:rPr>
-              <a:t>artelj</a:t>
-            </a:r>
-            <a:r>
-              <a:rPr lang="en-US" altLang="en-US" kern="0" dirty="0" smtClean="0">
-                <a:hlinkClick r:id="rId3"/>
-              </a:rPr>
-              <a:t>@matf.bg.ac.rs</a:t>
-            </a:r>
-            <a:endParaRPr lang="en-US" altLang="en-US" kern="0" dirty="0"/>
-          </a:p>
-        </p:txBody>
-      </p:sp>
-    </p:spTree>
-  </p:cSld>
-  <p:clrMapOvr>
-    <a:masterClrMapping/>
-  </p:clrMapOvr>
-  <p:transition spd="slow"/>
-  <p:timing>
-    <p:tnLst>
-      <p:par>
-        <p:cTn id="1" dur="indefinite" restart="never" nodeType="tmRoot"/>
       </p:par>
     </p:tnLst>
   </p:timing>

--- a/predavanja/prezentacije/OOP08-Nizovi u Javi.pptx
+++ b/predavanja/prezentacije/OOP08-Nizovi u Javi.pptx
@@ -16050,7 +16050,7 @@
         <p:spPr bwMode="auto">
           <a:xfrm>
             <a:off x="323850" y="1445875"/>
-            <a:ext cx="8712200" cy="4462760"/>
+            <a:ext cx="8712200" cy="4832092"/>
           </a:xfrm>
           <a:prstGeom prst="rect">
             <a:avLst/>
@@ -16249,12 +16249,6 @@
               </a:rPr>
               <a:t>()</a:t>
             </a:r>
-            <a:endParaRPr lang="sr-Cyrl-RS" sz="2000" dirty="0">
-              <a:solidFill>
-                <a:schemeClr val="tx1"/>
-              </a:solidFill>
-              <a:latin typeface="+mn-lt"/>
-            </a:endParaRPr>
           </a:p>
           <a:p>
             <a:pPr marL="800100" lvl="1" indent="-342900">
@@ -16265,7 +16259,43 @@
               <a:buChar char="•"/>
               <a:defRPr/>
             </a:pPr>
-            <a:endParaRPr lang="sr-Cyrl-RS" dirty="0" smtClean="0">
+            <a:r>
+              <a:rPr lang="sr-Cyrl-RS" dirty="0" smtClean="0">
+                <a:solidFill>
+                  <a:schemeClr val="tx1"/>
+                </a:solidFill>
+                <a:latin typeface="Garamond" pitchFamily="18" charset="0"/>
+              </a:rPr>
+              <a:t>Копирање дела или целог низа, уз евентуално проширење - </a:t>
+            </a:r>
+            <a:r>
+              <a:rPr lang="sr-Cyrl-RS" dirty="0">
+                <a:solidFill>
+                  <a:schemeClr val="tx1"/>
+                </a:solidFill>
+                <a:latin typeface="Garamond" pitchFamily="18" charset="0"/>
+              </a:rPr>
+              <a:t>статички метод </a:t>
+            </a:r>
+            <a:r>
+              <a:rPr lang="en-US" sz="2000" dirty="0" err="1" smtClean="0">
+                <a:solidFill>
+                  <a:schemeClr val="tx1"/>
+                </a:solidFill>
+                <a:latin typeface="+mn-lt"/>
+              </a:rPr>
+              <a:t>copyFrom</a:t>
+            </a:r>
+            <a:r>
+              <a:rPr lang="en-US" sz="2000" dirty="0" smtClean="0">
+                <a:solidFill>
+                  <a:schemeClr val="tx1"/>
+                </a:solidFill>
+                <a:latin typeface="+mn-lt"/>
+              </a:rPr>
+              <a:t>()</a:t>
+            </a:r>
+            <a:endParaRPr lang="sr-Cyrl-RS" dirty="0">
               <a:solidFill>
                 <a:schemeClr val="tx1"/>
               </a:solidFill>
@@ -16703,6 +16733,67 @@
                       </p:childTnLst>
                     </p:cTn>
                   </p:par>
+                  <p:par>
+                    <p:cTn id="21" fill="hold">
+                      <p:stCondLst>
+                        <p:cond delay="indefinite"/>
+                      </p:stCondLst>
+                      <p:childTnLst>
+                        <p:par>
+                          <p:cTn id="22" fill="hold">
+                            <p:stCondLst>
+                              <p:cond delay="0"/>
+                            </p:stCondLst>
+                            <p:childTnLst>
+                              <p:par>
+                                <p:cTn id="23" presetID="10" presetClass="entr" presetSubtype="0" fill="hold" nodeType="clickEffect">
+                                  <p:stCondLst>
+                                    <p:cond delay="0"/>
+                                  </p:stCondLst>
+                                  <p:childTnLst>
+                                    <p:set>
+                                      <p:cBhvr>
+                                        <p:cTn id="24" dur="1" fill="hold">
+                                          <p:stCondLst>
+                                            <p:cond delay="0"/>
+                                          </p:stCondLst>
+                                        </p:cTn>
+                                        <p:tgtEl>
+                                          <p:spTgt spid="8">
+                                            <p:txEl>
+                                              <p:pRg st="4" end="4"/>
+                                            </p:txEl>
+                                          </p:spTgt>
+                                        </p:tgtEl>
+                                        <p:attrNameLst>
+                                          <p:attrName>style.visibility</p:attrName>
+                                        </p:attrNameLst>
+                                      </p:cBhvr>
+                                      <p:to>
+                                        <p:strVal val="visible"/>
+                                      </p:to>
+                                    </p:set>
+                                    <p:animEffect transition="in" filter="fade">
+                                      <p:cBhvr>
+                                        <p:cTn id="25" dur="500"/>
+                                        <p:tgtEl>
+                                          <p:spTgt spid="8">
+                                            <p:txEl>
+                                              <p:pRg st="4" end="4"/>
+                                            </p:txEl>
+                                          </p:spTgt>
+                                        </p:tgtEl>
+                                      </p:cBhvr>
+                                    </p:animEffect>
+                                  </p:childTnLst>
+                                </p:cTn>
+                              </p:par>
+                            </p:childTnLst>
+                          </p:cTn>
+                        </p:par>
+                      </p:childTnLst>
+                    </p:cTn>
+                  </p:par>
                 </p:childTnLst>
               </p:cTn>
               <p:prevCondLst>
@@ -17126,7 +17217,7 @@
         <p:spPr bwMode="auto">
           <a:xfrm>
             <a:off x="323850" y="1630536"/>
-            <a:ext cx="8712200" cy="4462760"/>
+            <a:ext cx="8712200" cy="5278368"/>
           </a:xfrm>
           <a:prstGeom prst="rect">
             <a:avLst/>
@@ -17254,7 +17345,59 @@
                 </a:solidFill>
                 <a:latin typeface="Garamond" pitchFamily="18" charset="0"/>
               </a:rPr>
-              <a:t>Овако дефинисан параметар функције мора да буде последњи у списку параметара. </a:t>
+              <a:t>Овако дефинисан параметар функције мора да буде последњи у списку </a:t>
+            </a:r>
+            <a:r>
+              <a:rPr lang="sr-Cyrl-RS" dirty="0" smtClean="0">
+                <a:solidFill>
+                  <a:schemeClr val="tx1"/>
+                </a:solidFill>
+                <a:latin typeface="Garamond" pitchFamily="18" charset="0"/>
+              </a:rPr>
+              <a:t>параметара</a:t>
+            </a:r>
+            <a:endParaRPr lang="en-US" dirty="0" smtClean="0">
+              <a:solidFill>
+                <a:schemeClr val="tx1"/>
+              </a:solidFill>
+              <a:latin typeface="Garamond" pitchFamily="18" charset="0"/>
+            </a:endParaRPr>
+          </a:p>
+          <a:p>
+            <a:pPr marL="800100" lvl="1" indent="-342900">
+              <a:spcAft>
+                <a:spcPts val="600"/>
+              </a:spcAft>
+              <a:buFont typeface="Arial" panose="020B0604020202020204" pitchFamily="34" charset="0"/>
+              <a:buChar char="•"/>
+              <a:defRPr/>
+            </a:pPr>
+            <a:r>
+              <a:rPr lang="sr-Cyrl-RS" dirty="0" smtClean="0">
+                <a:solidFill>
+                  <a:schemeClr val="tx1"/>
+                </a:solidFill>
+                <a:latin typeface="Garamond" pitchFamily="18" charset="0"/>
+              </a:rPr>
+              <a:t>Улазна тачка прогама може да буде </a:t>
+            </a:r>
+            <a:r>
+              <a:rPr lang="sr-Cyrl-RS" smtClean="0">
+                <a:solidFill>
+                  <a:schemeClr val="tx1"/>
+                </a:solidFill>
+                <a:latin typeface="Garamond" pitchFamily="18" charset="0"/>
+              </a:rPr>
+              <a:t>реализована као </a:t>
+            </a:r>
+            <a:r>
+              <a:rPr lang="sr-Cyrl-RS" dirty="0" smtClean="0">
+                <a:solidFill>
+                  <a:schemeClr val="tx1"/>
+                </a:solidFill>
+                <a:latin typeface="Garamond" pitchFamily="18" charset="0"/>
+              </a:rPr>
+              <a:t>метод са променљивим бројем аргумената</a:t>
             </a:r>
             <a:endParaRPr lang="sr-Cyrl-RS" sz="2000" dirty="0">
               <a:solidFill>
@@ -17680,6 +17823,67 @@
                                           <p:spTgt spid="8">
                                             <p:txEl>
                                               <p:pRg st="3" end="3"/>
+                                            </p:txEl>
+                                          </p:spTgt>
+                                        </p:tgtEl>
+                                      </p:cBhvr>
+                                    </p:animEffect>
+                                  </p:childTnLst>
+                                </p:cTn>
+                              </p:par>
+                            </p:childTnLst>
+                          </p:cTn>
+                        </p:par>
+                      </p:childTnLst>
+                    </p:cTn>
+                  </p:par>
+                  <p:par>
+                    <p:cTn id="21" fill="hold">
+                      <p:stCondLst>
+                        <p:cond delay="indefinite"/>
+                      </p:stCondLst>
+                      <p:childTnLst>
+                        <p:par>
+                          <p:cTn id="22" fill="hold">
+                            <p:stCondLst>
+                              <p:cond delay="0"/>
+                            </p:stCondLst>
+                            <p:childTnLst>
+                              <p:par>
+                                <p:cTn id="23" presetID="10" presetClass="entr" presetSubtype="0" fill="hold" nodeType="clickEffect">
+                                  <p:stCondLst>
+                                    <p:cond delay="0"/>
+                                  </p:stCondLst>
+                                  <p:childTnLst>
+                                    <p:set>
+                                      <p:cBhvr>
+                                        <p:cTn id="24" dur="1" fill="hold">
+                                          <p:stCondLst>
+                                            <p:cond delay="0"/>
+                                          </p:stCondLst>
+                                        </p:cTn>
+                                        <p:tgtEl>
+                                          <p:spTgt spid="8">
+                                            <p:txEl>
+                                              <p:pRg st="4" end="4"/>
+                                            </p:txEl>
+                                          </p:spTgt>
+                                        </p:tgtEl>
+                                        <p:attrNameLst>
+                                          <p:attrName>style.visibility</p:attrName>
+                                        </p:attrNameLst>
+                                      </p:cBhvr>
+                                      <p:to>
+                                        <p:strVal val="visible"/>
+                                      </p:to>
+                                    </p:set>
+                                    <p:animEffect transition="in" filter="fade">
+                                      <p:cBhvr>
+                                        <p:cTn id="25" dur="500"/>
+                                        <p:tgtEl>
+                                          <p:spTgt spid="8">
+                                            <p:txEl>
+                                              <p:pRg st="4" end="4"/>
                                             </p:txEl>
                                           </p:spTgt>
                                         </p:tgtEl>

--- a/predavanja/prezentacije/OOP08-Nizovi u Javi.pptx
+++ b/predavanja/prezentacije/OOP08-Nizovi u Javi.pptx
@@ -16278,16 +16278,25 @@
               <a:t>статички метод </a:t>
             </a:r>
             <a:r>
-              <a:rPr lang="en-US" sz="2000" dirty="0" err="1" smtClean="0">
+              <a:rPr lang="en-US" sz="2000" dirty="0" smtClean="0">
                 <a:solidFill>
                   <a:schemeClr val="tx1"/>
                 </a:solidFill>
                 <a:latin typeface="+mn-lt"/>
               </a:rPr>
-              <a:t>copyFrom</a:t>
-            </a:r>
-            <a:r>
-              <a:rPr lang="en-US" sz="2000" dirty="0" smtClean="0">
+              <a:t>copy</a:t>
+            </a:r>
+            <a:r>
+              <a:rPr lang="sr-Latn-RS" sz="2000" smtClean="0">
+                <a:solidFill>
+                  <a:schemeClr val="tx1"/>
+                </a:solidFill>
+                <a:latin typeface="+mn-lt"/>
+              </a:rPr>
+              <a:t>Of</a:t>
+            </a:r>
+            <a:r>
+              <a:rPr lang="en-US" sz="2000" smtClean="0">
                 <a:solidFill>
                   <a:schemeClr val="tx1"/>
                 </a:solidFill>
@@ -17345,16 +17354,7 @@
                 </a:solidFill>
                 <a:latin typeface="Garamond" pitchFamily="18" charset="0"/>
               </a:rPr>
-              <a:t>Овако дефинисан параметар функције мора да буде последњи у списку </a:t>
-            </a:r>
-            <a:r>
-              <a:rPr lang="sr-Cyrl-RS" dirty="0" smtClean="0">
-                <a:solidFill>
-                  <a:schemeClr val="tx1"/>
-                </a:solidFill>
-                <a:latin typeface="Garamond" pitchFamily="18" charset="0"/>
-              </a:rPr>
-              <a:t>параметара</a:t>
+              <a:t>Овако дефинисан параметар функције мора да буде последњи у списку параметара</a:t>
             </a:r>
             <a:endParaRPr lang="en-US" dirty="0" smtClean="0">
               <a:solidFill>
